--- a/session3/presentation/Raspberry_pi_Controlling_Hardware.pptx
+++ b/session3/presentation/Raspberry_pi_Controlling_Hardware.pptx
@@ -21,17 +21,18 @@
     <p:sldId id="402" r:id="rId15"/>
     <p:sldId id="266" r:id="rId16"/>
     <p:sldId id="334" r:id="rId17"/>
-    <p:sldId id="405" r:id="rId18"/>
-    <p:sldId id="394" r:id="rId19"/>
-    <p:sldId id="400" r:id="rId20"/>
-    <p:sldId id="422" r:id="rId21"/>
-    <p:sldId id="423" r:id="rId22"/>
-    <p:sldId id="395" r:id="rId23"/>
-    <p:sldId id="396" r:id="rId24"/>
-    <p:sldId id="397" r:id="rId25"/>
-    <p:sldId id="398" r:id="rId26"/>
-    <p:sldId id="399" r:id="rId27"/>
-    <p:sldId id="267" r:id="rId28"/>
+    <p:sldId id="424" r:id="rId18"/>
+    <p:sldId id="405" r:id="rId19"/>
+    <p:sldId id="394" r:id="rId20"/>
+    <p:sldId id="400" r:id="rId21"/>
+    <p:sldId id="422" r:id="rId22"/>
+    <p:sldId id="423" r:id="rId23"/>
+    <p:sldId id="395" r:id="rId24"/>
+    <p:sldId id="396" r:id="rId25"/>
+    <p:sldId id="397" r:id="rId26"/>
+    <p:sldId id="398" r:id="rId27"/>
+    <p:sldId id="399" r:id="rId28"/>
+    <p:sldId id="267" r:id="rId29"/>
   </p:sldIdLst>
   <p:sldSz cx="12192000" cy="6858000"/>
   <p:notesSz cx="6858000" cy="9144000"/>
@@ -138,6 +139,10 @@
 </p:presentation>
 </file>
 
+<file path=ppt/revisionInfo.xml><?xml version="1.0" encoding="utf-8"?>
+<p1510:revInfo xmlns:a="http://schemas.openxmlformats.org/drawingml/2006/main" xmlns:r="http://schemas.openxmlformats.org/officeDocument/2006/relationships" xmlns:p1510="http://schemas.microsoft.com/office/powerpoint/2015/10/main"/>
+</file>
+
 <file path=ppt/slideLayouts/slideLayout1.xml><?xml version="1.0" encoding="utf-8"?>
 <p:sldLayout xmlns:a="http://schemas.openxmlformats.org/drawingml/2006/main" xmlns:r="http://schemas.openxmlformats.org/officeDocument/2006/relationships" xmlns:p="http://schemas.openxmlformats.org/presentationml/2006/main" type="title" preserve="1">
   <p:cSld name="Title Slide">
@@ -267,7 +272,7 @@
           <a:p>
             <a:fld id="{1139FA4A-C808-4981-8BA9-64217A6CCEA7}" type="datetimeFigureOut">
               <a:rPr lang="en-US" smtClean="0"/>
-              <a:t>11/2/2016</a:t>
+              <a:t>9/11/2017</a:t>
             </a:fld>
             <a:endParaRPr lang="en-US"/>
           </a:p>
@@ -435,7 +440,7 @@
           <a:p>
             <a:fld id="{1139FA4A-C808-4981-8BA9-64217A6CCEA7}" type="datetimeFigureOut">
               <a:rPr lang="en-US" smtClean="0"/>
-              <a:t>11/2/2016</a:t>
+              <a:t>9/11/2017</a:t>
             </a:fld>
             <a:endParaRPr lang="en-US"/>
           </a:p>
@@ -613,7 +618,7 @@
           <a:p>
             <a:fld id="{1139FA4A-C808-4981-8BA9-64217A6CCEA7}" type="datetimeFigureOut">
               <a:rPr lang="en-US" smtClean="0"/>
-              <a:t>11/2/2016</a:t>
+              <a:t>9/11/2017</a:t>
             </a:fld>
             <a:endParaRPr lang="en-US"/>
           </a:p>
@@ -781,7 +786,7 @@
           <a:p>
             <a:fld id="{1139FA4A-C808-4981-8BA9-64217A6CCEA7}" type="datetimeFigureOut">
               <a:rPr lang="en-US" smtClean="0"/>
-              <a:t>11/2/2016</a:t>
+              <a:t>9/11/2017</a:t>
             </a:fld>
             <a:endParaRPr lang="en-US"/>
           </a:p>
@@ -1026,7 +1031,7 @@
           <a:p>
             <a:fld id="{1139FA4A-C808-4981-8BA9-64217A6CCEA7}" type="datetimeFigureOut">
               <a:rPr lang="en-US" smtClean="0"/>
-              <a:t>11/2/2016</a:t>
+              <a:t>9/11/2017</a:t>
             </a:fld>
             <a:endParaRPr lang="en-US"/>
           </a:p>
@@ -1255,7 +1260,7 @@
           <a:p>
             <a:fld id="{1139FA4A-C808-4981-8BA9-64217A6CCEA7}" type="datetimeFigureOut">
               <a:rPr lang="en-US" smtClean="0"/>
-              <a:t>11/2/2016</a:t>
+              <a:t>9/11/2017</a:t>
             </a:fld>
             <a:endParaRPr lang="en-US"/>
           </a:p>
@@ -1619,7 +1624,7 @@
           <a:p>
             <a:fld id="{1139FA4A-C808-4981-8BA9-64217A6CCEA7}" type="datetimeFigureOut">
               <a:rPr lang="en-US" smtClean="0"/>
-              <a:t>11/2/2016</a:t>
+              <a:t>9/11/2017</a:t>
             </a:fld>
             <a:endParaRPr lang="en-US"/>
           </a:p>
@@ -1736,7 +1741,7 @@
           <a:p>
             <a:fld id="{1139FA4A-C808-4981-8BA9-64217A6CCEA7}" type="datetimeFigureOut">
               <a:rPr lang="en-US" smtClean="0"/>
-              <a:t>11/2/2016</a:t>
+              <a:t>9/11/2017</a:t>
             </a:fld>
             <a:endParaRPr lang="en-US"/>
           </a:p>
@@ -1831,7 +1836,7 @@
           <a:p>
             <a:fld id="{1139FA4A-C808-4981-8BA9-64217A6CCEA7}" type="datetimeFigureOut">
               <a:rPr lang="en-US" smtClean="0"/>
-              <a:t>11/2/2016</a:t>
+              <a:t>9/11/2017</a:t>
             </a:fld>
             <a:endParaRPr lang="en-US"/>
           </a:p>
@@ -2106,7 +2111,7 @@
           <a:p>
             <a:fld id="{1139FA4A-C808-4981-8BA9-64217A6CCEA7}" type="datetimeFigureOut">
               <a:rPr lang="en-US" smtClean="0"/>
-              <a:t>11/2/2016</a:t>
+              <a:t>9/11/2017</a:t>
             </a:fld>
             <a:endParaRPr lang="en-US"/>
           </a:p>
@@ -2358,7 +2363,7 @@
           <a:p>
             <a:fld id="{1139FA4A-C808-4981-8BA9-64217A6CCEA7}" type="datetimeFigureOut">
               <a:rPr lang="en-US" smtClean="0"/>
-              <a:t>11/2/2016</a:t>
+              <a:t>9/11/2017</a:t>
             </a:fld>
             <a:endParaRPr lang="en-US"/>
           </a:p>
@@ -2569,7 +2574,7 @@
           <a:p>
             <a:fld id="{1139FA4A-C808-4981-8BA9-64217A6CCEA7}" type="datetimeFigureOut">
               <a:rPr lang="en-US" smtClean="0"/>
-              <a:t>11/2/2016</a:t>
+              <a:t>9/11/2017</a:t>
             </a:fld>
             <a:endParaRPr lang="en-US"/>
           </a:p>
@@ -3407,7 +3412,7 @@
                 <a:latin typeface="Consolas" panose="020B0609020204030204" pitchFamily="49" charset="0"/>
                 <a:cs typeface="Consolas" panose="020B0609020204030204" pitchFamily="49" charset="0"/>
               </a:rPr>
-              <a:t> as GPIO </a:t>
+              <a:t> as GPIO</a:t>
             </a:r>
           </a:p>
           <a:p>
@@ -3421,29 +3426,6 @@
                 <a:cs typeface="Consolas" panose="020B0609020204030204" pitchFamily="49" charset="0"/>
               </a:rPr>
               <a:t>import time</a:t>
-            </a:r>
-          </a:p>
-          <a:p>
-            <a:pPr lvl="1"/>
-            <a:r>
-              <a:rPr lang="en-US" sz="2000" b="1" i="1" dirty="0" err="1">
-                <a:solidFill>
-                  <a:srgbClr val="0070C0"/>
-                </a:solidFill>
-                <a:latin typeface="Consolas" panose="020B0609020204030204" pitchFamily="49" charset="0"/>
-                <a:cs typeface="Consolas" panose="020B0609020204030204" pitchFamily="49" charset="0"/>
-              </a:rPr>
-              <a:t>GPIO.setmode</a:t>
-            </a:r>
-            <a:r>
-              <a:rPr lang="en-US" sz="2000" b="1" i="1" dirty="0">
-                <a:solidFill>
-                  <a:srgbClr val="0070C0"/>
-                </a:solidFill>
-                <a:latin typeface="Consolas" panose="020B0609020204030204" pitchFamily="49" charset="0"/>
-                <a:cs typeface="Consolas" panose="020B0609020204030204" pitchFamily="49" charset="0"/>
-              </a:rPr>
-              <a:t>(GPIO.BCM)</a:t>
             </a:r>
           </a:p>
           <a:p>
@@ -3459,6 +3441,16 @@
           <a:p>
             <a:pPr lvl="1"/>
             <a:r>
+              <a:rPr lang="en-US" sz="2000" b="1" i="1" dirty="0">
+                <a:solidFill>
+                  <a:srgbClr val="0070C0"/>
+                </a:solidFill>
+                <a:latin typeface="Consolas" panose="020B0609020204030204" pitchFamily="49" charset="0"/>
+                <a:cs typeface="Consolas" panose="020B0609020204030204" pitchFamily="49" charset="0"/>
+              </a:rPr>
+              <a:t>def </a:t>
+            </a:r>
+            <a:r>
               <a:rPr lang="en-US" sz="2000" b="1" i="1" dirty="0" err="1">
                 <a:solidFill>
                   <a:srgbClr val="0070C0"/>
@@ -3466,7 +3458,7 @@
                 <a:latin typeface="Consolas" panose="020B0609020204030204" pitchFamily="49" charset="0"/>
                 <a:cs typeface="Consolas" panose="020B0609020204030204" pitchFamily="49" charset="0"/>
               </a:rPr>
-              <a:t>def</a:t>
+              <a:t>myCallback</a:t>
             </a:r>
             <a:r>
               <a:rPr lang="en-US" sz="2000" b="1" i="1" dirty="0">
@@ -3476,8 +3468,37 @@
                 <a:latin typeface="Consolas" panose="020B0609020204030204" pitchFamily="49" charset="0"/>
                 <a:cs typeface="Consolas" panose="020B0609020204030204" pitchFamily="49" charset="0"/>
               </a:rPr>
+              <a:t>(channel):</a:t>
+            </a:r>
+          </a:p>
+          <a:p>
+            <a:pPr lvl="1"/>
+            <a:r>
+              <a:rPr lang="en-US" sz="2000" b="1" i="1" dirty="0">
+                <a:solidFill>
+                  <a:srgbClr val="0070C0"/>
+                </a:solidFill>
+                <a:latin typeface="Consolas" panose="020B0609020204030204" pitchFamily="49" charset="0"/>
+                <a:cs typeface="Consolas" panose="020B0609020204030204" pitchFamily="49" charset="0"/>
+              </a:rPr>
+              <a:t>    print("You pressed button")    </a:t>
+            </a:r>
+          </a:p>
+          <a:p>
+            <a:pPr lvl="1"/>
+            <a:r>
+              <a:rPr lang="en-US" sz="2000" b="1" i="1" dirty="0">
+                <a:solidFill>
+                  <a:srgbClr val="0070C0"/>
+                </a:solidFill>
+                <a:latin typeface="Consolas" panose="020B0609020204030204" pitchFamily="49" charset="0"/>
+                <a:cs typeface="Consolas" panose="020B0609020204030204" pitchFamily="49" charset="0"/>
+              </a:rPr>
               <a:t> </a:t>
             </a:r>
+          </a:p>
+          <a:p>
+            <a:pPr lvl="1"/>
             <a:r>
               <a:rPr lang="en-US" sz="2000" b="1" i="1" dirty="0" err="1">
                 <a:solidFill>
@@ -3486,7 +3507,7 @@
                 <a:latin typeface="Consolas" panose="020B0609020204030204" pitchFamily="49" charset="0"/>
                 <a:cs typeface="Consolas" panose="020B0609020204030204" pitchFamily="49" charset="0"/>
               </a:rPr>
-              <a:t>my_callback</a:t>
+              <a:t>GPIO.setmode</a:t>
             </a:r>
             <a:r>
               <a:rPr lang="en-US" sz="2000" b="1" i="1" dirty="0">
@@ -3496,12 +3517,22 @@
                 <a:latin typeface="Consolas" panose="020B0609020204030204" pitchFamily="49" charset="0"/>
                 <a:cs typeface="Consolas" panose="020B0609020204030204" pitchFamily="49" charset="0"/>
               </a:rPr>
-              <a:t>(channel):    </a:t>
+              <a:t>(GPIO.BCM)</a:t>
             </a:r>
           </a:p>
           <a:p>
             <a:pPr lvl="1"/>
             <a:r>
+              <a:rPr lang="en-US" sz="2000" b="1" i="1" dirty="0" err="1">
+                <a:solidFill>
+                  <a:srgbClr val="0070C0"/>
+                </a:solidFill>
+                <a:latin typeface="Consolas" panose="020B0609020204030204" pitchFamily="49" charset="0"/>
+                <a:cs typeface="Consolas" panose="020B0609020204030204" pitchFamily="49" charset="0"/>
+              </a:rPr>
+              <a:t>GPIO.setup</a:t>
+            </a:r>
+            <a:r>
               <a:rPr lang="en-US" sz="2000" b="1" i="1" dirty="0">
                 <a:solidFill>
                   <a:srgbClr val="0070C0"/>
@@ -3509,7 +3540,90 @@
                 <a:latin typeface="Consolas" panose="020B0609020204030204" pitchFamily="49" charset="0"/>
                 <a:cs typeface="Consolas" panose="020B0609020204030204" pitchFamily="49" charset="0"/>
               </a:rPr>
-              <a:t>	print('You pressed the button')</a:t>
+              <a:t>(18, GPIO.IN, </a:t>
+            </a:r>
+            <a:r>
+              <a:rPr lang="en-US" sz="2000" b="1" i="1" dirty="0" err="1">
+                <a:solidFill>
+                  <a:srgbClr val="0070C0"/>
+                </a:solidFill>
+                <a:latin typeface="Consolas" panose="020B0609020204030204" pitchFamily="49" charset="0"/>
+                <a:cs typeface="Consolas" panose="020B0609020204030204" pitchFamily="49" charset="0"/>
+              </a:rPr>
+              <a:t>pull_up_down</a:t>
+            </a:r>
+            <a:r>
+              <a:rPr lang="en-US" sz="2000" b="1" i="1" dirty="0">
+                <a:solidFill>
+                  <a:srgbClr val="0070C0"/>
+                </a:solidFill>
+                <a:latin typeface="Consolas" panose="020B0609020204030204" pitchFamily="49" charset="0"/>
+                <a:cs typeface="Consolas" panose="020B0609020204030204" pitchFamily="49" charset="0"/>
+              </a:rPr>
+              <a:t>=GPIO.PUD_UP)</a:t>
+            </a:r>
+          </a:p>
+          <a:p>
+            <a:pPr lvl="1"/>
+            <a:r>
+              <a:rPr lang="en-US" sz="2000" b="1" i="1" dirty="0" err="1">
+                <a:solidFill>
+                  <a:srgbClr val="0070C0"/>
+                </a:solidFill>
+                <a:latin typeface="Consolas" panose="020B0609020204030204" pitchFamily="49" charset="0"/>
+                <a:cs typeface="Consolas" panose="020B0609020204030204" pitchFamily="49" charset="0"/>
+              </a:rPr>
+              <a:t>GPIO.add_event_detect</a:t>
+            </a:r>
+            <a:r>
+              <a:rPr lang="en-US" sz="2000" b="1" i="1" dirty="0">
+                <a:solidFill>
+                  <a:srgbClr val="0070C0"/>
+                </a:solidFill>
+                <a:latin typeface="Consolas" panose="020B0609020204030204" pitchFamily="49" charset="0"/>
+                <a:cs typeface="Consolas" panose="020B0609020204030204" pitchFamily="49" charset="0"/>
+              </a:rPr>
+              <a:t>(18, GPIO.FALLING, callback=</a:t>
+            </a:r>
+            <a:r>
+              <a:rPr lang="en-US" sz="2000" b="1" i="1" dirty="0" err="1">
+                <a:solidFill>
+                  <a:srgbClr val="0070C0"/>
+                </a:solidFill>
+                <a:latin typeface="Consolas" panose="020B0609020204030204" pitchFamily="49" charset="0"/>
+                <a:cs typeface="Consolas" panose="020B0609020204030204" pitchFamily="49" charset="0"/>
+              </a:rPr>
+              <a:t>myCallback</a:t>
+            </a:r>
+            <a:r>
+              <a:rPr lang="en-US" sz="2000" b="1" i="1" dirty="0">
+                <a:solidFill>
+                  <a:srgbClr val="0070C0"/>
+                </a:solidFill>
+                <a:latin typeface="Consolas" panose="020B0609020204030204" pitchFamily="49" charset="0"/>
+                <a:cs typeface="Consolas" panose="020B0609020204030204" pitchFamily="49" charset="0"/>
+              </a:rPr>
+              <a:t>, </a:t>
+            </a:r>
+            <a:r>
+              <a:rPr lang="en-US" sz="2000" b="1" i="1" dirty="0" err="1">
+                <a:solidFill>
+                  <a:srgbClr val="0070C0"/>
+                </a:solidFill>
+                <a:latin typeface="Consolas" panose="020B0609020204030204" pitchFamily="49" charset="0"/>
+                <a:cs typeface="Consolas" panose="020B0609020204030204" pitchFamily="49" charset="0"/>
+              </a:rPr>
+              <a:t>bouncetime</a:t>
+            </a:r>
+            <a:r>
+              <a:rPr lang="en-US" sz="2000" b="1" i="1" dirty="0">
+                <a:solidFill>
+                  <a:srgbClr val="0070C0"/>
+                </a:solidFill>
+                <a:latin typeface="Consolas" panose="020B0609020204030204" pitchFamily="49" charset="0"/>
+                <a:cs typeface="Consolas" panose="020B0609020204030204" pitchFamily="49" charset="0"/>
+              </a:rPr>
+              <a:t>=200)</a:t>
             </a:r>
           </a:p>
           <a:p>
@@ -3532,7 +3646,7 @@
                 <a:latin typeface="Consolas" panose="020B0609020204030204" pitchFamily="49" charset="0"/>
                 <a:cs typeface="Consolas" panose="020B0609020204030204" pitchFamily="49" charset="0"/>
               </a:rPr>
-              <a:t>GPIO.setup</a:t>
+              <a:t>i</a:t>
             </a:r>
             <a:r>
               <a:rPr lang="en-US" sz="2000" b="1" i="1" dirty="0">
@@ -3542,7 +3656,33 @@
                 <a:latin typeface="Consolas" panose="020B0609020204030204" pitchFamily="49" charset="0"/>
                 <a:cs typeface="Consolas" panose="020B0609020204030204" pitchFamily="49" charset="0"/>
               </a:rPr>
-              <a:t>(18, GPIO.IN, </a:t>
+              <a:t> = 0</a:t>
+            </a:r>
+          </a:p>
+          <a:p>
+            <a:pPr lvl="1"/>
+            <a:r>
+              <a:rPr lang="en-US" sz="2000" b="1" i="1" dirty="0">
+                <a:solidFill>
+                  <a:srgbClr val="0070C0"/>
+                </a:solidFill>
+                <a:latin typeface="Consolas" panose="020B0609020204030204" pitchFamily="49" charset="0"/>
+                <a:cs typeface="Consolas" panose="020B0609020204030204" pitchFamily="49" charset="0"/>
+              </a:rPr>
+              <a:t>while(True):</a:t>
+            </a:r>
+          </a:p>
+          <a:p>
+            <a:pPr lvl="1"/>
+            <a:r>
+              <a:rPr lang="en-US" sz="2000" b="1" i="1" dirty="0">
+                <a:solidFill>
+                  <a:srgbClr val="0070C0"/>
+                </a:solidFill>
+                <a:latin typeface="Consolas" panose="020B0609020204030204" pitchFamily="49" charset="0"/>
+                <a:cs typeface="Consolas" panose="020B0609020204030204" pitchFamily="49" charset="0"/>
+              </a:rPr>
+              <a:t>    </a:t>
             </a:r>
             <a:r>
               <a:rPr lang="en-US" sz="2000" b="1" i="1" dirty="0" err="1">
@@ -3552,7 +3692,7 @@
                 <a:latin typeface="Consolas" panose="020B0609020204030204" pitchFamily="49" charset="0"/>
                 <a:cs typeface="Consolas" panose="020B0609020204030204" pitchFamily="49" charset="0"/>
               </a:rPr>
-              <a:t>pull_up_down</a:t>
+              <a:t>i</a:t>
             </a:r>
             <a:r>
               <a:rPr lang="en-US" sz="2000" b="1" i="1" dirty="0">
@@ -3562,12 +3702,42 @@
                 <a:latin typeface="Consolas" panose="020B0609020204030204" pitchFamily="49" charset="0"/>
                 <a:cs typeface="Consolas" panose="020B0609020204030204" pitchFamily="49" charset="0"/>
               </a:rPr>
-              <a:t>=GPIO.PUD_UP) </a:t>
+              <a:t> = </a:t>
+            </a:r>
+            <a:r>
+              <a:rPr lang="en-US" sz="2000" b="1" i="1" dirty="0" err="1">
+                <a:solidFill>
+                  <a:srgbClr val="0070C0"/>
+                </a:solidFill>
+                <a:latin typeface="Consolas" panose="020B0609020204030204" pitchFamily="49" charset="0"/>
+                <a:cs typeface="Consolas" panose="020B0609020204030204" pitchFamily="49" charset="0"/>
+              </a:rPr>
+              <a:t>i</a:t>
+            </a:r>
+            <a:r>
+              <a:rPr lang="en-US" sz="2000" b="1" i="1" dirty="0">
+                <a:solidFill>
+                  <a:srgbClr val="0070C0"/>
+                </a:solidFill>
+                <a:latin typeface="Consolas" panose="020B0609020204030204" pitchFamily="49" charset="0"/>
+                <a:cs typeface="Consolas" panose="020B0609020204030204" pitchFamily="49" charset="0"/>
+              </a:rPr>
+              <a:t> + 1</a:t>
             </a:r>
           </a:p>
           <a:p>
             <a:pPr lvl="1"/>
             <a:r>
+              <a:rPr lang="en-US" sz="2000" b="1" i="1" dirty="0">
+                <a:solidFill>
+                  <a:srgbClr val="0070C0"/>
+                </a:solidFill>
+                <a:latin typeface="Consolas" panose="020B0609020204030204" pitchFamily="49" charset="0"/>
+                <a:cs typeface="Consolas" panose="020B0609020204030204" pitchFamily="49" charset="0"/>
+              </a:rPr>
+              <a:t>    print(</a:t>
+            </a:r>
+            <a:r>
               <a:rPr lang="en-US" sz="2000" b="1" i="1" dirty="0" err="1">
                 <a:solidFill>
                   <a:srgbClr val="0070C0"/>
@@ -3575,7 +3745,7 @@
                 <a:latin typeface="Consolas" panose="020B0609020204030204" pitchFamily="49" charset="0"/>
                 <a:cs typeface="Consolas" panose="020B0609020204030204" pitchFamily="49" charset="0"/>
               </a:rPr>
-              <a:t>GPIO.add_event_detect</a:t>
+              <a:t>i</a:t>
             </a:r>
             <a:r>
               <a:rPr lang="en-US" sz="2000" b="1" i="1" dirty="0">
@@ -3585,7 +3755,20 @@
                 <a:latin typeface="Consolas" panose="020B0609020204030204" pitchFamily="49" charset="0"/>
                 <a:cs typeface="Consolas" panose="020B0609020204030204" pitchFamily="49" charset="0"/>
               </a:rPr>
-              <a:t>(18, GPIO.FALLING, callback=</a:t>
+              <a:t>)</a:t>
+            </a:r>
+          </a:p>
+          <a:p>
+            <a:pPr lvl="1"/>
+            <a:r>
+              <a:rPr lang="en-US" sz="2000" b="1" i="1" dirty="0">
+                <a:solidFill>
+                  <a:srgbClr val="0070C0"/>
+                </a:solidFill>
+                <a:latin typeface="Consolas" panose="020B0609020204030204" pitchFamily="49" charset="0"/>
+                <a:cs typeface="Consolas" panose="020B0609020204030204" pitchFamily="49" charset="0"/>
+              </a:rPr>
+              <a:t>    </a:t>
             </a:r>
             <a:r>
               <a:rPr lang="en-US" sz="2000" b="1" i="1" dirty="0" err="1">
@@ -3595,7 +3778,7 @@
                 <a:latin typeface="Consolas" panose="020B0609020204030204" pitchFamily="49" charset="0"/>
                 <a:cs typeface="Consolas" panose="020B0609020204030204" pitchFamily="49" charset="0"/>
               </a:rPr>
-              <a:t>my_callback</a:t>
+              <a:t>time.sleep</a:t>
             </a:r>
             <a:r>
               <a:rPr lang="en-US" sz="2000" b="1" i="1" dirty="0">
@@ -3605,172 +3788,7 @@
                 <a:latin typeface="Consolas" panose="020B0609020204030204" pitchFamily="49" charset="0"/>
                 <a:cs typeface="Consolas" panose="020B0609020204030204" pitchFamily="49" charset="0"/>
               </a:rPr>
-              <a:t>)</a:t>
-            </a:r>
-          </a:p>
-          <a:p>
-            <a:pPr lvl="1"/>
-            <a:endParaRPr lang="en-US" sz="2000" b="1" i="1" dirty="0">
-              <a:solidFill>
-                <a:srgbClr val="0070C0"/>
-              </a:solidFill>
-              <a:latin typeface="Consolas" panose="020B0609020204030204" pitchFamily="49" charset="0"/>
-              <a:cs typeface="Consolas" panose="020B0609020204030204" pitchFamily="49" charset="0"/>
-            </a:endParaRPr>
-          </a:p>
-          <a:p>
-            <a:pPr lvl="1"/>
-            <a:r>
-              <a:rPr lang="en-US" sz="2000" b="1" i="1" dirty="0" err="1">
-                <a:solidFill>
-                  <a:srgbClr val="0070C0"/>
-                </a:solidFill>
-                <a:latin typeface="Consolas" panose="020B0609020204030204" pitchFamily="49" charset="0"/>
-                <a:cs typeface="Consolas" panose="020B0609020204030204" pitchFamily="49" charset="0"/>
-              </a:rPr>
-              <a:t>i</a:t>
-            </a:r>
-            <a:r>
-              <a:rPr lang="en-US" sz="2000" b="1" i="1" dirty="0">
-                <a:solidFill>
-                  <a:srgbClr val="0070C0"/>
-                </a:solidFill>
-                <a:latin typeface="Consolas" panose="020B0609020204030204" pitchFamily="49" charset="0"/>
-                <a:cs typeface="Consolas" panose="020B0609020204030204" pitchFamily="49" charset="0"/>
-              </a:rPr>
-              <a:t> = 0 </a:t>
-            </a:r>
-          </a:p>
-          <a:p>
-            <a:pPr lvl="1"/>
-            <a:r>
-              <a:rPr lang="en-US" sz="2000" b="1" i="1" dirty="0">
-                <a:solidFill>
-                  <a:srgbClr val="0070C0"/>
-                </a:solidFill>
-                <a:latin typeface="Consolas" panose="020B0609020204030204" pitchFamily="49" charset="0"/>
-                <a:cs typeface="Consolas" panose="020B0609020204030204" pitchFamily="49" charset="0"/>
-              </a:rPr>
-              <a:t>while True:</a:t>
-            </a:r>
-          </a:p>
-          <a:p>
-            <a:pPr lvl="1"/>
-            <a:r>
-              <a:rPr lang="en-US" sz="2000" b="1" i="1" dirty="0">
-                <a:solidFill>
-                  <a:srgbClr val="0070C0"/>
-                </a:solidFill>
-                <a:latin typeface="Consolas" panose="020B0609020204030204" pitchFamily="49" charset="0"/>
-                <a:cs typeface="Consolas" panose="020B0609020204030204" pitchFamily="49" charset="0"/>
-              </a:rPr>
-              <a:t>	</a:t>
-            </a:r>
-            <a:r>
-              <a:rPr lang="en-US" sz="2000" b="1" i="1" dirty="0" err="1">
-                <a:solidFill>
-                  <a:srgbClr val="0070C0"/>
-                </a:solidFill>
-                <a:latin typeface="Consolas" panose="020B0609020204030204" pitchFamily="49" charset="0"/>
-                <a:cs typeface="Consolas" panose="020B0609020204030204" pitchFamily="49" charset="0"/>
-              </a:rPr>
-              <a:t>i</a:t>
-            </a:r>
-            <a:r>
-              <a:rPr lang="en-US" sz="2000" b="1" i="1" dirty="0">
-                <a:solidFill>
-                  <a:srgbClr val="0070C0"/>
-                </a:solidFill>
-                <a:latin typeface="Consolas" panose="020B0609020204030204" pitchFamily="49" charset="0"/>
-                <a:cs typeface="Consolas" panose="020B0609020204030204" pitchFamily="49" charset="0"/>
-              </a:rPr>
-              <a:t> = </a:t>
-            </a:r>
-            <a:r>
-              <a:rPr lang="en-US" sz="2000" b="1" i="1" dirty="0" err="1">
-                <a:solidFill>
-                  <a:srgbClr val="0070C0"/>
-                </a:solidFill>
-                <a:latin typeface="Consolas" panose="020B0609020204030204" pitchFamily="49" charset="0"/>
-                <a:cs typeface="Consolas" panose="020B0609020204030204" pitchFamily="49" charset="0"/>
-              </a:rPr>
-              <a:t>i</a:t>
-            </a:r>
-            <a:r>
-              <a:rPr lang="en-US" sz="2000" b="1" i="1" dirty="0">
-                <a:solidFill>
-                  <a:srgbClr val="0070C0"/>
-                </a:solidFill>
-                <a:latin typeface="Consolas" panose="020B0609020204030204" pitchFamily="49" charset="0"/>
-                <a:cs typeface="Consolas" panose="020B0609020204030204" pitchFamily="49" charset="0"/>
-              </a:rPr>
-              <a:t> + 1    </a:t>
-            </a:r>
-          </a:p>
-          <a:p>
-            <a:pPr lvl="1"/>
-            <a:r>
-              <a:rPr lang="en-US" sz="2000" b="1" i="1" dirty="0">
-                <a:solidFill>
-                  <a:srgbClr val="0070C0"/>
-                </a:solidFill>
-                <a:latin typeface="Consolas" panose="020B0609020204030204" pitchFamily="49" charset="0"/>
-                <a:cs typeface="Consolas" panose="020B0609020204030204" pitchFamily="49" charset="0"/>
-              </a:rPr>
-              <a:t>	print(</a:t>
-            </a:r>
-            <a:r>
-              <a:rPr lang="en-US" sz="2000" b="1" i="1" dirty="0" err="1">
-                <a:solidFill>
-                  <a:srgbClr val="0070C0"/>
-                </a:solidFill>
-                <a:latin typeface="Consolas" panose="020B0609020204030204" pitchFamily="49" charset="0"/>
-                <a:cs typeface="Consolas" panose="020B0609020204030204" pitchFamily="49" charset="0"/>
-              </a:rPr>
-              <a:t>i</a:t>
-            </a:r>
-            <a:r>
-              <a:rPr lang="en-US" sz="2000" b="1" i="1" dirty="0">
-                <a:solidFill>
-                  <a:srgbClr val="0070C0"/>
-                </a:solidFill>
-                <a:latin typeface="Consolas" panose="020B0609020204030204" pitchFamily="49" charset="0"/>
-                <a:cs typeface="Consolas" panose="020B0609020204030204" pitchFamily="49" charset="0"/>
-              </a:rPr>
-              <a:t>)    </a:t>
-            </a:r>
-          </a:p>
-          <a:p>
-            <a:pPr lvl="1"/>
-            <a:r>
-              <a:rPr lang="en-US" sz="2000" b="1" i="1" dirty="0">
-                <a:solidFill>
-                  <a:srgbClr val="0070C0"/>
-                </a:solidFill>
-                <a:latin typeface="Consolas" panose="020B0609020204030204" pitchFamily="49" charset="0"/>
-                <a:cs typeface="Consolas" panose="020B0609020204030204" pitchFamily="49" charset="0"/>
-              </a:rPr>
-              <a:t>	</a:t>
-            </a:r>
-            <a:r>
-              <a:rPr lang="en-US" sz="2000" b="1" i="1" dirty="0" err="1">
-                <a:solidFill>
-                  <a:srgbClr val="0070C0"/>
-                </a:solidFill>
-                <a:latin typeface="Consolas" panose="020B0609020204030204" pitchFamily="49" charset="0"/>
-                <a:cs typeface="Consolas" panose="020B0609020204030204" pitchFamily="49" charset="0"/>
-              </a:rPr>
-              <a:t>time.sleep</a:t>
-            </a:r>
-            <a:r>
-              <a:rPr lang="en-US" sz="2000" b="1" i="1" dirty="0">
-                <a:solidFill>
-                  <a:srgbClr val="0070C0"/>
-                </a:solidFill>
-                <a:latin typeface="Consolas" panose="020B0609020204030204" pitchFamily="49" charset="0"/>
-                <a:cs typeface="Consolas" panose="020B0609020204030204" pitchFamily="49" charset="0"/>
-              </a:rPr>
-              <a:t>(1)</a:t>
+              <a:t>(0.2)</a:t>
             </a:r>
             <a:endParaRPr lang="en-US" b="1" i="1" dirty="0">
               <a:solidFill>
@@ -5782,7 +5800,7 @@
         <p:spPr>
           <a:xfrm>
             <a:off x="417443" y="857743"/>
-            <a:ext cx="11357113" cy="6309420"/>
+            <a:ext cx="11357113" cy="5632311"/>
           </a:xfrm>
           <a:prstGeom prst="rect">
             <a:avLst/>
@@ -5867,273 +5885,6 @@
           </a:p>
           <a:p>
             <a:pPr lvl="1"/>
-            <a:r>
-              <a:rPr lang="en-US" sz="2000" b="1" i="1" dirty="0" err="1">
-                <a:solidFill>
-                  <a:srgbClr val="0070C0"/>
-                </a:solidFill>
-                <a:latin typeface="Consolas" panose="020B0609020204030204" pitchFamily="49" charset="0"/>
-                <a:cs typeface="Consolas" panose="020B0609020204030204" pitchFamily="49" charset="0"/>
-              </a:rPr>
-              <a:t>led_pin</a:t>
-            </a:r>
-            <a:r>
-              <a:rPr lang="en-US" sz="2000" b="1" i="1" dirty="0">
-                <a:solidFill>
-                  <a:srgbClr val="0070C0"/>
-                </a:solidFill>
-                <a:latin typeface="Consolas" panose="020B0609020204030204" pitchFamily="49" charset="0"/>
-                <a:cs typeface="Consolas" panose="020B0609020204030204" pitchFamily="49" charset="0"/>
-              </a:rPr>
-              <a:t> = 18 </a:t>
-            </a:r>
-          </a:p>
-          <a:p>
-            <a:pPr lvl="1"/>
-            <a:r>
-              <a:rPr lang="en-US" sz="2000" b="1" i="1" dirty="0" err="1">
-                <a:solidFill>
-                  <a:srgbClr val="0070C0"/>
-                </a:solidFill>
-                <a:latin typeface="Consolas" panose="020B0609020204030204" pitchFamily="49" charset="0"/>
-                <a:cs typeface="Consolas" panose="020B0609020204030204" pitchFamily="49" charset="0"/>
-              </a:rPr>
-              <a:t>GPIO.setmode</a:t>
-            </a:r>
-            <a:r>
-              <a:rPr lang="en-US" sz="2000" b="1" i="1" dirty="0">
-                <a:solidFill>
-                  <a:srgbClr val="0070C0"/>
-                </a:solidFill>
-                <a:latin typeface="Consolas" panose="020B0609020204030204" pitchFamily="49" charset="0"/>
-                <a:cs typeface="Consolas" panose="020B0609020204030204" pitchFamily="49" charset="0"/>
-              </a:rPr>
-              <a:t>(GPIO.BCM) </a:t>
-            </a:r>
-          </a:p>
-          <a:p>
-            <a:pPr lvl="1"/>
-            <a:r>
-              <a:rPr lang="en-US" sz="2000" b="1" i="1" dirty="0" err="1">
-                <a:solidFill>
-                  <a:srgbClr val="0070C0"/>
-                </a:solidFill>
-                <a:latin typeface="Consolas" panose="020B0609020204030204" pitchFamily="49" charset="0"/>
-                <a:cs typeface="Consolas" panose="020B0609020204030204" pitchFamily="49" charset="0"/>
-              </a:rPr>
-              <a:t>GPIO.setup</a:t>
-            </a:r>
-            <a:r>
-              <a:rPr lang="en-US" sz="2000" b="1" i="1" dirty="0">
-                <a:solidFill>
-                  <a:srgbClr val="0070C0"/>
-                </a:solidFill>
-                <a:latin typeface="Consolas" panose="020B0609020204030204" pitchFamily="49" charset="0"/>
-                <a:cs typeface="Consolas" panose="020B0609020204030204" pitchFamily="49" charset="0"/>
-              </a:rPr>
-              <a:t>(</a:t>
-            </a:r>
-            <a:r>
-              <a:rPr lang="en-US" sz="2000" b="1" i="1" dirty="0" err="1">
-                <a:solidFill>
-                  <a:srgbClr val="0070C0"/>
-                </a:solidFill>
-                <a:latin typeface="Consolas" panose="020B0609020204030204" pitchFamily="49" charset="0"/>
-                <a:cs typeface="Consolas" panose="020B0609020204030204" pitchFamily="49" charset="0"/>
-              </a:rPr>
-              <a:t>led_pin</a:t>
-            </a:r>
-            <a:r>
-              <a:rPr lang="en-US" sz="2000" b="1" i="1" dirty="0">
-                <a:solidFill>
-                  <a:srgbClr val="0070C0"/>
-                </a:solidFill>
-                <a:latin typeface="Consolas" panose="020B0609020204030204" pitchFamily="49" charset="0"/>
-                <a:cs typeface="Consolas" panose="020B0609020204030204" pitchFamily="49" charset="0"/>
-              </a:rPr>
-              <a:t>, GPIO.OUT)</a:t>
-            </a:r>
-          </a:p>
-          <a:p>
-            <a:pPr lvl="1"/>
-            <a:r>
-              <a:rPr lang="en-US" sz="2000" b="1" i="1" dirty="0" err="1">
-                <a:solidFill>
-                  <a:srgbClr val="0070C0"/>
-                </a:solidFill>
-                <a:latin typeface="Consolas" panose="020B0609020204030204" pitchFamily="49" charset="0"/>
-                <a:cs typeface="Consolas" panose="020B0609020204030204" pitchFamily="49" charset="0"/>
-              </a:rPr>
-              <a:t>pwm_led</a:t>
-            </a:r>
-            <a:r>
-              <a:rPr lang="en-US" sz="2000" b="1" i="1" dirty="0">
-                <a:solidFill>
-                  <a:srgbClr val="0070C0"/>
-                </a:solidFill>
-                <a:latin typeface="Consolas" panose="020B0609020204030204" pitchFamily="49" charset="0"/>
-                <a:cs typeface="Consolas" panose="020B0609020204030204" pitchFamily="49" charset="0"/>
-              </a:rPr>
-              <a:t> = GPIO.PWM(</a:t>
-            </a:r>
-            <a:r>
-              <a:rPr lang="en-US" sz="2000" b="1" i="1" dirty="0" err="1">
-                <a:solidFill>
-                  <a:srgbClr val="0070C0"/>
-                </a:solidFill>
-                <a:latin typeface="Consolas" panose="020B0609020204030204" pitchFamily="49" charset="0"/>
-                <a:cs typeface="Consolas" panose="020B0609020204030204" pitchFamily="49" charset="0"/>
-              </a:rPr>
-              <a:t>led_pin</a:t>
-            </a:r>
-            <a:r>
-              <a:rPr lang="en-US" sz="2000" b="1" i="1" dirty="0">
-                <a:solidFill>
-                  <a:srgbClr val="0070C0"/>
-                </a:solidFill>
-                <a:latin typeface="Consolas" panose="020B0609020204030204" pitchFamily="49" charset="0"/>
-                <a:cs typeface="Consolas" panose="020B0609020204030204" pitchFamily="49" charset="0"/>
-              </a:rPr>
-              <a:t>, 500) </a:t>
-            </a:r>
-          </a:p>
-          <a:p>
-            <a:pPr lvl="1"/>
-            <a:r>
-              <a:rPr lang="en-US" sz="2000" b="1" i="1" dirty="0" err="1">
-                <a:solidFill>
-                  <a:srgbClr val="0070C0"/>
-                </a:solidFill>
-                <a:latin typeface="Consolas" panose="020B0609020204030204" pitchFamily="49" charset="0"/>
-                <a:cs typeface="Consolas" panose="020B0609020204030204" pitchFamily="49" charset="0"/>
-              </a:rPr>
-              <a:t>pwm_led.start</a:t>
-            </a:r>
-            <a:r>
-              <a:rPr lang="en-US" sz="2000" b="1" i="1" dirty="0">
-                <a:solidFill>
-                  <a:srgbClr val="0070C0"/>
-                </a:solidFill>
-                <a:latin typeface="Consolas" panose="020B0609020204030204" pitchFamily="49" charset="0"/>
-                <a:cs typeface="Consolas" panose="020B0609020204030204" pitchFamily="49" charset="0"/>
-              </a:rPr>
-              <a:t>(100)</a:t>
-            </a:r>
-          </a:p>
-          <a:p>
-            <a:pPr lvl="1"/>
-            <a:r>
-              <a:rPr lang="en-US" sz="2000" b="1" i="1" dirty="0">
-                <a:solidFill>
-                  <a:srgbClr val="0070C0"/>
-                </a:solidFill>
-                <a:latin typeface="Consolas" panose="020B0609020204030204" pitchFamily="49" charset="0"/>
-                <a:cs typeface="Consolas" panose="020B0609020204030204" pitchFamily="49" charset="0"/>
-              </a:rPr>
-              <a:t>while True:        </a:t>
-            </a:r>
-          </a:p>
-          <a:p>
-            <a:pPr lvl="2"/>
-            <a:r>
-              <a:rPr lang="en-US" sz="2000" b="1" i="1" dirty="0" err="1">
-                <a:solidFill>
-                  <a:srgbClr val="0070C0"/>
-                </a:solidFill>
-                <a:latin typeface="Consolas" panose="020B0609020204030204" pitchFamily="49" charset="0"/>
-                <a:cs typeface="Consolas" panose="020B0609020204030204" pitchFamily="49" charset="0"/>
-              </a:rPr>
-              <a:t>duty_s</a:t>
-            </a:r>
-            <a:r>
-              <a:rPr lang="en-US" sz="2000" b="1" i="1" dirty="0">
-                <a:solidFill>
-                  <a:srgbClr val="0070C0"/>
-                </a:solidFill>
-                <a:latin typeface="Consolas" panose="020B0609020204030204" pitchFamily="49" charset="0"/>
-                <a:cs typeface="Consolas" panose="020B0609020204030204" pitchFamily="49" charset="0"/>
-              </a:rPr>
-              <a:t> = input("Enter Brightness (0 to 100):")        </a:t>
-            </a:r>
-          </a:p>
-          <a:p>
-            <a:pPr lvl="2"/>
-            <a:r>
-              <a:rPr lang="en-US" sz="2000" b="1" i="1" dirty="0">
-                <a:solidFill>
-                  <a:srgbClr val="0070C0"/>
-                </a:solidFill>
-                <a:latin typeface="Consolas" panose="020B0609020204030204" pitchFamily="49" charset="0"/>
-                <a:cs typeface="Consolas" panose="020B0609020204030204" pitchFamily="49" charset="0"/>
-              </a:rPr>
-              <a:t>duty = </a:t>
-            </a:r>
-            <a:r>
-              <a:rPr lang="en-US" sz="2000" b="1" i="1" dirty="0" err="1">
-                <a:solidFill>
-                  <a:srgbClr val="0070C0"/>
-                </a:solidFill>
-                <a:latin typeface="Consolas" panose="020B0609020204030204" pitchFamily="49" charset="0"/>
-                <a:cs typeface="Consolas" panose="020B0609020204030204" pitchFamily="49" charset="0"/>
-              </a:rPr>
-              <a:t>int</a:t>
-            </a:r>
-            <a:r>
-              <a:rPr lang="en-US" sz="2000" b="1" i="1" dirty="0">
-                <a:solidFill>
-                  <a:srgbClr val="0070C0"/>
-                </a:solidFill>
-                <a:latin typeface="Consolas" panose="020B0609020204030204" pitchFamily="49" charset="0"/>
-                <a:cs typeface="Consolas" panose="020B0609020204030204" pitchFamily="49" charset="0"/>
-              </a:rPr>
-              <a:t>(</a:t>
-            </a:r>
-            <a:r>
-              <a:rPr lang="en-US" sz="2000" b="1" i="1" dirty="0" err="1">
-                <a:solidFill>
-                  <a:srgbClr val="0070C0"/>
-                </a:solidFill>
-                <a:latin typeface="Consolas" panose="020B0609020204030204" pitchFamily="49" charset="0"/>
-                <a:cs typeface="Consolas" panose="020B0609020204030204" pitchFamily="49" charset="0"/>
-              </a:rPr>
-              <a:t>duty_s</a:t>
-            </a:r>
-            <a:r>
-              <a:rPr lang="en-US" sz="2000" b="1" i="1" dirty="0">
-                <a:solidFill>
-                  <a:srgbClr val="0070C0"/>
-                </a:solidFill>
-                <a:latin typeface="Consolas" panose="020B0609020204030204" pitchFamily="49" charset="0"/>
-                <a:cs typeface="Consolas" panose="020B0609020204030204" pitchFamily="49" charset="0"/>
-              </a:rPr>
-              <a:t>)        </a:t>
-            </a:r>
-          </a:p>
-          <a:p>
-            <a:pPr lvl="2"/>
-            <a:r>
-              <a:rPr lang="en-US" sz="2000" b="1" i="1" dirty="0" err="1">
-                <a:solidFill>
-                  <a:srgbClr val="0070C0"/>
-                </a:solidFill>
-                <a:latin typeface="Consolas" panose="020B0609020204030204" pitchFamily="49" charset="0"/>
-                <a:cs typeface="Consolas" panose="020B0609020204030204" pitchFamily="49" charset="0"/>
-              </a:rPr>
-              <a:t>pwm_led.ChangeDutyCycle</a:t>
-            </a:r>
-            <a:r>
-              <a:rPr lang="en-US" sz="2000" b="1" i="1" dirty="0">
-                <a:solidFill>
-                  <a:srgbClr val="0070C0"/>
-                </a:solidFill>
-                <a:latin typeface="Consolas" panose="020B0609020204030204" pitchFamily="49" charset="0"/>
-                <a:cs typeface="Consolas" panose="020B0609020204030204" pitchFamily="49" charset="0"/>
-              </a:rPr>
-              <a:t>(duty)</a:t>
-            </a:r>
-          </a:p>
-          <a:p>
-            <a:pPr lvl="2"/>
             <a:endParaRPr lang="en-US" sz="2000" b="1" i="1" dirty="0">
               <a:solidFill>
                 <a:srgbClr val="0070C0"/>
@@ -6143,7 +5894,30 @@
             </a:endParaRPr>
           </a:p>
           <a:p>
-            <a:pPr lvl="2"/>
+            <a:pPr lvl="1"/>
+            <a:r>
+              <a:rPr lang="en-US" sz="2000" b="1" i="1" dirty="0" err="1">
+                <a:solidFill>
+                  <a:srgbClr val="0070C0"/>
+                </a:solidFill>
+                <a:latin typeface="Consolas" panose="020B0609020204030204" pitchFamily="49" charset="0"/>
+                <a:cs typeface="Consolas" panose="020B0609020204030204" pitchFamily="49" charset="0"/>
+              </a:rPr>
+              <a:t>ledPin</a:t>
+            </a:r>
+            <a:r>
+              <a:rPr lang="en-US" sz="2000" b="1" i="1" dirty="0">
+                <a:solidFill>
+                  <a:srgbClr val="0070C0"/>
+                </a:solidFill>
+                <a:latin typeface="Consolas" panose="020B0609020204030204" pitchFamily="49" charset="0"/>
+                <a:cs typeface="Consolas" panose="020B0609020204030204" pitchFamily="49" charset="0"/>
+              </a:rPr>
+              <a:t> = 18</a:t>
+            </a:r>
+          </a:p>
+          <a:p>
+            <a:pPr lvl="1"/>
             <a:endParaRPr lang="en-US" sz="2000" b="1" i="1" dirty="0">
               <a:solidFill>
                 <a:srgbClr val="0070C0"/>
@@ -6153,58 +5927,287 @@
             </a:endParaRPr>
           </a:p>
           <a:p>
-            <a:pPr marL="342900" indent="-342900">
-              <a:buFont typeface="Arial" panose="020B0604020202020204" pitchFamily="34" charset="0"/>
-              <a:buChar char="•"/>
-            </a:pPr>
-            <a:r>
-              <a:rPr lang="en-US" sz="2000" dirty="0"/>
-              <a:t>If you are using Python 3 rather than Python 2, change the command </a:t>
-            </a:r>
-            <a:r>
-              <a:rPr lang="en-US" sz="2400" b="1" i="1" dirty="0">
-                <a:solidFill>
-                  <a:srgbClr val="0070C0"/>
-                </a:solidFill>
-                <a:latin typeface="Consolas" panose="020B0609020204030204" pitchFamily="49" charset="0"/>
-                <a:cs typeface="Consolas" panose="020B0609020204030204" pitchFamily="49" charset="0"/>
-              </a:rPr>
-              <a:t>input</a:t>
-            </a:r>
-            <a:r>
-              <a:rPr lang="en-US" sz="2000" dirty="0"/>
-              <a:t> to just </a:t>
-            </a:r>
-            <a:r>
-              <a:rPr lang="en-US" sz="2400" b="1" i="1" dirty="0" err="1">
-                <a:solidFill>
-                  <a:srgbClr val="0070C0"/>
-                </a:solidFill>
-                <a:latin typeface="Consolas" panose="020B0609020204030204" pitchFamily="49" charset="0"/>
-                <a:cs typeface="Consolas" panose="020B0609020204030204" pitchFamily="49" charset="0"/>
-              </a:rPr>
-              <a:t>raw_input</a:t>
-            </a:r>
-            <a:r>
-              <a:rPr lang="en-US" sz="2000" dirty="0"/>
-              <a:t>. </a:t>
-            </a:r>
-          </a:p>
-          <a:p>
-            <a:pPr marL="342900" indent="-342900">
-              <a:buFont typeface="Arial" panose="020B0604020202020204" pitchFamily="34" charset="0"/>
-              <a:buChar char="•"/>
-            </a:pPr>
-            <a:endParaRPr lang="en-US" sz="2000" dirty="0"/>
-          </a:p>
-          <a:p>
-            <a:pPr marL="342900" indent="-342900">
-              <a:buFont typeface="Arial" panose="020B0604020202020204" pitchFamily="34" charset="0"/>
-              <a:buChar char="•"/>
-            </a:pPr>
-            <a:r>
-              <a:rPr lang="en-US" sz="2000" dirty="0"/>
-              <a:t>Run the Python program, and you will be able to change the brightness by entering a number between 0 and 100</a:t>
+            <a:pPr lvl="1"/>
+            <a:r>
+              <a:rPr lang="en-US" sz="2000" b="1" i="1" dirty="0" err="1">
+                <a:solidFill>
+                  <a:srgbClr val="0070C0"/>
+                </a:solidFill>
+                <a:latin typeface="Consolas" panose="020B0609020204030204" pitchFamily="49" charset="0"/>
+                <a:cs typeface="Consolas" panose="020B0609020204030204" pitchFamily="49" charset="0"/>
+              </a:rPr>
+              <a:t>GPIO.setmode</a:t>
+            </a:r>
+            <a:r>
+              <a:rPr lang="en-US" sz="2000" b="1" i="1" dirty="0">
+                <a:solidFill>
+                  <a:srgbClr val="0070C0"/>
+                </a:solidFill>
+                <a:latin typeface="Consolas" panose="020B0609020204030204" pitchFamily="49" charset="0"/>
+                <a:cs typeface="Consolas" panose="020B0609020204030204" pitchFamily="49" charset="0"/>
+              </a:rPr>
+              <a:t>(GPIO.BCM)</a:t>
+            </a:r>
+          </a:p>
+          <a:p>
+            <a:pPr lvl="1"/>
+            <a:r>
+              <a:rPr lang="en-US" sz="2000" b="1" i="1" dirty="0" err="1">
+                <a:solidFill>
+                  <a:srgbClr val="0070C0"/>
+                </a:solidFill>
+                <a:latin typeface="Consolas" panose="020B0609020204030204" pitchFamily="49" charset="0"/>
+                <a:cs typeface="Consolas" panose="020B0609020204030204" pitchFamily="49" charset="0"/>
+              </a:rPr>
+              <a:t>GPIO.setup</a:t>
+            </a:r>
+            <a:r>
+              <a:rPr lang="en-US" sz="2000" b="1" i="1" dirty="0">
+                <a:solidFill>
+                  <a:srgbClr val="0070C0"/>
+                </a:solidFill>
+                <a:latin typeface="Consolas" panose="020B0609020204030204" pitchFamily="49" charset="0"/>
+                <a:cs typeface="Consolas" panose="020B0609020204030204" pitchFamily="49" charset="0"/>
+              </a:rPr>
+              <a:t>(</a:t>
+            </a:r>
+            <a:r>
+              <a:rPr lang="en-US" sz="2000" b="1" i="1" dirty="0" err="1">
+                <a:solidFill>
+                  <a:srgbClr val="0070C0"/>
+                </a:solidFill>
+                <a:latin typeface="Consolas" panose="020B0609020204030204" pitchFamily="49" charset="0"/>
+                <a:cs typeface="Consolas" panose="020B0609020204030204" pitchFamily="49" charset="0"/>
+              </a:rPr>
+              <a:t>ledPin</a:t>
+            </a:r>
+            <a:r>
+              <a:rPr lang="en-US" sz="2000" b="1" i="1" dirty="0">
+                <a:solidFill>
+                  <a:srgbClr val="0070C0"/>
+                </a:solidFill>
+                <a:latin typeface="Consolas" panose="020B0609020204030204" pitchFamily="49" charset="0"/>
+                <a:cs typeface="Consolas" panose="020B0609020204030204" pitchFamily="49" charset="0"/>
+              </a:rPr>
+              <a:t>, GPIO.OUT)</a:t>
+            </a:r>
+          </a:p>
+          <a:p>
+            <a:pPr lvl="1"/>
+            <a:endParaRPr lang="en-US" sz="2000" b="1" i="1" dirty="0">
+              <a:solidFill>
+                <a:srgbClr val="0070C0"/>
+              </a:solidFill>
+              <a:latin typeface="Consolas" panose="020B0609020204030204" pitchFamily="49" charset="0"/>
+              <a:cs typeface="Consolas" panose="020B0609020204030204" pitchFamily="49" charset="0"/>
+            </a:endParaRPr>
+          </a:p>
+          <a:p>
+            <a:pPr lvl="1"/>
+            <a:r>
+              <a:rPr lang="en-US" sz="2000" b="1" i="1" dirty="0" err="1">
+                <a:solidFill>
+                  <a:srgbClr val="0070C0"/>
+                </a:solidFill>
+                <a:latin typeface="Consolas" panose="020B0609020204030204" pitchFamily="49" charset="0"/>
+                <a:cs typeface="Consolas" panose="020B0609020204030204" pitchFamily="49" charset="0"/>
+              </a:rPr>
+              <a:t>pwmLed</a:t>
+            </a:r>
+            <a:r>
+              <a:rPr lang="en-US" sz="2000" b="1" i="1" dirty="0">
+                <a:solidFill>
+                  <a:srgbClr val="0070C0"/>
+                </a:solidFill>
+                <a:latin typeface="Consolas" panose="020B0609020204030204" pitchFamily="49" charset="0"/>
+                <a:cs typeface="Consolas" panose="020B0609020204030204" pitchFamily="49" charset="0"/>
+              </a:rPr>
+              <a:t> = GPIO.PWM(</a:t>
+            </a:r>
+            <a:r>
+              <a:rPr lang="en-US" sz="2000" b="1" i="1" dirty="0" err="1">
+                <a:solidFill>
+                  <a:srgbClr val="0070C0"/>
+                </a:solidFill>
+                <a:latin typeface="Consolas" panose="020B0609020204030204" pitchFamily="49" charset="0"/>
+                <a:cs typeface="Consolas" panose="020B0609020204030204" pitchFamily="49" charset="0"/>
+              </a:rPr>
+              <a:t>ledPin</a:t>
+            </a:r>
+            <a:r>
+              <a:rPr lang="en-US" sz="2000" b="1" i="1" dirty="0">
+                <a:solidFill>
+                  <a:srgbClr val="0070C0"/>
+                </a:solidFill>
+                <a:latin typeface="Consolas" panose="020B0609020204030204" pitchFamily="49" charset="0"/>
+                <a:cs typeface="Consolas" panose="020B0609020204030204" pitchFamily="49" charset="0"/>
+              </a:rPr>
+              <a:t>, 100)</a:t>
+            </a:r>
+          </a:p>
+          <a:p>
+            <a:pPr lvl="1"/>
+            <a:r>
+              <a:rPr lang="en-US" sz="2000" b="1" i="1" dirty="0" err="1">
+                <a:solidFill>
+                  <a:srgbClr val="0070C0"/>
+                </a:solidFill>
+                <a:latin typeface="Consolas" panose="020B0609020204030204" pitchFamily="49" charset="0"/>
+                <a:cs typeface="Consolas" panose="020B0609020204030204" pitchFamily="49" charset="0"/>
+              </a:rPr>
+              <a:t>pwmLed.start</a:t>
+            </a:r>
+            <a:r>
+              <a:rPr lang="en-US" sz="2000" b="1" i="1" dirty="0">
+                <a:solidFill>
+                  <a:srgbClr val="0070C0"/>
+                </a:solidFill>
+                <a:latin typeface="Consolas" panose="020B0609020204030204" pitchFamily="49" charset="0"/>
+                <a:cs typeface="Consolas" panose="020B0609020204030204" pitchFamily="49" charset="0"/>
+              </a:rPr>
+              <a:t>(100)</a:t>
+            </a:r>
+          </a:p>
+          <a:p>
+            <a:pPr lvl="1"/>
+            <a:endParaRPr lang="en-US" sz="2000" b="1" i="1" dirty="0">
+              <a:solidFill>
+                <a:srgbClr val="0070C0"/>
+              </a:solidFill>
+              <a:latin typeface="Consolas" panose="020B0609020204030204" pitchFamily="49" charset="0"/>
+              <a:cs typeface="Consolas" panose="020B0609020204030204" pitchFamily="49" charset="0"/>
+            </a:endParaRPr>
+          </a:p>
+          <a:p>
+            <a:pPr lvl="1"/>
+            <a:r>
+              <a:rPr lang="en-US" sz="2000" b="1" i="1" dirty="0">
+                <a:solidFill>
+                  <a:srgbClr val="0070C0"/>
+                </a:solidFill>
+                <a:latin typeface="Consolas" panose="020B0609020204030204" pitchFamily="49" charset="0"/>
+                <a:cs typeface="Consolas" panose="020B0609020204030204" pitchFamily="49" charset="0"/>
+              </a:rPr>
+              <a:t>while(True):</a:t>
+            </a:r>
+          </a:p>
+          <a:p>
+            <a:pPr lvl="1"/>
+            <a:r>
+              <a:rPr lang="en-US" sz="2000" b="1" i="1" dirty="0">
+                <a:solidFill>
+                  <a:srgbClr val="0070C0"/>
+                </a:solidFill>
+                <a:latin typeface="Consolas" panose="020B0609020204030204" pitchFamily="49" charset="0"/>
+                <a:cs typeface="Consolas" panose="020B0609020204030204" pitchFamily="49" charset="0"/>
+              </a:rPr>
+              <a:t>    </a:t>
+            </a:r>
+            <a:r>
+              <a:rPr lang="en-US" sz="2000" b="1" i="1" dirty="0" err="1">
+                <a:solidFill>
+                  <a:srgbClr val="0070C0"/>
+                </a:solidFill>
+                <a:latin typeface="Consolas" panose="020B0609020204030204" pitchFamily="49" charset="0"/>
+                <a:cs typeface="Consolas" panose="020B0609020204030204" pitchFamily="49" charset="0"/>
+              </a:rPr>
+              <a:t>dutyStr</a:t>
+            </a:r>
+            <a:r>
+              <a:rPr lang="en-US" sz="2000" b="1" i="1" dirty="0">
+                <a:solidFill>
+                  <a:srgbClr val="0070C0"/>
+                </a:solidFill>
+                <a:latin typeface="Consolas" panose="020B0609020204030204" pitchFamily="49" charset="0"/>
+                <a:cs typeface="Consolas" panose="020B0609020204030204" pitchFamily="49" charset="0"/>
+              </a:rPr>
+              <a:t> = input("Please Enter Brightness(0 to 100): ")</a:t>
+            </a:r>
+          </a:p>
+          <a:p>
+            <a:pPr lvl="1"/>
+            <a:r>
+              <a:rPr lang="en-US" sz="2000" b="1" i="1" dirty="0">
+                <a:solidFill>
+                  <a:srgbClr val="0070C0"/>
+                </a:solidFill>
+                <a:latin typeface="Consolas" panose="020B0609020204030204" pitchFamily="49" charset="0"/>
+                <a:cs typeface="Consolas" panose="020B0609020204030204" pitchFamily="49" charset="0"/>
+              </a:rPr>
+              <a:t>    duty = </a:t>
+            </a:r>
+            <a:r>
+              <a:rPr lang="en-US" sz="2000" b="1" i="1" dirty="0" err="1">
+                <a:solidFill>
+                  <a:srgbClr val="0070C0"/>
+                </a:solidFill>
+                <a:latin typeface="Consolas" panose="020B0609020204030204" pitchFamily="49" charset="0"/>
+                <a:cs typeface="Consolas" panose="020B0609020204030204" pitchFamily="49" charset="0"/>
+              </a:rPr>
+              <a:t>int</a:t>
+            </a:r>
+            <a:r>
+              <a:rPr lang="en-US" sz="2000" b="1" i="1" dirty="0">
+                <a:solidFill>
+                  <a:srgbClr val="0070C0"/>
+                </a:solidFill>
+                <a:latin typeface="Consolas" panose="020B0609020204030204" pitchFamily="49" charset="0"/>
+                <a:cs typeface="Consolas" panose="020B0609020204030204" pitchFamily="49" charset="0"/>
+              </a:rPr>
+              <a:t>(</a:t>
+            </a:r>
+            <a:r>
+              <a:rPr lang="en-US" sz="2000" b="1" i="1" dirty="0" err="1">
+                <a:solidFill>
+                  <a:srgbClr val="0070C0"/>
+                </a:solidFill>
+                <a:latin typeface="Consolas" panose="020B0609020204030204" pitchFamily="49" charset="0"/>
+                <a:cs typeface="Consolas" panose="020B0609020204030204" pitchFamily="49" charset="0"/>
+              </a:rPr>
+              <a:t>dutyStr</a:t>
+            </a:r>
+            <a:r>
+              <a:rPr lang="en-US" sz="2000" b="1" i="1" dirty="0">
+                <a:solidFill>
+                  <a:srgbClr val="0070C0"/>
+                </a:solidFill>
+                <a:latin typeface="Consolas" panose="020B0609020204030204" pitchFamily="49" charset="0"/>
+                <a:cs typeface="Consolas" panose="020B0609020204030204" pitchFamily="49" charset="0"/>
+              </a:rPr>
+              <a:t>)</a:t>
+            </a:r>
+          </a:p>
+          <a:p>
+            <a:pPr lvl="1"/>
+            <a:r>
+              <a:rPr lang="en-US" sz="2000" b="1" i="1" dirty="0">
+                <a:solidFill>
+                  <a:srgbClr val="0070C0"/>
+                </a:solidFill>
+                <a:latin typeface="Consolas" panose="020B0609020204030204" pitchFamily="49" charset="0"/>
+                <a:cs typeface="Consolas" panose="020B0609020204030204" pitchFamily="49" charset="0"/>
+              </a:rPr>
+              <a:t>    </a:t>
+            </a:r>
+            <a:r>
+              <a:rPr lang="en-US" sz="2000" b="1" i="1" dirty="0" err="1">
+                <a:solidFill>
+                  <a:srgbClr val="0070C0"/>
+                </a:solidFill>
+                <a:latin typeface="Consolas" panose="020B0609020204030204" pitchFamily="49" charset="0"/>
+                <a:cs typeface="Consolas" panose="020B0609020204030204" pitchFamily="49" charset="0"/>
+              </a:rPr>
+              <a:t>pwmLed.ChangeDutyCycle</a:t>
+            </a:r>
+            <a:r>
+              <a:rPr lang="en-US" sz="2000" b="1" i="1" dirty="0">
+                <a:solidFill>
+                  <a:srgbClr val="0070C0"/>
+                </a:solidFill>
+                <a:latin typeface="Consolas" panose="020B0609020204030204" pitchFamily="49" charset="0"/>
+                <a:cs typeface="Consolas" panose="020B0609020204030204" pitchFamily="49" charset="0"/>
+              </a:rPr>
+              <a:t>(duty)</a:t>
             </a:r>
           </a:p>
           <a:p>
@@ -6436,6 +6439,101 @@
       </p:sp>
       <p:sp>
         <p:nvSpPr>
+          <p:cNvPr id="2" name="TextBox 1"/>
+          <p:cNvSpPr txBox="1"/>
+          <p:nvPr/>
+        </p:nvSpPr>
+        <p:spPr>
+          <a:xfrm>
+            <a:off x="417443" y="857743"/>
+            <a:ext cx="11357113" cy="2000548"/>
+          </a:xfrm>
+          <a:prstGeom prst="rect">
+            <a:avLst/>
+          </a:prstGeom>
+          <a:noFill/>
+        </p:spPr>
+        <p:txBody>
+          <a:bodyPr wrap="square" rtlCol="0">
+            <a:spAutoFit/>
+          </a:bodyPr>
+          <a:lstStyle/>
+          <a:p>
+            <a:pPr lvl="2"/>
+            <a:endParaRPr lang="en-US" sz="2000" b="1" i="1" dirty="0">
+              <a:solidFill>
+                <a:srgbClr val="0070C0"/>
+              </a:solidFill>
+              <a:latin typeface="Consolas" panose="020B0609020204030204" pitchFamily="49" charset="0"/>
+              <a:cs typeface="Consolas" panose="020B0609020204030204" pitchFamily="49" charset="0"/>
+            </a:endParaRPr>
+          </a:p>
+          <a:p>
+            <a:pPr marL="342900" indent="-342900">
+              <a:buFont typeface="Arial" panose="020B0604020202020204" pitchFamily="34" charset="0"/>
+              <a:buChar char="•"/>
+            </a:pPr>
+            <a:r>
+              <a:rPr lang="en-US" sz="2000" dirty="0"/>
+              <a:t>If you are using Python 3 rather than Python 2, change the command </a:t>
+            </a:r>
+            <a:r>
+              <a:rPr lang="en-US" sz="2400" b="1" i="1" dirty="0">
+                <a:solidFill>
+                  <a:srgbClr val="0070C0"/>
+                </a:solidFill>
+                <a:latin typeface="Consolas" panose="020B0609020204030204" pitchFamily="49" charset="0"/>
+                <a:cs typeface="Consolas" panose="020B0609020204030204" pitchFamily="49" charset="0"/>
+              </a:rPr>
+              <a:t>input</a:t>
+            </a:r>
+            <a:r>
+              <a:rPr lang="en-US" sz="2000" dirty="0"/>
+              <a:t> to just </a:t>
+            </a:r>
+            <a:r>
+              <a:rPr lang="en-US" sz="2400" b="1" i="1" dirty="0" err="1">
+                <a:solidFill>
+                  <a:srgbClr val="0070C0"/>
+                </a:solidFill>
+                <a:latin typeface="Consolas" panose="020B0609020204030204" pitchFamily="49" charset="0"/>
+                <a:cs typeface="Consolas" panose="020B0609020204030204" pitchFamily="49" charset="0"/>
+              </a:rPr>
+              <a:t>raw_input</a:t>
+            </a:r>
+            <a:r>
+              <a:rPr lang="en-US" sz="2000" dirty="0"/>
+              <a:t>. </a:t>
+            </a:r>
+          </a:p>
+          <a:p>
+            <a:pPr marL="342900" indent="-342900">
+              <a:buFont typeface="Arial" panose="020B0604020202020204" pitchFamily="34" charset="0"/>
+              <a:buChar char="•"/>
+            </a:pPr>
+            <a:endParaRPr lang="en-US" sz="2000" dirty="0"/>
+          </a:p>
+          <a:p>
+            <a:pPr marL="342900" indent="-342900">
+              <a:buFont typeface="Arial" panose="020B0604020202020204" pitchFamily="34" charset="0"/>
+              <a:buChar char="•"/>
+            </a:pPr>
+            <a:r>
+              <a:rPr lang="en-US" sz="2000" dirty="0"/>
+              <a:t>Run the Python program, and you will be able to change the brightness by entering a number between 0 and 100</a:t>
+            </a:r>
+          </a:p>
+          <a:p>
+            <a:pPr marL="342900" indent="-342900">
+              <a:buFont typeface="Arial" panose="020B0604020202020204" pitchFamily="34" charset="0"/>
+              <a:buChar char="•"/>
+            </a:pPr>
+            <a:endParaRPr lang="en-US" sz="2000" dirty="0"/>
+          </a:p>
+        </p:txBody>
+      </p:sp>
+      <p:sp>
+        <p:nvSpPr>
           <p:cNvPr id="5" name="AutoShape 2" descr="http://raspberry.piaustralia.com.au/product-images/piwithbox.jpg"/>
           <p:cNvSpPr>
             <a:spLocks noChangeAspect="1" noChangeArrowheads="1"/>
@@ -6473,34 +6571,10 @@
           </a:p>
         </p:txBody>
       </p:sp>
-      <p:pic>
-        <p:nvPicPr>
-          <p:cNvPr id="3" name="Picture 2"/>
-          <p:cNvPicPr>
-            <a:picLocks noChangeAspect="1"/>
-          </p:cNvPicPr>
-          <p:nvPr/>
-        </p:nvPicPr>
-        <p:blipFill>
-          <a:blip r:embed="rId2"/>
-          <a:stretch>
-            <a:fillRect/>
-          </a:stretch>
-        </p:blipFill>
-        <p:spPr>
-          <a:xfrm>
-            <a:off x="2438170" y="801471"/>
-            <a:ext cx="7315659" cy="6000257"/>
-          </a:xfrm>
-          <a:prstGeom prst="rect">
-            <a:avLst/>
-          </a:prstGeom>
-        </p:spPr>
-      </p:pic>
     </p:spTree>
     <p:extLst>
       <p:ext uri="{BB962C8B-B14F-4D97-AF65-F5344CB8AC3E}">
-        <p14:creationId xmlns:p14="http://schemas.microsoft.com/office/powerpoint/2010/main" val="2383605082"/>
+        <p14:creationId xmlns:p14="http://schemas.microsoft.com/office/powerpoint/2010/main" val="485136099"/>
       </p:ext>
     </p:extLst>
   </p:cSld>
@@ -6664,7 +6738,7 @@
           <a:p>
             <a:r>
               <a:rPr lang="en-US" dirty="0"/>
-              <a:t>Controlling the Speed of a DC Motor </a:t>
+              <a:t>Controlling the Brightness of an LED </a:t>
             </a:r>
             <a:endParaRPr lang="en-US" b="1" i="1" dirty="0">
               <a:solidFill>
@@ -6717,7 +6791,7 @@
       </p:sp>
       <p:pic>
         <p:nvPicPr>
-          <p:cNvPr id="2" name="Picture 1"/>
+          <p:cNvPr id="3" name="Picture 2"/>
           <p:cNvPicPr>
             <a:picLocks noChangeAspect="1"/>
           </p:cNvPicPr>
@@ -6731,8 +6805,8 @@
         </p:blipFill>
         <p:spPr>
           <a:xfrm>
-            <a:off x="1151346" y="857743"/>
-            <a:ext cx="9862729" cy="6000257"/>
+            <a:off x="2438170" y="801471"/>
+            <a:ext cx="7315659" cy="6000257"/>
           </a:xfrm>
           <a:prstGeom prst="rect">
             <a:avLst/>
@@ -6742,7 +6816,7 @@
     </p:spTree>
     <p:extLst>
       <p:ext uri="{BB962C8B-B14F-4D97-AF65-F5344CB8AC3E}">
-        <p14:creationId xmlns:p14="http://schemas.microsoft.com/office/powerpoint/2010/main" val="2668961175"/>
+        <p14:creationId xmlns:p14="http://schemas.microsoft.com/office/powerpoint/2010/main" val="2383605082"/>
       </p:ext>
     </p:extLst>
   </p:cSld>
@@ -6906,7 +6980,7 @@
           <a:p>
             <a:r>
               <a:rPr lang="en-US" dirty="0"/>
-              <a:t>Controlling the Direction of a DC Motor</a:t>
+              <a:t>Controlling the Speed of a DC Motor </a:t>
             </a:r>
             <a:endParaRPr lang="en-US" b="1" i="1" dirty="0">
               <a:solidFill>
@@ -6957,148 +7031,9 @@
           </a:p>
         </p:txBody>
       </p:sp>
-      <p:sp>
-        <p:nvSpPr>
-          <p:cNvPr id="7" name="Rectangle 6"/>
-          <p:cNvSpPr/>
-          <p:nvPr/>
-        </p:nvSpPr>
-        <p:spPr>
-          <a:xfrm>
-            <a:off x="473611" y="857743"/>
-            <a:ext cx="11357317" cy="2985433"/>
-          </a:xfrm>
-          <a:prstGeom prst="rect">
-            <a:avLst/>
-          </a:prstGeom>
-        </p:spPr>
-        <p:txBody>
-          <a:bodyPr wrap="square">
-            <a:spAutoFit/>
-          </a:bodyPr>
-          <a:lstStyle/>
-          <a:p>
-            <a:r>
-              <a:rPr lang="en-US" sz="2000" b="1" dirty="0">
-                <a:solidFill>
-                  <a:srgbClr val="FF0000"/>
-                </a:solidFill>
-              </a:rPr>
-              <a:t>you can use individual transistors to make an H-Bridge</a:t>
-            </a:r>
-            <a:r>
-              <a:rPr lang="en-US" sz="2000" dirty="0"/>
-              <a:t>, it is simpler to use an H-Bridge IC such as the L293D. </a:t>
-            </a:r>
-            <a:r>
-              <a:rPr lang="en-US" sz="2000" b="1" dirty="0">
-                <a:solidFill>
-                  <a:srgbClr val="FF0000"/>
-                </a:solidFill>
-              </a:rPr>
-              <a:t>This chip actually has two H-Bridges </a:t>
-            </a:r>
-            <a:r>
-              <a:rPr lang="en-US" sz="2000" dirty="0"/>
-              <a:t>in it, so you can use it to control two motors. </a:t>
-            </a:r>
-          </a:p>
-          <a:p>
-            <a:endParaRPr lang="en-US" sz="2000" dirty="0"/>
-          </a:p>
-          <a:p>
-            <a:r>
-              <a:rPr lang="en-US" sz="2000" dirty="0"/>
-              <a:t>The L293 has three control pins for each of the two motor control channels. The </a:t>
-            </a:r>
-            <a:r>
-              <a:rPr lang="en-US" sz="2400" dirty="0">
-                <a:solidFill>
-                  <a:srgbClr val="FF0000"/>
-                </a:solidFill>
-              </a:rPr>
-              <a:t>Enable</a:t>
-            </a:r>
-            <a:r>
-              <a:rPr lang="en-US" sz="2000" dirty="0">
-                <a:solidFill>
-                  <a:srgbClr val="FF0000"/>
-                </a:solidFill>
-              </a:rPr>
-              <a:t> pin </a:t>
-            </a:r>
-            <a:r>
-              <a:rPr lang="en-US" sz="2000" dirty="0"/>
-              <a:t>just enables or disables the channel as a whole. In the example program, </a:t>
-            </a:r>
-            <a:r>
-              <a:rPr lang="en-US" sz="2000" b="1" dirty="0">
-                <a:solidFill>
-                  <a:srgbClr val="FF0000"/>
-                </a:solidFill>
-              </a:rPr>
-              <a:t>this is connected to a PWM output to control the speed of the motor</a:t>
-            </a:r>
-            <a:r>
-              <a:rPr lang="en-US" sz="2000" dirty="0"/>
-              <a:t>. The other two pins </a:t>
-            </a:r>
-            <a:r>
-              <a:rPr lang="en-US" sz="2000" b="1" dirty="0">
-                <a:solidFill>
-                  <a:srgbClr val="FF0000"/>
-                </a:solidFill>
-              </a:rPr>
-              <a:t>(</a:t>
-            </a:r>
-            <a:r>
-              <a:rPr lang="en-US" sz="2400" b="1" dirty="0">
-                <a:solidFill>
-                  <a:srgbClr val="FF0000"/>
-                </a:solidFill>
-              </a:rPr>
-              <a:t>IN1</a:t>
-            </a:r>
-            <a:r>
-              <a:rPr lang="en-US" sz="2000" b="1" dirty="0">
-                <a:solidFill>
-                  <a:srgbClr val="FF0000"/>
-                </a:solidFill>
-              </a:rPr>
-              <a:t> and</a:t>
-            </a:r>
-            <a:r>
-              <a:rPr lang="en-US" sz="2400" b="1" dirty="0">
-                <a:solidFill>
-                  <a:srgbClr val="FF0000"/>
-                </a:solidFill>
-              </a:rPr>
-              <a:t> IN2</a:t>
-            </a:r>
-            <a:r>
-              <a:rPr lang="en-US" sz="2000" b="1" dirty="0">
-                <a:solidFill>
-                  <a:srgbClr val="FF0000"/>
-                </a:solidFill>
-              </a:rPr>
-              <a:t>) control the direction in which the motor will be driven.</a:t>
-            </a:r>
-            <a:r>
-              <a:rPr lang="en-US" sz="2000" dirty="0"/>
-              <a:t> </a:t>
-            </a:r>
-          </a:p>
-          <a:p>
-            <a:r>
-              <a:rPr lang="en-US" sz="2000" dirty="0"/>
-              <a:t>If IN1 is high and IN2 is low, the motor will turn in one direction. If those two pins are reversed, the motor will turn in the opposite direction. </a:t>
-            </a:r>
-          </a:p>
-        </p:txBody>
-      </p:sp>
       <p:pic>
         <p:nvPicPr>
-          <p:cNvPr id="8" name="Picture 7"/>
+          <p:cNvPr id="2" name="Picture 1"/>
           <p:cNvPicPr>
             <a:picLocks noChangeAspect="1"/>
           </p:cNvPicPr>
@@ -7112,8 +7047,8 @@
         </p:blipFill>
         <p:spPr>
           <a:xfrm>
-            <a:off x="3332957" y="3843176"/>
-            <a:ext cx="5000388" cy="2905508"/>
+            <a:off x="1151346" y="857743"/>
+            <a:ext cx="9862729" cy="6000257"/>
           </a:xfrm>
           <a:prstGeom prst="rect">
             <a:avLst/>
@@ -7123,7 +7058,7 @@
     </p:spTree>
     <p:extLst>
       <p:ext uri="{BB962C8B-B14F-4D97-AF65-F5344CB8AC3E}">
-        <p14:creationId xmlns:p14="http://schemas.microsoft.com/office/powerpoint/2010/main" val="996399585"/>
+        <p14:creationId xmlns:p14="http://schemas.microsoft.com/office/powerpoint/2010/main" val="2668961175"/>
       </p:ext>
     </p:extLst>
   </p:cSld>
@@ -7573,9 +7508,148 @@
           </a:p>
         </p:txBody>
       </p:sp>
+      <p:sp>
+        <p:nvSpPr>
+          <p:cNvPr id="7" name="Rectangle 6"/>
+          <p:cNvSpPr/>
+          <p:nvPr/>
+        </p:nvSpPr>
+        <p:spPr>
+          <a:xfrm>
+            <a:off x="473611" y="857743"/>
+            <a:ext cx="11357317" cy="2985433"/>
+          </a:xfrm>
+          <a:prstGeom prst="rect">
+            <a:avLst/>
+          </a:prstGeom>
+        </p:spPr>
+        <p:txBody>
+          <a:bodyPr wrap="square">
+            <a:spAutoFit/>
+          </a:bodyPr>
+          <a:lstStyle/>
+          <a:p>
+            <a:r>
+              <a:rPr lang="en-US" sz="2000" b="1" dirty="0">
+                <a:solidFill>
+                  <a:srgbClr val="FF0000"/>
+                </a:solidFill>
+              </a:rPr>
+              <a:t>you can use individual transistors to make an H-Bridge</a:t>
+            </a:r>
+            <a:r>
+              <a:rPr lang="en-US" sz="2000" dirty="0"/>
+              <a:t>, it is simpler to use an H-Bridge IC such as the L293D. </a:t>
+            </a:r>
+            <a:r>
+              <a:rPr lang="en-US" sz="2000" b="1" dirty="0">
+                <a:solidFill>
+                  <a:srgbClr val="FF0000"/>
+                </a:solidFill>
+              </a:rPr>
+              <a:t>This chip actually has two H-Bridges </a:t>
+            </a:r>
+            <a:r>
+              <a:rPr lang="en-US" sz="2000" dirty="0"/>
+              <a:t>in it, so you can use it to control two motors. </a:t>
+            </a:r>
+          </a:p>
+          <a:p>
+            <a:endParaRPr lang="en-US" sz="2000" dirty="0"/>
+          </a:p>
+          <a:p>
+            <a:r>
+              <a:rPr lang="en-US" sz="2000" dirty="0"/>
+              <a:t>The L293 has three control pins for each of the two motor control channels. The </a:t>
+            </a:r>
+            <a:r>
+              <a:rPr lang="en-US" sz="2400" dirty="0">
+                <a:solidFill>
+                  <a:srgbClr val="FF0000"/>
+                </a:solidFill>
+              </a:rPr>
+              <a:t>Enable</a:t>
+            </a:r>
+            <a:r>
+              <a:rPr lang="en-US" sz="2000" dirty="0">
+                <a:solidFill>
+                  <a:srgbClr val="FF0000"/>
+                </a:solidFill>
+              </a:rPr>
+              <a:t> pin </a:t>
+            </a:r>
+            <a:r>
+              <a:rPr lang="en-US" sz="2000" dirty="0"/>
+              <a:t>just enables or disables the channel as a whole. In the example program, </a:t>
+            </a:r>
+            <a:r>
+              <a:rPr lang="en-US" sz="2000" b="1" dirty="0">
+                <a:solidFill>
+                  <a:srgbClr val="FF0000"/>
+                </a:solidFill>
+              </a:rPr>
+              <a:t>this is connected to a PWM output to control the speed of the motor</a:t>
+            </a:r>
+            <a:r>
+              <a:rPr lang="en-US" sz="2000" dirty="0"/>
+              <a:t>. The other two pins </a:t>
+            </a:r>
+            <a:r>
+              <a:rPr lang="en-US" sz="2000" b="1" dirty="0">
+                <a:solidFill>
+                  <a:srgbClr val="FF0000"/>
+                </a:solidFill>
+              </a:rPr>
+              <a:t>(</a:t>
+            </a:r>
+            <a:r>
+              <a:rPr lang="en-US" sz="2400" b="1" dirty="0">
+                <a:solidFill>
+                  <a:srgbClr val="FF0000"/>
+                </a:solidFill>
+              </a:rPr>
+              <a:t>IN1</a:t>
+            </a:r>
+            <a:r>
+              <a:rPr lang="en-US" sz="2000" b="1" dirty="0">
+                <a:solidFill>
+                  <a:srgbClr val="FF0000"/>
+                </a:solidFill>
+              </a:rPr>
+              <a:t> and</a:t>
+            </a:r>
+            <a:r>
+              <a:rPr lang="en-US" sz="2400" b="1" dirty="0">
+                <a:solidFill>
+                  <a:srgbClr val="FF0000"/>
+                </a:solidFill>
+              </a:rPr>
+              <a:t> IN2</a:t>
+            </a:r>
+            <a:r>
+              <a:rPr lang="en-US" sz="2000" b="1" dirty="0">
+                <a:solidFill>
+                  <a:srgbClr val="FF0000"/>
+                </a:solidFill>
+              </a:rPr>
+              <a:t>) control the direction in which the motor will be driven.</a:t>
+            </a:r>
+            <a:r>
+              <a:rPr lang="en-US" sz="2000" dirty="0"/>
+              <a:t> </a:t>
+            </a:r>
+          </a:p>
+          <a:p>
+            <a:r>
+              <a:rPr lang="en-US" sz="2000" dirty="0"/>
+              <a:t>If IN1 is high and IN2 is low, the motor will turn in one direction. If those two pins are reversed, the motor will turn in the opposite direction. </a:t>
+            </a:r>
+          </a:p>
+        </p:txBody>
+      </p:sp>
       <p:pic>
         <p:nvPicPr>
-          <p:cNvPr id="2" name="Picture 1"/>
+          <p:cNvPr id="8" name="Picture 7"/>
           <p:cNvPicPr>
             <a:picLocks noChangeAspect="1"/>
           </p:cNvPicPr>
@@ -7589,8 +7663,8 @@
         </p:blipFill>
         <p:spPr>
           <a:xfrm>
-            <a:off x="1179867" y="857743"/>
-            <a:ext cx="9762324" cy="5485908"/>
+            <a:off x="3332957" y="3843176"/>
+            <a:ext cx="5000388" cy="2905508"/>
           </a:xfrm>
           <a:prstGeom prst="rect">
             <a:avLst/>
@@ -7600,7 +7674,7 @@
     </p:spTree>
     <p:extLst>
       <p:ext uri="{BB962C8B-B14F-4D97-AF65-F5344CB8AC3E}">
-        <p14:creationId xmlns:p14="http://schemas.microsoft.com/office/powerpoint/2010/main" val="3888378384"/>
+        <p14:creationId xmlns:p14="http://schemas.microsoft.com/office/powerpoint/2010/main" val="996399585"/>
       </p:ext>
     </p:extLst>
   </p:cSld>
@@ -7817,49 +7891,32 @@
       </p:sp>
       <p:pic>
         <p:nvPicPr>
-          <p:cNvPr id="1026" name="Picture 2" descr="https://www.robomart.com/image/catalog/RM0024/l298pinout.jpg"/>
+          <p:cNvPr id="2" name="Picture 1"/>
           <p:cNvPicPr>
-            <a:picLocks noChangeAspect="1" noChangeArrowheads="1"/>
+            <a:picLocks noChangeAspect="1"/>
           </p:cNvPicPr>
           <p:nvPr/>
         </p:nvPicPr>
         <p:blipFill>
-          <a:blip r:embed="rId2">
-            <a:extLst>
-              <a:ext uri="{28A0092B-C50C-407E-A947-70E740481C1C}">
-                <a14:useLocalDpi xmlns:a14="http://schemas.microsoft.com/office/drawing/2010/main" val="0"/>
-              </a:ext>
-            </a:extLst>
-          </a:blip>
-          <a:srcRect/>
+          <a:blip r:embed="rId2"/>
           <a:stretch>
             <a:fillRect/>
           </a:stretch>
         </p:blipFill>
-        <p:spPr bwMode="auto">
+        <p:spPr>
           <a:xfrm>
-            <a:off x="1868180" y="1460262"/>
-            <a:ext cx="8179715" cy="4746863"/>
+            <a:off x="1179867" y="857743"/>
+            <a:ext cx="9762324" cy="5485908"/>
           </a:xfrm>
           <a:prstGeom prst="rect">
             <a:avLst/>
           </a:prstGeom>
-          <a:noFill/>
-          <a:extLst>
-            <a:ext uri="{909E8E84-426E-40DD-AFC4-6F175D3DCCD1}">
-              <a14:hiddenFill xmlns:a14="http://schemas.microsoft.com/office/drawing/2010/main">
-                <a:solidFill>
-                  <a:srgbClr val="FFFFFF"/>
-                </a:solidFill>
-              </a14:hiddenFill>
-            </a:ext>
-          </a:extLst>
         </p:spPr>
       </p:pic>
     </p:spTree>
     <p:extLst>
       <p:ext uri="{BB962C8B-B14F-4D97-AF65-F5344CB8AC3E}">
-        <p14:creationId xmlns:p14="http://schemas.microsoft.com/office/powerpoint/2010/main" val="377430985"/>
+        <p14:creationId xmlns:p14="http://schemas.microsoft.com/office/powerpoint/2010/main" val="3888378384"/>
       </p:ext>
     </p:extLst>
   </p:cSld>
@@ -8037,321 +8094,6 @@
       </p:sp>
       <p:sp>
         <p:nvSpPr>
-          <p:cNvPr id="2" name="TextBox 1"/>
-          <p:cNvSpPr txBox="1"/>
-          <p:nvPr/>
-        </p:nvSpPr>
-        <p:spPr>
-          <a:xfrm>
-            <a:off x="417443" y="857743"/>
-            <a:ext cx="11357113" cy="6063198"/>
-          </a:xfrm>
-          <a:prstGeom prst="rect">
-            <a:avLst/>
-          </a:prstGeom>
-          <a:noFill/>
-        </p:spPr>
-        <p:txBody>
-          <a:bodyPr wrap="square" rtlCol="0">
-            <a:spAutoFit/>
-          </a:bodyPr>
-          <a:lstStyle/>
-          <a:p>
-            <a:pPr marL="342900" indent="-342900">
-              <a:buFont typeface="Arial" panose="020B0604020202020204" pitchFamily="34" charset="0"/>
-              <a:buChar char="•"/>
-            </a:pPr>
-            <a:r>
-              <a:rPr lang="en-US" sz="2000" dirty="0"/>
-              <a:t>You want to control both the </a:t>
-            </a:r>
-            <a:r>
-              <a:rPr lang="en-US" sz="2000" b="1" dirty="0">
-                <a:solidFill>
-                  <a:srgbClr val="FF0000"/>
-                </a:solidFill>
-              </a:rPr>
-              <a:t>speed and direction of a small DC motor</a:t>
-            </a:r>
-            <a:r>
-              <a:rPr lang="en-US" sz="2000" dirty="0"/>
-              <a:t>. </a:t>
-            </a:r>
-          </a:p>
-          <a:p>
-            <a:pPr marL="342900" indent="-342900">
-              <a:buFont typeface="Arial" panose="020B0604020202020204" pitchFamily="34" charset="0"/>
-              <a:buChar char="•"/>
-            </a:pPr>
-            <a:endParaRPr lang="en-US" sz="2000" dirty="0"/>
-          </a:p>
-          <a:p>
-            <a:pPr marL="342900" indent="-342900">
-              <a:buFont typeface="Arial" panose="020B0604020202020204" pitchFamily="34" charset="0"/>
-              <a:buChar char="•"/>
-            </a:pPr>
-            <a:r>
-              <a:rPr lang="en-US" sz="2000" dirty="0"/>
-              <a:t>Use an </a:t>
-            </a:r>
-            <a:r>
-              <a:rPr lang="en-US" sz="2000" b="1" dirty="0">
-                <a:solidFill>
-                  <a:srgbClr val="FF0000"/>
-                </a:solidFill>
-              </a:rPr>
-              <a:t>H-Bridge chip or module</a:t>
-            </a:r>
-            <a:r>
-              <a:rPr lang="en-US" sz="2000" dirty="0"/>
-              <a:t>.</a:t>
-            </a:r>
-          </a:p>
-          <a:p>
-            <a:pPr marL="342900" indent="-342900">
-              <a:buFont typeface="Arial" panose="020B0604020202020204" pitchFamily="34" charset="0"/>
-              <a:buChar char="•"/>
-            </a:pPr>
-            <a:endParaRPr lang="en-US" sz="2000" dirty="0"/>
-          </a:p>
-          <a:p>
-            <a:pPr marL="342900" indent="-342900">
-              <a:buFont typeface="Arial" panose="020B0604020202020204" pitchFamily="34" charset="0"/>
-              <a:buChar char="•"/>
-            </a:pPr>
-            <a:r>
-              <a:rPr lang="en-US" sz="2000" dirty="0"/>
-              <a:t>You have two recipes to choose from for controlling a motor. The first, the “</a:t>
-            </a:r>
-            <a:r>
-              <a:rPr lang="en-US" sz="2000" b="1" dirty="0">
-                <a:solidFill>
-                  <a:srgbClr val="FF0000"/>
-                </a:solidFill>
-              </a:rPr>
-              <a:t>DIY approach</a:t>
-            </a:r>
-            <a:r>
-              <a:rPr lang="en-US" sz="2000" dirty="0"/>
-              <a:t>,” uses </a:t>
-            </a:r>
-            <a:r>
-              <a:rPr lang="en-US" sz="2000" b="1" dirty="0">
-                <a:solidFill>
-                  <a:srgbClr val="FF0000"/>
-                </a:solidFill>
-              </a:rPr>
-              <a:t>solderless breadboard and a L293D chip</a:t>
-            </a:r>
-            <a:r>
-              <a:rPr lang="en-US" sz="2000" dirty="0"/>
-              <a:t>. The </a:t>
-            </a:r>
-            <a:r>
-              <a:rPr lang="en-US" sz="2000" b="1" dirty="0">
-                <a:solidFill>
-                  <a:srgbClr val="FF0000"/>
-                </a:solidFill>
-              </a:rPr>
-              <a:t>second design uses a readymade H-Bridge module  </a:t>
-            </a:r>
-            <a:r>
-              <a:rPr lang="en-US" sz="2000" dirty="0"/>
-              <a:t>from </a:t>
-            </a:r>
-            <a:r>
-              <a:rPr lang="en-US" sz="2000" dirty="0" err="1"/>
-              <a:t>SparkFun</a:t>
-            </a:r>
-            <a:r>
-              <a:rPr lang="en-US" sz="2000" dirty="0"/>
-              <a:t>, connecting it directly to the Raspberry Pi with jumper leads. </a:t>
-            </a:r>
-          </a:p>
-          <a:p>
-            <a:pPr marL="342900" indent="-342900">
-              <a:buFont typeface="Arial" panose="020B0604020202020204" pitchFamily="34" charset="0"/>
-              <a:buChar char="•"/>
-            </a:pPr>
-            <a:endParaRPr lang="en-US" sz="2000" dirty="0"/>
-          </a:p>
-          <a:p>
-            <a:pPr marL="342900" indent="-342900">
-              <a:buFont typeface="Arial" panose="020B0604020202020204" pitchFamily="34" charset="0"/>
-              <a:buChar char="•"/>
-            </a:pPr>
-            <a:r>
-              <a:rPr lang="en-US" sz="2000" dirty="0"/>
-              <a:t>Both the L293D and the </a:t>
-            </a:r>
-            <a:r>
-              <a:rPr lang="en-US" sz="2000" dirty="0" err="1"/>
-              <a:t>SparkFun</a:t>
-            </a:r>
-            <a:r>
-              <a:rPr lang="en-US" sz="2000" dirty="0"/>
-              <a:t> module are capable of driving two motors without any extra hardware.</a:t>
-            </a:r>
-          </a:p>
-          <a:p>
-            <a:pPr marL="342900" indent="-342900">
-              <a:buFont typeface="Arial" panose="020B0604020202020204" pitchFamily="34" charset="0"/>
-              <a:buChar char="•"/>
-            </a:pPr>
-            <a:endParaRPr lang="en-US" sz="2000" dirty="0"/>
-          </a:p>
-          <a:p>
-            <a:pPr marL="342900" indent="-342900">
-              <a:buFont typeface="Arial" panose="020B0604020202020204" pitchFamily="34" charset="0"/>
-              <a:buChar char="•"/>
-            </a:pPr>
-            <a:r>
-              <a:rPr lang="en-US" sz="2000" b="1" dirty="0">
-                <a:solidFill>
-                  <a:srgbClr val="FF0000"/>
-                </a:solidFill>
-              </a:rPr>
-              <a:t>If the project is driving wheels, then you will typically use a </a:t>
-            </a:r>
-            <a:r>
-              <a:rPr lang="en-US" sz="2000" b="1" dirty="0" err="1">
-                <a:solidFill>
-                  <a:srgbClr val="FF0000"/>
-                </a:solidFill>
-              </a:rPr>
-              <a:t>gearmotor</a:t>
-            </a:r>
-            <a:r>
-              <a:rPr lang="en-US" sz="2000" dirty="0"/>
-              <a:t>, which combines a motor and gearbox to reduce the RPM and increase the torque. </a:t>
-            </a:r>
-          </a:p>
-          <a:p>
-            <a:pPr marL="342900" indent="-342900">
-              <a:buFont typeface="Arial" panose="020B0604020202020204" pitchFamily="34" charset="0"/>
-              <a:buChar char="•"/>
-            </a:pPr>
-            <a:endParaRPr lang="en-US" sz="2000" dirty="0"/>
-          </a:p>
-          <a:p>
-            <a:pPr marL="342900" indent="-342900">
-              <a:buFont typeface="Arial" panose="020B0604020202020204" pitchFamily="34" charset="0"/>
-              <a:buChar char="•"/>
-            </a:pPr>
-            <a:r>
-              <a:rPr lang="en-US" sz="2000" dirty="0"/>
-              <a:t>Whichever hardware option you decided upon, you can use the same program to try out the motor. This allows you to enter a letter </a:t>
-            </a:r>
-            <a:r>
-              <a:rPr lang="en-US" sz="2400" b="1" i="1" dirty="0">
-                <a:solidFill>
-                  <a:srgbClr val="0070C0"/>
-                </a:solidFill>
-                <a:latin typeface="Consolas" panose="020B0609020204030204" pitchFamily="49" charset="0"/>
-                <a:cs typeface="Consolas" panose="020B0609020204030204" pitchFamily="49" charset="0"/>
-              </a:rPr>
-              <a:t>f</a:t>
-            </a:r>
-            <a:r>
-              <a:rPr lang="en-US" sz="2000" dirty="0"/>
-              <a:t> or </a:t>
-            </a:r>
-            <a:r>
-              <a:rPr lang="en-US" sz="2400" b="1" i="1" dirty="0">
-                <a:solidFill>
-                  <a:srgbClr val="0070C0"/>
-                </a:solidFill>
-                <a:latin typeface="Consolas" panose="020B0609020204030204" pitchFamily="49" charset="0"/>
-                <a:cs typeface="Consolas" panose="020B0609020204030204" pitchFamily="49" charset="0"/>
-              </a:rPr>
-              <a:t>r</a:t>
-            </a:r>
-            <a:r>
-              <a:rPr lang="en-US" sz="2000" dirty="0"/>
-              <a:t> and then a single digit between </a:t>
-            </a:r>
-            <a:r>
-              <a:rPr lang="en-US" sz="2400" b="1" i="1" dirty="0">
-                <a:solidFill>
-                  <a:srgbClr val="0070C0"/>
-                </a:solidFill>
-                <a:latin typeface="Consolas" panose="020B0609020204030204" pitchFamily="49" charset="0"/>
-                <a:cs typeface="Consolas" panose="020B0609020204030204" pitchFamily="49" charset="0"/>
-              </a:rPr>
-              <a:t>0</a:t>
-            </a:r>
-            <a:r>
-              <a:rPr lang="en-US" sz="2000" dirty="0"/>
-              <a:t> and </a:t>
-            </a:r>
-            <a:r>
-              <a:rPr lang="en-US" sz="2400" b="1" i="1" dirty="0">
-                <a:solidFill>
-                  <a:srgbClr val="0070C0"/>
-                </a:solidFill>
-                <a:latin typeface="Consolas" panose="020B0609020204030204" pitchFamily="49" charset="0"/>
-                <a:cs typeface="Consolas" panose="020B0609020204030204" pitchFamily="49" charset="0"/>
-              </a:rPr>
-              <a:t>9</a:t>
-            </a:r>
-            <a:r>
-              <a:rPr lang="en-US" sz="2000" dirty="0"/>
-              <a:t>. The motor will then either go forward or backward, at a speed specified by the digit—</a:t>
-            </a:r>
-            <a:r>
-              <a:rPr lang="en-US" sz="2400" b="1" i="1" dirty="0">
-                <a:solidFill>
-                  <a:srgbClr val="0070C0"/>
-                </a:solidFill>
-                <a:latin typeface="Consolas" panose="020B0609020204030204" pitchFamily="49" charset="0"/>
-                <a:cs typeface="Consolas" panose="020B0609020204030204" pitchFamily="49" charset="0"/>
-              </a:rPr>
-              <a:t>0</a:t>
-            </a:r>
-            <a:r>
-              <a:rPr lang="en-US" sz="2000" dirty="0"/>
-              <a:t> for stopped, </a:t>
-            </a:r>
-            <a:r>
-              <a:rPr lang="en-US" sz="2400" b="1" i="1" dirty="0">
-                <a:solidFill>
-                  <a:srgbClr val="0070C0"/>
-                </a:solidFill>
-                <a:latin typeface="Consolas" panose="020B0609020204030204" pitchFamily="49" charset="0"/>
-                <a:cs typeface="Consolas" panose="020B0609020204030204" pitchFamily="49" charset="0"/>
-              </a:rPr>
-              <a:t>9</a:t>
-            </a:r>
-            <a:r>
-              <a:rPr lang="en-US" sz="2000" dirty="0"/>
-              <a:t> for full speed.</a:t>
-            </a:r>
-          </a:p>
-          <a:p>
-            <a:pPr marL="342900" indent="-342900">
-              <a:buFont typeface="Arial" panose="020B0604020202020204" pitchFamily="34" charset="0"/>
-              <a:buChar char="•"/>
-            </a:pPr>
-            <a:endParaRPr lang="en-US" sz="2000" dirty="0"/>
-          </a:p>
-          <a:p>
-            <a:pPr marL="342900" indent="-342900">
-              <a:buFont typeface="Arial" panose="020B0604020202020204" pitchFamily="34" charset="0"/>
-              <a:buChar char="•"/>
-            </a:pPr>
-            <a:endParaRPr lang="en-US" sz="2000" dirty="0"/>
-          </a:p>
-          <a:p>
-            <a:pPr marL="342900" indent="-342900">
-              <a:buFont typeface="Arial" panose="020B0604020202020204" pitchFamily="34" charset="0"/>
-              <a:buChar char="•"/>
-            </a:pPr>
-            <a:endParaRPr lang="en-US" sz="2000" dirty="0"/>
-          </a:p>
-        </p:txBody>
-      </p:sp>
-      <p:sp>
-        <p:nvSpPr>
           <p:cNvPr id="5" name="AutoShape 2" descr="http://raspberry.piaustralia.com.au/product-images/piwithbox.jpg"/>
           <p:cNvSpPr>
             <a:spLocks noChangeAspect="1" noChangeArrowheads="1"/>
@@ -8389,10 +8131,51 @@
           </a:p>
         </p:txBody>
       </p:sp>
+      <p:pic>
+        <p:nvPicPr>
+          <p:cNvPr id="1026" name="Picture 2" descr="https://www.robomart.com/image/catalog/RM0024/l298pinout.jpg"/>
+          <p:cNvPicPr>
+            <a:picLocks noChangeAspect="1" noChangeArrowheads="1"/>
+          </p:cNvPicPr>
+          <p:nvPr/>
+        </p:nvPicPr>
+        <p:blipFill>
+          <a:blip r:embed="rId2">
+            <a:extLst>
+              <a:ext uri="{28A0092B-C50C-407E-A947-70E740481C1C}">
+                <a14:useLocalDpi xmlns:a14="http://schemas.microsoft.com/office/drawing/2010/main" val="0"/>
+              </a:ext>
+            </a:extLst>
+          </a:blip>
+          <a:srcRect/>
+          <a:stretch>
+            <a:fillRect/>
+          </a:stretch>
+        </p:blipFill>
+        <p:spPr bwMode="auto">
+          <a:xfrm>
+            <a:off x="1868180" y="1460262"/>
+            <a:ext cx="8179715" cy="4746863"/>
+          </a:xfrm>
+          <a:prstGeom prst="rect">
+            <a:avLst/>
+          </a:prstGeom>
+          <a:noFill/>
+          <a:extLst>
+            <a:ext uri="{909E8E84-426E-40DD-AFC4-6F175D3DCCD1}">
+              <a14:hiddenFill xmlns:a14="http://schemas.microsoft.com/office/drawing/2010/main">
+                <a:solidFill>
+                  <a:srgbClr val="FFFFFF"/>
+                </a:solidFill>
+              </a14:hiddenFill>
+            </a:ext>
+          </a:extLst>
+        </p:spPr>
+      </p:pic>
     </p:spTree>
     <p:extLst>
       <p:ext uri="{BB962C8B-B14F-4D97-AF65-F5344CB8AC3E}">
-        <p14:creationId xmlns:p14="http://schemas.microsoft.com/office/powerpoint/2010/main" val="159820026"/>
+        <p14:creationId xmlns:p14="http://schemas.microsoft.com/office/powerpoint/2010/main" val="377430985"/>
       </p:ext>
     </p:extLst>
   </p:cSld>
@@ -8570,6 +8353,321 @@
       </p:sp>
       <p:sp>
         <p:nvSpPr>
+          <p:cNvPr id="2" name="TextBox 1"/>
+          <p:cNvSpPr txBox="1"/>
+          <p:nvPr/>
+        </p:nvSpPr>
+        <p:spPr>
+          <a:xfrm>
+            <a:off x="417443" y="857743"/>
+            <a:ext cx="11357113" cy="6063198"/>
+          </a:xfrm>
+          <a:prstGeom prst="rect">
+            <a:avLst/>
+          </a:prstGeom>
+          <a:noFill/>
+        </p:spPr>
+        <p:txBody>
+          <a:bodyPr wrap="square" rtlCol="0">
+            <a:spAutoFit/>
+          </a:bodyPr>
+          <a:lstStyle/>
+          <a:p>
+            <a:pPr marL="342900" indent="-342900">
+              <a:buFont typeface="Arial" panose="020B0604020202020204" pitchFamily="34" charset="0"/>
+              <a:buChar char="•"/>
+            </a:pPr>
+            <a:r>
+              <a:rPr lang="en-US" sz="2000" dirty="0"/>
+              <a:t>You want to control both the </a:t>
+            </a:r>
+            <a:r>
+              <a:rPr lang="en-US" sz="2000" b="1" dirty="0">
+                <a:solidFill>
+                  <a:srgbClr val="FF0000"/>
+                </a:solidFill>
+              </a:rPr>
+              <a:t>speed and direction of a small DC motor</a:t>
+            </a:r>
+            <a:r>
+              <a:rPr lang="en-US" sz="2000" dirty="0"/>
+              <a:t>. </a:t>
+            </a:r>
+          </a:p>
+          <a:p>
+            <a:pPr marL="342900" indent="-342900">
+              <a:buFont typeface="Arial" panose="020B0604020202020204" pitchFamily="34" charset="0"/>
+              <a:buChar char="•"/>
+            </a:pPr>
+            <a:endParaRPr lang="en-US" sz="2000" dirty="0"/>
+          </a:p>
+          <a:p>
+            <a:pPr marL="342900" indent="-342900">
+              <a:buFont typeface="Arial" panose="020B0604020202020204" pitchFamily="34" charset="0"/>
+              <a:buChar char="•"/>
+            </a:pPr>
+            <a:r>
+              <a:rPr lang="en-US" sz="2000" dirty="0"/>
+              <a:t>Use an </a:t>
+            </a:r>
+            <a:r>
+              <a:rPr lang="en-US" sz="2000" b="1" dirty="0">
+                <a:solidFill>
+                  <a:srgbClr val="FF0000"/>
+                </a:solidFill>
+              </a:rPr>
+              <a:t>H-Bridge chip or module</a:t>
+            </a:r>
+            <a:r>
+              <a:rPr lang="en-US" sz="2000" dirty="0"/>
+              <a:t>.</a:t>
+            </a:r>
+          </a:p>
+          <a:p>
+            <a:pPr marL="342900" indent="-342900">
+              <a:buFont typeface="Arial" panose="020B0604020202020204" pitchFamily="34" charset="0"/>
+              <a:buChar char="•"/>
+            </a:pPr>
+            <a:endParaRPr lang="en-US" sz="2000" dirty="0"/>
+          </a:p>
+          <a:p>
+            <a:pPr marL="342900" indent="-342900">
+              <a:buFont typeface="Arial" panose="020B0604020202020204" pitchFamily="34" charset="0"/>
+              <a:buChar char="•"/>
+            </a:pPr>
+            <a:r>
+              <a:rPr lang="en-US" sz="2000" dirty="0"/>
+              <a:t>You have two recipes to choose from for controlling a motor. The first, the “</a:t>
+            </a:r>
+            <a:r>
+              <a:rPr lang="en-US" sz="2000" b="1" dirty="0">
+                <a:solidFill>
+                  <a:srgbClr val="FF0000"/>
+                </a:solidFill>
+              </a:rPr>
+              <a:t>DIY approach</a:t>
+            </a:r>
+            <a:r>
+              <a:rPr lang="en-US" sz="2000" dirty="0"/>
+              <a:t>,” uses </a:t>
+            </a:r>
+            <a:r>
+              <a:rPr lang="en-US" sz="2000" b="1" dirty="0">
+                <a:solidFill>
+                  <a:srgbClr val="FF0000"/>
+                </a:solidFill>
+              </a:rPr>
+              <a:t>solderless breadboard and a L293D chip</a:t>
+            </a:r>
+            <a:r>
+              <a:rPr lang="en-US" sz="2000" dirty="0"/>
+              <a:t>. The </a:t>
+            </a:r>
+            <a:r>
+              <a:rPr lang="en-US" sz="2000" b="1" dirty="0">
+                <a:solidFill>
+                  <a:srgbClr val="FF0000"/>
+                </a:solidFill>
+              </a:rPr>
+              <a:t>second design uses a readymade H-Bridge module  </a:t>
+            </a:r>
+            <a:r>
+              <a:rPr lang="en-US" sz="2000" dirty="0"/>
+              <a:t>from </a:t>
+            </a:r>
+            <a:r>
+              <a:rPr lang="en-US" sz="2000" dirty="0" err="1"/>
+              <a:t>SparkFun</a:t>
+            </a:r>
+            <a:r>
+              <a:rPr lang="en-US" sz="2000" dirty="0"/>
+              <a:t>, connecting it directly to the Raspberry Pi with jumper leads. </a:t>
+            </a:r>
+          </a:p>
+          <a:p>
+            <a:pPr marL="342900" indent="-342900">
+              <a:buFont typeface="Arial" panose="020B0604020202020204" pitchFamily="34" charset="0"/>
+              <a:buChar char="•"/>
+            </a:pPr>
+            <a:endParaRPr lang="en-US" sz="2000" dirty="0"/>
+          </a:p>
+          <a:p>
+            <a:pPr marL="342900" indent="-342900">
+              <a:buFont typeface="Arial" panose="020B0604020202020204" pitchFamily="34" charset="0"/>
+              <a:buChar char="•"/>
+            </a:pPr>
+            <a:r>
+              <a:rPr lang="en-US" sz="2000" dirty="0"/>
+              <a:t>Both the L293D and the </a:t>
+            </a:r>
+            <a:r>
+              <a:rPr lang="en-US" sz="2000" dirty="0" err="1"/>
+              <a:t>SparkFun</a:t>
+            </a:r>
+            <a:r>
+              <a:rPr lang="en-US" sz="2000" dirty="0"/>
+              <a:t> module are capable of driving two motors without any extra hardware.</a:t>
+            </a:r>
+          </a:p>
+          <a:p>
+            <a:pPr marL="342900" indent="-342900">
+              <a:buFont typeface="Arial" panose="020B0604020202020204" pitchFamily="34" charset="0"/>
+              <a:buChar char="•"/>
+            </a:pPr>
+            <a:endParaRPr lang="en-US" sz="2000" dirty="0"/>
+          </a:p>
+          <a:p>
+            <a:pPr marL="342900" indent="-342900">
+              <a:buFont typeface="Arial" panose="020B0604020202020204" pitchFamily="34" charset="0"/>
+              <a:buChar char="•"/>
+            </a:pPr>
+            <a:r>
+              <a:rPr lang="en-US" sz="2000" b="1" dirty="0">
+                <a:solidFill>
+                  <a:srgbClr val="FF0000"/>
+                </a:solidFill>
+              </a:rPr>
+              <a:t>If the project is driving wheels, then you will typically use a </a:t>
+            </a:r>
+            <a:r>
+              <a:rPr lang="en-US" sz="2000" b="1" dirty="0" err="1">
+                <a:solidFill>
+                  <a:srgbClr val="FF0000"/>
+                </a:solidFill>
+              </a:rPr>
+              <a:t>gearmotor</a:t>
+            </a:r>
+            <a:r>
+              <a:rPr lang="en-US" sz="2000" dirty="0"/>
+              <a:t>, which combines a motor and gearbox to reduce the RPM and increase the torque. </a:t>
+            </a:r>
+          </a:p>
+          <a:p>
+            <a:pPr marL="342900" indent="-342900">
+              <a:buFont typeface="Arial" panose="020B0604020202020204" pitchFamily="34" charset="0"/>
+              <a:buChar char="•"/>
+            </a:pPr>
+            <a:endParaRPr lang="en-US" sz="2000" dirty="0"/>
+          </a:p>
+          <a:p>
+            <a:pPr marL="342900" indent="-342900">
+              <a:buFont typeface="Arial" panose="020B0604020202020204" pitchFamily="34" charset="0"/>
+              <a:buChar char="•"/>
+            </a:pPr>
+            <a:r>
+              <a:rPr lang="en-US" sz="2000" dirty="0"/>
+              <a:t>Whichever hardware option you decided upon, you can use the same program to try out the motor. This allows you to enter a letter </a:t>
+            </a:r>
+            <a:r>
+              <a:rPr lang="en-US" sz="2400" b="1" i="1" dirty="0">
+                <a:solidFill>
+                  <a:srgbClr val="0070C0"/>
+                </a:solidFill>
+                <a:latin typeface="Consolas" panose="020B0609020204030204" pitchFamily="49" charset="0"/>
+                <a:cs typeface="Consolas" panose="020B0609020204030204" pitchFamily="49" charset="0"/>
+              </a:rPr>
+              <a:t>f</a:t>
+            </a:r>
+            <a:r>
+              <a:rPr lang="en-US" sz="2000" dirty="0"/>
+              <a:t> or </a:t>
+            </a:r>
+            <a:r>
+              <a:rPr lang="en-US" sz="2400" b="1" i="1" dirty="0">
+                <a:solidFill>
+                  <a:srgbClr val="0070C0"/>
+                </a:solidFill>
+                <a:latin typeface="Consolas" panose="020B0609020204030204" pitchFamily="49" charset="0"/>
+                <a:cs typeface="Consolas" panose="020B0609020204030204" pitchFamily="49" charset="0"/>
+              </a:rPr>
+              <a:t>r</a:t>
+            </a:r>
+            <a:r>
+              <a:rPr lang="en-US" sz="2000" dirty="0"/>
+              <a:t> and then a single digit between </a:t>
+            </a:r>
+            <a:r>
+              <a:rPr lang="en-US" sz="2400" b="1" i="1" dirty="0">
+                <a:solidFill>
+                  <a:srgbClr val="0070C0"/>
+                </a:solidFill>
+                <a:latin typeface="Consolas" panose="020B0609020204030204" pitchFamily="49" charset="0"/>
+                <a:cs typeface="Consolas" panose="020B0609020204030204" pitchFamily="49" charset="0"/>
+              </a:rPr>
+              <a:t>0</a:t>
+            </a:r>
+            <a:r>
+              <a:rPr lang="en-US" sz="2000" dirty="0"/>
+              <a:t> and </a:t>
+            </a:r>
+            <a:r>
+              <a:rPr lang="en-US" sz="2400" b="1" i="1" dirty="0">
+                <a:solidFill>
+                  <a:srgbClr val="0070C0"/>
+                </a:solidFill>
+                <a:latin typeface="Consolas" panose="020B0609020204030204" pitchFamily="49" charset="0"/>
+                <a:cs typeface="Consolas" panose="020B0609020204030204" pitchFamily="49" charset="0"/>
+              </a:rPr>
+              <a:t>9</a:t>
+            </a:r>
+            <a:r>
+              <a:rPr lang="en-US" sz="2000" dirty="0"/>
+              <a:t>. The motor will then either go forward or backward, at a speed specified by the digit—</a:t>
+            </a:r>
+            <a:r>
+              <a:rPr lang="en-US" sz="2400" b="1" i="1" dirty="0">
+                <a:solidFill>
+                  <a:srgbClr val="0070C0"/>
+                </a:solidFill>
+                <a:latin typeface="Consolas" panose="020B0609020204030204" pitchFamily="49" charset="0"/>
+                <a:cs typeface="Consolas" panose="020B0609020204030204" pitchFamily="49" charset="0"/>
+              </a:rPr>
+              <a:t>0</a:t>
+            </a:r>
+            <a:r>
+              <a:rPr lang="en-US" sz="2000" dirty="0"/>
+              <a:t> for stopped, </a:t>
+            </a:r>
+            <a:r>
+              <a:rPr lang="en-US" sz="2400" b="1" i="1" dirty="0">
+                <a:solidFill>
+                  <a:srgbClr val="0070C0"/>
+                </a:solidFill>
+                <a:latin typeface="Consolas" panose="020B0609020204030204" pitchFamily="49" charset="0"/>
+                <a:cs typeface="Consolas" panose="020B0609020204030204" pitchFamily="49" charset="0"/>
+              </a:rPr>
+              <a:t>9</a:t>
+            </a:r>
+            <a:r>
+              <a:rPr lang="en-US" sz="2000" dirty="0"/>
+              <a:t> for full speed.</a:t>
+            </a:r>
+          </a:p>
+          <a:p>
+            <a:pPr marL="342900" indent="-342900">
+              <a:buFont typeface="Arial" panose="020B0604020202020204" pitchFamily="34" charset="0"/>
+              <a:buChar char="•"/>
+            </a:pPr>
+            <a:endParaRPr lang="en-US" sz="2000" dirty="0"/>
+          </a:p>
+          <a:p>
+            <a:pPr marL="342900" indent="-342900">
+              <a:buFont typeface="Arial" panose="020B0604020202020204" pitchFamily="34" charset="0"/>
+              <a:buChar char="•"/>
+            </a:pPr>
+            <a:endParaRPr lang="en-US" sz="2000" dirty="0"/>
+          </a:p>
+          <a:p>
+            <a:pPr marL="342900" indent="-342900">
+              <a:buFont typeface="Arial" panose="020B0604020202020204" pitchFamily="34" charset="0"/>
+              <a:buChar char="•"/>
+            </a:pPr>
+            <a:endParaRPr lang="en-US" sz="2000" dirty="0"/>
+          </a:p>
+        </p:txBody>
+      </p:sp>
+      <p:sp>
+        <p:nvSpPr>
           <p:cNvPr id="5" name="AutoShape 2" descr="http://raspberry.piaustralia.com.au/product-images/piwithbox.jpg"/>
           <p:cNvSpPr>
             <a:spLocks noChangeAspect="1" noChangeArrowheads="1"/>
@@ -8607,34 +8705,10 @@
           </a:p>
         </p:txBody>
       </p:sp>
-      <p:pic>
-        <p:nvPicPr>
-          <p:cNvPr id="2" name="Picture 1"/>
-          <p:cNvPicPr>
-            <a:picLocks noChangeAspect="1"/>
-          </p:cNvPicPr>
-          <p:nvPr/>
-        </p:nvPicPr>
-        <p:blipFill>
-          <a:blip r:embed="rId2"/>
-          <a:stretch>
-            <a:fillRect/>
-          </a:stretch>
-        </p:blipFill>
-        <p:spPr>
-          <a:xfrm>
-            <a:off x="2666707" y="746115"/>
-            <a:ext cx="6858586" cy="6111885"/>
-          </a:xfrm>
-          <a:prstGeom prst="rect">
-            <a:avLst/>
-          </a:prstGeom>
-        </p:spPr>
-      </p:pic>
     </p:spTree>
     <p:extLst>
       <p:ext uri="{BB962C8B-B14F-4D97-AF65-F5344CB8AC3E}">
-        <p14:creationId xmlns:p14="http://schemas.microsoft.com/office/powerpoint/2010/main" val="1586194699"/>
+        <p14:creationId xmlns:p14="http://schemas.microsoft.com/office/powerpoint/2010/main" val="159820026"/>
       </p:ext>
     </p:extLst>
   </p:cSld>
@@ -8851,7 +8925,7 @@
       </p:sp>
       <p:pic>
         <p:nvPicPr>
-          <p:cNvPr id="3" name="Picture 2"/>
+          <p:cNvPr id="2" name="Picture 1"/>
           <p:cNvPicPr>
             <a:picLocks noChangeAspect="1"/>
           </p:cNvPicPr>
@@ -8865,8 +8939,8 @@
         </p:blipFill>
         <p:spPr>
           <a:xfrm>
-            <a:off x="63500" y="1020995"/>
-            <a:ext cx="11906910" cy="5322656"/>
+            <a:off x="2666707" y="746115"/>
+            <a:ext cx="6858586" cy="6111885"/>
           </a:xfrm>
           <a:prstGeom prst="rect">
             <a:avLst/>
@@ -8876,7 +8950,7 @@
     </p:spTree>
     <p:extLst>
       <p:ext uri="{BB962C8B-B14F-4D97-AF65-F5344CB8AC3E}">
-        <p14:creationId xmlns:p14="http://schemas.microsoft.com/office/powerpoint/2010/main" val="3845029520"/>
+        <p14:creationId xmlns:p14="http://schemas.microsoft.com/office/powerpoint/2010/main" val="1586194699"/>
       </p:ext>
     </p:extLst>
   </p:cSld>
@@ -9054,560 +9128,6 @@
       </p:sp>
       <p:sp>
         <p:nvSpPr>
-          <p:cNvPr id="2" name="TextBox 1"/>
-          <p:cNvSpPr txBox="1"/>
-          <p:nvPr/>
-        </p:nvSpPr>
-        <p:spPr>
-          <a:xfrm>
-            <a:off x="417443" y="805625"/>
-            <a:ext cx="11357113" cy="5755422"/>
-          </a:xfrm>
-          <a:prstGeom prst="rect">
-            <a:avLst/>
-          </a:prstGeom>
-          <a:noFill/>
-        </p:spPr>
-        <p:txBody>
-          <a:bodyPr wrap="square" rtlCol="0">
-            <a:spAutoFit/>
-          </a:bodyPr>
-          <a:lstStyle/>
-          <a:p>
-            <a:pPr lvl="1"/>
-            <a:r>
-              <a:rPr lang="en-US" sz="1600" b="1" i="1" dirty="0">
-                <a:solidFill>
-                  <a:srgbClr val="0070C0"/>
-                </a:solidFill>
-                <a:latin typeface="Consolas" panose="020B0609020204030204" pitchFamily="49" charset="0"/>
-                <a:cs typeface="Consolas" panose="020B0609020204030204" pitchFamily="49" charset="0"/>
-              </a:rPr>
-              <a:t>import </a:t>
-            </a:r>
-            <a:r>
-              <a:rPr lang="en-US" sz="1600" b="1" i="1" dirty="0" err="1">
-                <a:solidFill>
-                  <a:srgbClr val="0070C0"/>
-                </a:solidFill>
-                <a:latin typeface="Consolas" panose="020B0609020204030204" pitchFamily="49" charset="0"/>
-                <a:cs typeface="Consolas" panose="020B0609020204030204" pitchFamily="49" charset="0"/>
-              </a:rPr>
-              <a:t>RPi.GPIO</a:t>
-            </a:r>
-            <a:r>
-              <a:rPr lang="en-US" sz="1600" b="1" i="1" dirty="0">
-                <a:solidFill>
-                  <a:srgbClr val="0070C0"/>
-                </a:solidFill>
-                <a:latin typeface="Consolas" panose="020B0609020204030204" pitchFamily="49" charset="0"/>
-                <a:cs typeface="Consolas" panose="020B0609020204030204" pitchFamily="49" charset="0"/>
-              </a:rPr>
-              <a:t> as GPIO </a:t>
-            </a:r>
-          </a:p>
-          <a:p>
-            <a:pPr lvl="1"/>
-            <a:r>
-              <a:rPr lang="en-US" sz="1600" b="1" i="1" dirty="0">
-                <a:solidFill>
-                  <a:srgbClr val="0070C0"/>
-                </a:solidFill>
-                <a:latin typeface="Consolas" panose="020B0609020204030204" pitchFamily="49" charset="0"/>
-                <a:cs typeface="Consolas" panose="020B0609020204030204" pitchFamily="49" charset="0"/>
-              </a:rPr>
-              <a:t>import time</a:t>
-            </a:r>
-          </a:p>
-          <a:p>
-            <a:pPr lvl="1"/>
-            <a:endParaRPr lang="en-US" sz="1600" b="1" i="1" dirty="0">
-              <a:solidFill>
-                <a:srgbClr val="0070C0"/>
-              </a:solidFill>
-              <a:latin typeface="Consolas" panose="020B0609020204030204" pitchFamily="49" charset="0"/>
-              <a:cs typeface="Consolas" panose="020B0609020204030204" pitchFamily="49" charset="0"/>
-            </a:endParaRPr>
-          </a:p>
-          <a:p>
-            <a:pPr lvl="1"/>
-            <a:r>
-              <a:rPr lang="en-US" sz="1600" b="1" i="1" dirty="0" err="1">
-                <a:solidFill>
-                  <a:srgbClr val="0070C0"/>
-                </a:solidFill>
-                <a:latin typeface="Consolas" panose="020B0609020204030204" pitchFamily="49" charset="0"/>
-                <a:cs typeface="Consolas" panose="020B0609020204030204" pitchFamily="49" charset="0"/>
-              </a:rPr>
-              <a:t>enable_pin</a:t>
-            </a:r>
-            <a:r>
-              <a:rPr lang="en-US" sz="1600" b="1" i="1" dirty="0">
-                <a:solidFill>
-                  <a:srgbClr val="0070C0"/>
-                </a:solidFill>
-                <a:latin typeface="Consolas" panose="020B0609020204030204" pitchFamily="49" charset="0"/>
-                <a:cs typeface="Consolas" panose="020B0609020204030204" pitchFamily="49" charset="0"/>
-              </a:rPr>
-              <a:t> = 18 </a:t>
-            </a:r>
-          </a:p>
-          <a:p>
-            <a:pPr lvl="1"/>
-            <a:r>
-              <a:rPr lang="en-US" sz="1600" b="1" i="1" dirty="0">
-                <a:solidFill>
-                  <a:srgbClr val="0070C0"/>
-                </a:solidFill>
-                <a:latin typeface="Consolas" panose="020B0609020204030204" pitchFamily="49" charset="0"/>
-                <a:cs typeface="Consolas" panose="020B0609020204030204" pitchFamily="49" charset="0"/>
-              </a:rPr>
-              <a:t>in1_pin = 23 </a:t>
-            </a:r>
-          </a:p>
-          <a:p>
-            <a:pPr lvl="1"/>
-            <a:r>
-              <a:rPr lang="en-US" sz="1600" b="1" i="1" dirty="0">
-                <a:solidFill>
-                  <a:srgbClr val="0070C0"/>
-                </a:solidFill>
-                <a:latin typeface="Consolas" panose="020B0609020204030204" pitchFamily="49" charset="0"/>
-                <a:cs typeface="Consolas" panose="020B0609020204030204" pitchFamily="49" charset="0"/>
-              </a:rPr>
-              <a:t>in2_pin =24</a:t>
-            </a:r>
-          </a:p>
-          <a:p>
-            <a:pPr lvl="1"/>
-            <a:endParaRPr lang="en-US" sz="1600" b="1" i="1" dirty="0">
-              <a:solidFill>
-                <a:srgbClr val="0070C0"/>
-              </a:solidFill>
-              <a:latin typeface="Consolas" panose="020B0609020204030204" pitchFamily="49" charset="0"/>
-              <a:cs typeface="Consolas" panose="020B0609020204030204" pitchFamily="49" charset="0"/>
-            </a:endParaRPr>
-          </a:p>
-          <a:p>
-            <a:pPr lvl="1"/>
-            <a:r>
-              <a:rPr lang="en-US" sz="1600" b="1" i="1" dirty="0" err="1">
-                <a:solidFill>
-                  <a:srgbClr val="0070C0"/>
-                </a:solidFill>
-                <a:latin typeface="Consolas" panose="020B0609020204030204" pitchFamily="49" charset="0"/>
-                <a:cs typeface="Consolas" panose="020B0609020204030204" pitchFamily="49" charset="0"/>
-              </a:rPr>
-              <a:t>GPIO.setmode</a:t>
-            </a:r>
-            <a:r>
-              <a:rPr lang="en-US" sz="1600" b="1" i="1" dirty="0">
-                <a:solidFill>
-                  <a:srgbClr val="0070C0"/>
-                </a:solidFill>
-                <a:latin typeface="Consolas" panose="020B0609020204030204" pitchFamily="49" charset="0"/>
-                <a:cs typeface="Consolas" panose="020B0609020204030204" pitchFamily="49" charset="0"/>
-              </a:rPr>
-              <a:t>(GPIO.BCM) </a:t>
-            </a:r>
-          </a:p>
-          <a:p>
-            <a:pPr lvl="1"/>
-            <a:r>
-              <a:rPr lang="en-US" sz="1600" b="1" i="1" dirty="0" err="1">
-                <a:solidFill>
-                  <a:srgbClr val="0070C0"/>
-                </a:solidFill>
-                <a:latin typeface="Consolas" panose="020B0609020204030204" pitchFamily="49" charset="0"/>
-                <a:cs typeface="Consolas" panose="020B0609020204030204" pitchFamily="49" charset="0"/>
-              </a:rPr>
-              <a:t>GPIO.setup</a:t>
-            </a:r>
-            <a:r>
-              <a:rPr lang="en-US" sz="1600" b="1" i="1" dirty="0">
-                <a:solidFill>
-                  <a:srgbClr val="0070C0"/>
-                </a:solidFill>
-                <a:latin typeface="Consolas" panose="020B0609020204030204" pitchFamily="49" charset="0"/>
-                <a:cs typeface="Consolas" panose="020B0609020204030204" pitchFamily="49" charset="0"/>
-              </a:rPr>
-              <a:t>(</a:t>
-            </a:r>
-            <a:r>
-              <a:rPr lang="en-US" sz="1600" b="1" i="1" dirty="0" err="1">
-                <a:solidFill>
-                  <a:srgbClr val="0070C0"/>
-                </a:solidFill>
-                <a:latin typeface="Consolas" panose="020B0609020204030204" pitchFamily="49" charset="0"/>
-                <a:cs typeface="Consolas" panose="020B0609020204030204" pitchFamily="49" charset="0"/>
-              </a:rPr>
-              <a:t>enable_pin</a:t>
-            </a:r>
-            <a:r>
-              <a:rPr lang="en-US" sz="1600" b="1" i="1" dirty="0">
-                <a:solidFill>
-                  <a:srgbClr val="0070C0"/>
-                </a:solidFill>
-                <a:latin typeface="Consolas" panose="020B0609020204030204" pitchFamily="49" charset="0"/>
-                <a:cs typeface="Consolas" panose="020B0609020204030204" pitchFamily="49" charset="0"/>
-              </a:rPr>
-              <a:t>, GPIO.OUT) </a:t>
-            </a:r>
-          </a:p>
-          <a:p>
-            <a:pPr lvl="1"/>
-            <a:r>
-              <a:rPr lang="en-US" sz="1600" b="1" i="1" dirty="0" err="1">
-                <a:solidFill>
-                  <a:srgbClr val="0070C0"/>
-                </a:solidFill>
-                <a:latin typeface="Consolas" panose="020B0609020204030204" pitchFamily="49" charset="0"/>
-                <a:cs typeface="Consolas" panose="020B0609020204030204" pitchFamily="49" charset="0"/>
-              </a:rPr>
-              <a:t>GPIO.setup</a:t>
-            </a:r>
-            <a:r>
-              <a:rPr lang="en-US" sz="1600" b="1" i="1" dirty="0">
-                <a:solidFill>
-                  <a:srgbClr val="0070C0"/>
-                </a:solidFill>
-                <a:latin typeface="Consolas" panose="020B0609020204030204" pitchFamily="49" charset="0"/>
-                <a:cs typeface="Consolas" panose="020B0609020204030204" pitchFamily="49" charset="0"/>
-              </a:rPr>
-              <a:t>(in1_pin, GPIO.OUT) </a:t>
-            </a:r>
-          </a:p>
-          <a:p>
-            <a:pPr lvl="1"/>
-            <a:r>
-              <a:rPr lang="en-US" sz="1600" b="1" i="1" dirty="0" err="1">
-                <a:solidFill>
-                  <a:srgbClr val="0070C0"/>
-                </a:solidFill>
-                <a:latin typeface="Consolas" panose="020B0609020204030204" pitchFamily="49" charset="0"/>
-                <a:cs typeface="Consolas" panose="020B0609020204030204" pitchFamily="49" charset="0"/>
-              </a:rPr>
-              <a:t>GPIO.setup</a:t>
-            </a:r>
-            <a:r>
-              <a:rPr lang="en-US" sz="1600" b="1" i="1" dirty="0">
-                <a:solidFill>
-                  <a:srgbClr val="0070C0"/>
-                </a:solidFill>
-                <a:latin typeface="Consolas" panose="020B0609020204030204" pitchFamily="49" charset="0"/>
-                <a:cs typeface="Consolas" panose="020B0609020204030204" pitchFamily="49" charset="0"/>
-              </a:rPr>
-              <a:t>(in2_pin, GPIO.OUT)</a:t>
-            </a:r>
-          </a:p>
-          <a:p>
-            <a:pPr lvl="1"/>
-            <a:endParaRPr lang="en-US" sz="1600" b="1" i="1" dirty="0">
-              <a:solidFill>
-                <a:srgbClr val="0070C0"/>
-              </a:solidFill>
-              <a:latin typeface="Consolas" panose="020B0609020204030204" pitchFamily="49" charset="0"/>
-              <a:cs typeface="Consolas" panose="020B0609020204030204" pitchFamily="49" charset="0"/>
-            </a:endParaRPr>
-          </a:p>
-          <a:p>
-            <a:pPr lvl="1"/>
-            <a:r>
-              <a:rPr lang="en-US" sz="1600" b="1" i="1" dirty="0" err="1">
-                <a:solidFill>
-                  <a:srgbClr val="0070C0"/>
-                </a:solidFill>
-                <a:latin typeface="Consolas" panose="020B0609020204030204" pitchFamily="49" charset="0"/>
-                <a:cs typeface="Consolas" panose="020B0609020204030204" pitchFamily="49" charset="0"/>
-              </a:rPr>
-              <a:t>pwm</a:t>
-            </a:r>
-            <a:r>
-              <a:rPr lang="en-US" sz="1600" b="1" i="1" dirty="0">
-                <a:solidFill>
-                  <a:srgbClr val="0070C0"/>
-                </a:solidFill>
-                <a:latin typeface="Consolas" panose="020B0609020204030204" pitchFamily="49" charset="0"/>
-                <a:cs typeface="Consolas" panose="020B0609020204030204" pitchFamily="49" charset="0"/>
-              </a:rPr>
-              <a:t> = GPIO.PWM(</a:t>
-            </a:r>
-            <a:r>
-              <a:rPr lang="en-US" sz="1600" b="1" i="1" dirty="0" err="1">
-                <a:solidFill>
-                  <a:srgbClr val="0070C0"/>
-                </a:solidFill>
-                <a:latin typeface="Consolas" panose="020B0609020204030204" pitchFamily="49" charset="0"/>
-                <a:cs typeface="Consolas" panose="020B0609020204030204" pitchFamily="49" charset="0"/>
-              </a:rPr>
-              <a:t>enable_pin</a:t>
-            </a:r>
-            <a:r>
-              <a:rPr lang="en-US" sz="1600" b="1" i="1" dirty="0">
-                <a:solidFill>
-                  <a:srgbClr val="0070C0"/>
-                </a:solidFill>
-                <a:latin typeface="Consolas" panose="020B0609020204030204" pitchFamily="49" charset="0"/>
-                <a:cs typeface="Consolas" panose="020B0609020204030204" pitchFamily="49" charset="0"/>
-              </a:rPr>
-              <a:t>, 500) </a:t>
-            </a:r>
-          </a:p>
-          <a:p>
-            <a:pPr lvl="1"/>
-            <a:r>
-              <a:rPr lang="en-US" sz="1600" b="1" i="1" dirty="0" err="1">
-                <a:solidFill>
-                  <a:srgbClr val="0070C0"/>
-                </a:solidFill>
-                <a:latin typeface="Consolas" panose="020B0609020204030204" pitchFamily="49" charset="0"/>
-                <a:cs typeface="Consolas" panose="020B0609020204030204" pitchFamily="49" charset="0"/>
-              </a:rPr>
-              <a:t>pwm.start</a:t>
-            </a:r>
-            <a:r>
-              <a:rPr lang="en-US" sz="1600" b="1" i="1" dirty="0">
-                <a:solidFill>
-                  <a:srgbClr val="0070C0"/>
-                </a:solidFill>
-                <a:latin typeface="Consolas" panose="020B0609020204030204" pitchFamily="49" charset="0"/>
-                <a:cs typeface="Consolas" panose="020B0609020204030204" pitchFamily="49" charset="0"/>
-              </a:rPr>
-              <a:t>(0)</a:t>
-            </a:r>
-          </a:p>
-          <a:p>
-            <a:pPr lvl="1"/>
-            <a:endParaRPr lang="en-US" sz="1600" b="1" i="1" dirty="0">
-              <a:solidFill>
-                <a:srgbClr val="0070C0"/>
-              </a:solidFill>
-              <a:latin typeface="Consolas" panose="020B0609020204030204" pitchFamily="49" charset="0"/>
-              <a:cs typeface="Consolas" panose="020B0609020204030204" pitchFamily="49" charset="0"/>
-            </a:endParaRPr>
-          </a:p>
-          <a:p>
-            <a:pPr lvl="1"/>
-            <a:r>
-              <a:rPr lang="en-US" sz="1600" b="1" i="1" dirty="0" err="1">
-                <a:solidFill>
-                  <a:srgbClr val="0070C0"/>
-                </a:solidFill>
-                <a:latin typeface="Consolas" panose="020B0609020204030204" pitchFamily="49" charset="0"/>
-                <a:cs typeface="Consolas" panose="020B0609020204030204" pitchFamily="49" charset="0"/>
-              </a:rPr>
-              <a:t>def</a:t>
-            </a:r>
-            <a:r>
-              <a:rPr lang="en-US" sz="1600" b="1" i="1" dirty="0">
-                <a:solidFill>
-                  <a:srgbClr val="0070C0"/>
-                </a:solidFill>
-                <a:latin typeface="Consolas" panose="020B0609020204030204" pitchFamily="49" charset="0"/>
-                <a:cs typeface="Consolas" panose="020B0609020204030204" pitchFamily="49" charset="0"/>
-              </a:rPr>
-              <a:t> clockwise():    </a:t>
-            </a:r>
-          </a:p>
-          <a:p>
-            <a:pPr lvl="1"/>
-            <a:r>
-              <a:rPr lang="en-US" sz="1600" b="1" i="1" dirty="0">
-                <a:solidFill>
-                  <a:srgbClr val="0070C0"/>
-                </a:solidFill>
-                <a:latin typeface="Consolas" panose="020B0609020204030204" pitchFamily="49" charset="0"/>
-                <a:cs typeface="Consolas" panose="020B0609020204030204" pitchFamily="49" charset="0"/>
-              </a:rPr>
-              <a:t>	</a:t>
-            </a:r>
-            <a:r>
-              <a:rPr lang="en-US" sz="1600" b="1" i="1" dirty="0" err="1">
-                <a:solidFill>
-                  <a:srgbClr val="0070C0"/>
-                </a:solidFill>
-                <a:latin typeface="Consolas" panose="020B0609020204030204" pitchFamily="49" charset="0"/>
-                <a:cs typeface="Consolas" panose="020B0609020204030204" pitchFamily="49" charset="0"/>
-              </a:rPr>
-              <a:t>GPIO.output</a:t>
-            </a:r>
-            <a:r>
-              <a:rPr lang="en-US" sz="1600" b="1" i="1" dirty="0">
-                <a:solidFill>
-                  <a:srgbClr val="0070C0"/>
-                </a:solidFill>
-                <a:latin typeface="Consolas" panose="020B0609020204030204" pitchFamily="49" charset="0"/>
-                <a:cs typeface="Consolas" panose="020B0609020204030204" pitchFamily="49" charset="0"/>
-              </a:rPr>
-              <a:t>(in1_pin, True)    </a:t>
-            </a:r>
-          </a:p>
-          <a:p>
-            <a:pPr lvl="1"/>
-            <a:r>
-              <a:rPr lang="en-US" sz="1600" b="1" i="1" dirty="0">
-                <a:solidFill>
-                  <a:srgbClr val="0070C0"/>
-                </a:solidFill>
-                <a:latin typeface="Consolas" panose="020B0609020204030204" pitchFamily="49" charset="0"/>
-                <a:cs typeface="Consolas" panose="020B0609020204030204" pitchFamily="49" charset="0"/>
-              </a:rPr>
-              <a:t>	</a:t>
-            </a:r>
-            <a:r>
-              <a:rPr lang="en-US" sz="1600" b="1" i="1" dirty="0" err="1">
-                <a:solidFill>
-                  <a:srgbClr val="0070C0"/>
-                </a:solidFill>
-                <a:latin typeface="Consolas" panose="020B0609020204030204" pitchFamily="49" charset="0"/>
-                <a:cs typeface="Consolas" panose="020B0609020204030204" pitchFamily="49" charset="0"/>
-              </a:rPr>
-              <a:t>GPIO.output</a:t>
-            </a:r>
-            <a:r>
-              <a:rPr lang="en-US" sz="1600" b="1" i="1" dirty="0">
-                <a:solidFill>
-                  <a:srgbClr val="0070C0"/>
-                </a:solidFill>
-                <a:latin typeface="Consolas" panose="020B0609020204030204" pitchFamily="49" charset="0"/>
-                <a:cs typeface="Consolas" panose="020B0609020204030204" pitchFamily="49" charset="0"/>
-              </a:rPr>
-              <a:t>(in2_pin, False)</a:t>
-            </a:r>
-          </a:p>
-          <a:p>
-            <a:pPr lvl="1"/>
-            <a:endParaRPr lang="en-US" sz="1600" b="1" i="1" dirty="0">
-              <a:solidFill>
-                <a:srgbClr val="0070C0"/>
-              </a:solidFill>
-              <a:latin typeface="Consolas" panose="020B0609020204030204" pitchFamily="49" charset="0"/>
-              <a:cs typeface="Consolas" panose="020B0609020204030204" pitchFamily="49" charset="0"/>
-            </a:endParaRPr>
-          </a:p>
-          <a:p>
-            <a:pPr lvl="1"/>
-            <a:r>
-              <a:rPr lang="en-US" sz="1600" b="1" i="1" dirty="0" err="1">
-                <a:solidFill>
-                  <a:srgbClr val="0070C0"/>
-                </a:solidFill>
-                <a:latin typeface="Consolas" panose="020B0609020204030204" pitchFamily="49" charset="0"/>
-                <a:cs typeface="Consolas" panose="020B0609020204030204" pitchFamily="49" charset="0"/>
-              </a:rPr>
-              <a:t>def</a:t>
-            </a:r>
-            <a:r>
-              <a:rPr lang="en-US" sz="1600" b="1" i="1" dirty="0">
-                <a:solidFill>
-                  <a:srgbClr val="0070C0"/>
-                </a:solidFill>
-                <a:latin typeface="Consolas" panose="020B0609020204030204" pitchFamily="49" charset="0"/>
-                <a:cs typeface="Consolas" panose="020B0609020204030204" pitchFamily="49" charset="0"/>
-              </a:rPr>
-              <a:t> </a:t>
-            </a:r>
-            <a:r>
-              <a:rPr lang="en-US" sz="1600" b="1" i="1" dirty="0" err="1">
-                <a:solidFill>
-                  <a:srgbClr val="0070C0"/>
-                </a:solidFill>
-                <a:latin typeface="Consolas" panose="020B0609020204030204" pitchFamily="49" charset="0"/>
-                <a:cs typeface="Consolas" panose="020B0609020204030204" pitchFamily="49" charset="0"/>
-              </a:rPr>
-              <a:t>counter_clockwise</a:t>
-            </a:r>
-            <a:r>
-              <a:rPr lang="en-US" sz="1600" b="1" i="1" dirty="0">
-                <a:solidFill>
-                  <a:srgbClr val="0070C0"/>
-                </a:solidFill>
-                <a:latin typeface="Consolas" panose="020B0609020204030204" pitchFamily="49" charset="0"/>
-                <a:cs typeface="Consolas" panose="020B0609020204030204" pitchFamily="49" charset="0"/>
-              </a:rPr>
-              <a:t>():    </a:t>
-            </a:r>
-          </a:p>
-          <a:p>
-            <a:pPr lvl="1"/>
-            <a:r>
-              <a:rPr lang="en-US" sz="1600" b="1" i="1" dirty="0">
-                <a:solidFill>
-                  <a:srgbClr val="0070C0"/>
-                </a:solidFill>
-                <a:latin typeface="Consolas" panose="020B0609020204030204" pitchFamily="49" charset="0"/>
-                <a:cs typeface="Consolas" panose="020B0609020204030204" pitchFamily="49" charset="0"/>
-              </a:rPr>
-              <a:t>	</a:t>
-            </a:r>
-            <a:r>
-              <a:rPr lang="en-US" sz="1600" b="1" i="1" dirty="0" err="1">
-                <a:solidFill>
-                  <a:srgbClr val="0070C0"/>
-                </a:solidFill>
-                <a:latin typeface="Consolas" panose="020B0609020204030204" pitchFamily="49" charset="0"/>
-                <a:cs typeface="Consolas" panose="020B0609020204030204" pitchFamily="49" charset="0"/>
-              </a:rPr>
-              <a:t>GPIO.output</a:t>
-            </a:r>
-            <a:r>
-              <a:rPr lang="en-US" sz="1600" b="1" i="1" dirty="0">
-                <a:solidFill>
-                  <a:srgbClr val="0070C0"/>
-                </a:solidFill>
-                <a:latin typeface="Consolas" panose="020B0609020204030204" pitchFamily="49" charset="0"/>
-                <a:cs typeface="Consolas" panose="020B0609020204030204" pitchFamily="49" charset="0"/>
-              </a:rPr>
-              <a:t>(in1_pin, False)    </a:t>
-            </a:r>
-          </a:p>
-          <a:p>
-            <a:pPr lvl="1"/>
-            <a:r>
-              <a:rPr lang="en-US" sz="1600" b="1" i="1" dirty="0">
-                <a:solidFill>
-                  <a:srgbClr val="0070C0"/>
-                </a:solidFill>
-                <a:latin typeface="Consolas" panose="020B0609020204030204" pitchFamily="49" charset="0"/>
-                <a:cs typeface="Consolas" panose="020B0609020204030204" pitchFamily="49" charset="0"/>
-              </a:rPr>
-              <a:t>	</a:t>
-            </a:r>
-            <a:r>
-              <a:rPr lang="en-US" sz="1600" b="1" i="1" dirty="0" err="1">
-                <a:solidFill>
-                  <a:srgbClr val="0070C0"/>
-                </a:solidFill>
-                <a:latin typeface="Consolas" panose="020B0609020204030204" pitchFamily="49" charset="0"/>
-                <a:cs typeface="Consolas" panose="020B0609020204030204" pitchFamily="49" charset="0"/>
-              </a:rPr>
-              <a:t>GPIO.output</a:t>
-            </a:r>
-            <a:r>
-              <a:rPr lang="en-US" sz="1600" b="1" i="1" dirty="0">
-                <a:solidFill>
-                  <a:srgbClr val="0070C0"/>
-                </a:solidFill>
-                <a:latin typeface="Consolas" panose="020B0609020204030204" pitchFamily="49" charset="0"/>
-                <a:cs typeface="Consolas" panose="020B0609020204030204" pitchFamily="49" charset="0"/>
-              </a:rPr>
-              <a:t>(in2_pin, True)</a:t>
-            </a:r>
-          </a:p>
-          <a:p>
-            <a:pPr lvl="1"/>
-            <a:endParaRPr lang="en-US" sz="1600" b="1" i="1" dirty="0">
-              <a:solidFill>
-                <a:srgbClr val="0070C0"/>
-              </a:solidFill>
-              <a:latin typeface="Consolas" panose="020B0609020204030204" pitchFamily="49" charset="0"/>
-              <a:cs typeface="Consolas" panose="020B0609020204030204" pitchFamily="49" charset="0"/>
-            </a:endParaRPr>
-          </a:p>
-        </p:txBody>
-      </p:sp>
-      <p:sp>
-        <p:nvSpPr>
           <p:cNvPr id="5" name="AutoShape 2" descr="http://raspberry.piaustralia.com.au/product-images/piwithbox.jpg"/>
           <p:cNvSpPr>
             <a:spLocks noChangeAspect="1" noChangeArrowheads="1"/>
@@ -9645,10 +9165,34 @@
           </a:p>
         </p:txBody>
       </p:sp>
+      <p:pic>
+        <p:nvPicPr>
+          <p:cNvPr id="3" name="Picture 2"/>
+          <p:cNvPicPr>
+            <a:picLocks noChangeAspect="1"/>
+          </p:cNvPicPr>
+          <p:nvPr/>
+        </p:nvPicPr>
+        <p:blipFill>
+          <a:blip r:embed="rId2"/>
+          <a:stretch>
+            <a:fillRect/>
+          </a:stretch>
+        </p:blipFill>
+        <p:spPr>
+          <a:xfrm>
+            <a:off x="63500" y="1020995"/>
+            <a:ext cx="11906910" cy="5322656"/>
+          </a:xfrm>
+          <a:prstGeom prst="rect">
+            <a:avLst/>
+          </a:prstGeom>
+        </p:spPr>
+      </p:pic>
     </p:spTree>
     <p:extLst>
       <p:ext uri="{BB962C8B-B14F-4D97-AF65-F5344CB8AC3E}">
-        <p14:creationId xmlns:p14="http://schemas.microsoft.com/office/powerpoint/2010/main" val="1430965514"/>
+        <p14:creationId xmlns:p14="http://schemas.microsoft.com/office/powerpoint/2010/main" val="3845029520"/>
       </p:ext>
     </p:extLst>
   </p:cSld>
@@ -9832,8 +9376,8 @@
         </p:nvSpPr>
         <p:spPr>
           <a:xfrm>
-            <a:off x="417443" y="805625"/>
-            <a:ext cx="11357113" cy="2800767"/>
+            <a:off x="417443" y="721217"/>
+            <a:ext cx="11357113" cy="6463308"/>
           </a:xfrm>
           <a:prstGeom prst="rect">
             <a:avLst/>
@@ -9848,190 +9392,52 @@
           <a:p>
             <a:pPr lvl="1"/>
             <a:r>
-              <a:rPr lang="en-US" sz="1600" b="1" i="1" dirty="0">
-                <a:solidFill>
-                  <a:srgbClr val="0070C0"/>
-                </a:solidFill>
-                <a:latin typeface="Consolas" panose="020B0609020204030204" pitchFamily="49" charset="0"/>
-                <a:cs typeface="Consolas" panose="020B0609020204030204" pitchFamily="49" charset="0"/>
-              </a:rPr>
-              <a:t>while True:    </a:t>
+              <a:rPr lang="en-US" b="1" i="1" dirty="0">
+                <a:solidFill>
+                  <a:srgbClr val="0070C0"/>
+                </a:solidFill>
+                <a:latin typeface="Consolas" panose="020B0609020204030204" pitchFamily="49" charset="0"/>
+                <a:cs typeface="Consolas" panose="020B0609020204030204" pitchFamily="49" charset="0"/>
+              </a:rPr>
+              <a:t>import </a:t>
+            </a:r>
+            <a:r>
+              <a:rPr lang="en-US" b="1" i="1" dirty="0" err="1">
+                <a:solidFill>
+                  <a:srgbClr val="0070C0"/>
+                </a:solidFill>
+                <a:latin typeface="Consolas" panose="020B0609020204030204" pitchFamily="49" charset="0"/>
+                <a:cs typeface="Consolas" panose="020B0609020204030204" pitchFamily="49" charset="0"/>
+              </a:rPr>
+              <a:t>RPi.GPIO</a:t>
+            </a:r>
+            <a:r>
+              <a:rPr lang="en-US" b="1" i="1" dirty="0">
+                <a:solidFill>
+                  <a:srgbClr val="0070C0"/>
+                </a:solidFill>
+                <a:latin typeface="Consolas" panose="020B0609020204030204" pitchFamily="49" charset="0"/>
+                <a:cs typeface="Consolas" panose="020B0609020204030204" pitchFamily="49" charset="0"/>
+              </a:rPr>
+              <a:t> as GPIO</a:t>
             </a:r>
           </a:p>
           <a:p>
             <a:pPr lvl="1"/>
             <a:r>
-              <a:rPr lang="en-US" sz="1600" b="1" i="1" dirty="0">
-                <a:solidFill>
-                  <a:srgbClr val="0070C0"/>
-                </a:solidFill>
-                <a:latin typeface="Consolas" panose="020B0609020204030204" pitchFamily="49" charset="0"/>
-                <a:cs typeface="Consolas" panose="020B0609020204030204" pitchFamily="49" charset="0"/>
-              </a:rPr>
-              <a:t>	</a:t>
-            </a:r>
-            <a:r>
-              <a:rPr lang="en-US" sz="1600" b="1" i="1" dirty="0" err="1">
-                <a:solidFill>
-                  <a:srgbClr val="0070C0"/>
-                </a:solidFill>
-                <a:latin typeface="Consolas" panose="020B0609020204030204" pitchFamily="49" charset="0"/>
-                <a:cs typeface="Consolas" panose="020B0609020204030204" pitchFamily="49" charset="0"/>
-              </a:rPr>
-              <a:t>cmd</a:t>
-            </a:r>
-            <a:r>
-              <a:rPr lang="en-US" sz="1600" b="1" i="1" dirty="0">
-                <a:solidFill>
-                  <a:srgbClr val="0070C0"/>
-                </a:solidFill>
-                <a:latin typeface="Consolas" panose="020B0609020204030204" pitchFamily="49" charset="0"/>
-                <a:cs typeface="Consolas" panose="020B0609020204030204" pitchFamily="49" charset="0"/>
-              </a:rPr>
-              <a:t> = </a:t>
-            </a:r>
-            <a:r>
-              <a:rPr lang="en-US" sz="1600" b="1" i="1" dirty="0" err="1">
-                <a:solidFill>
-                  <a:srgbClr val="0070C0"/>
-                </a:solidFill>
-                <a:latin typeface="Consolas" panose="020B0609020204030204" pitchFamily="49" charset="0"/>
-                <a:cs typeface="Consolas" panose="020B0609020204030204" pitchFamily="49" charset="0"/>
-              </a:rPr>
-              <a:t>raw_input</a:t>
-            </a:r>
-            <a:r>
-              <a:rPr lang="en-US" sz="1600" b="1" i="1" dirty="0">
-                <a:solidFill>
-                  <a:srgbClr val="0070C0"/>
-                </a:solidFill>
-                <a:latin typeface="Consolas" panose="020B0609020204030204" pitchFamily="49" charset="0"/>
-                <a:cs typeface="Consolas" panose="020B0609020204030204" pitchFamily="49" charset="0"/>
-              </a:rPr>
-              <a:t>("Command, f/r 0..9, E.g. f5 :")    </a:t>
+              <a:rPr lang="en-US" b="1" i="1" dirty="0">
+                <a:solidFill>
+                  <a:srgbClr val="0070C0"/>
+                </a:solidFill>
+                <a:latin typeface="Consolas" panose="020B0609020204030204" pitchFamily="49" charset="0"/>
+                <a:cs typeface="Consolas" panose="020B0609020204030204" pitchFamily="49" charset="0"/>
+              </a:rPr>
+              <a:t>import time</a:t>
             </a:r>
           </a:p>
           <a:p>
             <a:pPr lvl="1"/>
-            <a:r>
-              <a:rPr lang="en-US" sz="1600" b="1" i="1" dirty="0">
-                <a:solidFill>
-                  <a:srgbClr val="0070C0"/>
-                </a:solidFill>
-                <a:latin typeface="Consolas" panose="020B0609020204030204" pitchFamily="49" charset="0"/>
-                <a:cs typeface="Consolas" panose="020B0609020204030204" pitchFamily="49" charset="0"/>
-              </a:rPr>
-              <a:t>	direction = </a:t>
-            </a:r>
-            <a:r>
-              <a:rPr lang="en-US" sz="1600" b="1" i="1" dirty="0" err="1">
-                <a:solidFill>
-                  <a:srgbClr val="0070C0"/>
-                </a:solidFill>
-                <a:latin typeface="Consolas" panose="020B0609020204030204" pitchFamily="49" charset="0"/>
-                <a:cs typeface="Consolas" panose="020B0609020204030204" pitchFamily="49" charset="0"/>
-              </a:rPr>
-              <a:t>cmd</a:t>
-            </a:r>
-            <a:r>
-              <a:rPr lang="en-US" sz="1600" b="1" i="1" dirty="0">
-                <a:solidFill>
-                  <a:srgbClr val="0070C0"/>
-                </a:solidFill>
-                <a:latin typeface="Consolas" panose="020B0609020204030204" pitchFamily="49" charset="0"/>
-                <a:cs typeface="Consolas" panose="020B0609020204030204" pitchFamily="49" charset="0"/>
-              </a:rPr>
-              <a:t>[0]    </a:t>
-            </a:r>
-          </a:p>
-          <a:p>
-            <a:pPr lvl="1"/>
-            <a:r>
-              <a:rPr lang="en-US" sz="1600" b="1" i="1" dirty="0">
-                <a:solidFill>
-                  <a:srgbClr val="0070C0"/>
-                </a:solidFill>
-                <a:latin typeface="Consolas" panose="020B0609020204030204" pitchFamily="49" charset="0"/>
-                <a:cs typeface="Consolas" panose="020B0609020204030204" pitchFamily="49" charset="0"/>
-              </a:rPr>
-              <a:t>	</a:t>
-            </a:r>
-          </a:p>
-          <a:p>
-            <a:pPr lvl="1"/>
-            <a:r>
-              <a:rPr lang="en-US" sz="1600" b="1" i="1" dirty="0">
-                <a:solidFill>
-                  <a:srgbClr val="0070C0"/>
-                </a:solidFill>
-                <a:latin typeface="Consolas" panose="020B0609020204030204" pitchFamily="49" charset="0"/>
-                <a:cs typeface="Consolas" panose="020B0609020204030204" pitchFamily="49" charset="0"/>
-              </a:rPr>
-              <a:t>	if direction == "f":        </a:t>
-            </a:r>
-          </a:p>
-          <a:p>
-            <a:pPr lvl="1"/>
-            <a:r>
-              <a:rPr lang="en-US" sz="1600" b="1" i="1" dirty="0">
-                <a:solidFill>
-                  <a:srgbClr val="0070C0"/>
-                </a:solidFill>
-                <a:latin typeface="Consolas" panose="020B0609020204030204" pitchFamily="49" charset="0"/>
-                <a:cs typeface="Consolas" panose="020B0609020204030204" pitchFamily="49" charset="0"/>
-              </a:rPr>
-              <a:t>		clockwise()    </a:t>
-            </a:r>
-          </a:p>
-          <a:p>
-            <a:pPr lvl="1"/>
-            <a:r>
-              <a:rPr lang="en-US" sz="1600" b="1" i="1" dirty="0">
-                <a:solidFill>
-                  <a:srgbClr val="0070C0"/>
-                </a:solidFill>
-                <a:latin typeface="Consolas" panose="020B0609020204030204" pitchFamily="49" charset="0"/>
-                <a:cs typeface="Consolas" panose="020B0609020204030204" pitchFamily="49" charset="0"/>
-              </a:rPr>
-              <a:t>	else:        </a:t>
-            </a:r>
-          </a:p>
-          <a:p>
-            <a:pPr lvl="1"/>
-            <a:r>
-              <a:rPr lang="en-US" sz="1600" b="1" i="1" dirty="0">
-                <a:solidFill>
-                  <a:srgbClr val="0070C0"/>
-                </a:solidFill>
-                <a:latin typeface="Consolas" panose="020B0609020204030204" pitchFamily="49" charset="0"/>
-                <a:cs typeface="Consolas" panose="020B0609020204030204" pitchFamily="49" charset="0"/>
-              </a:rPr>
-              <a:t>		</a:t>
-            </a:r>
-            <a:r>
-              <a:rPr lang="en-US" sz="1600" b="1" i="1" dirty="0" err="1">
-                <a:solidFill>
-                  <a:srgbClr val="0070C0"/>
-                </a:solidFill>
-                <a:latin typeface="Consolas" panose="020B0609020204030204" pitchFamily="49" charset="0"/>
-                <a:cs typeface="Consolas" panose="020B0609020204030204" pitchFamily="49" charset="0"/>
-              </a:rPr>
-              <a:t>counter_clockwise</a:t>
-            </a:r>
-            <a:r>
-              <a:rPr lang="en-US" sz="1600" b="1" i="1" dirty="0">
-                <a:solidFill>
-                  <a:srgbClr val="0070C0"/>
-                </a:solidFill>
-                <a:latin typeface="Consolas" panose="020B0609020204030204" pitchFamily="49" charset="0"/>
-                <a:cs typeface="Consolas" panose="020B0609020204030204" pitchFamily="49" charset="0"/>
-              </a:rPr>
-              <a:t>()    </a:t>
-            </a:r>
-          </a:p>
-          <a:p>
-            <a:pPr lvl="1"/>
-            <a:endParaRPr lang="en-US" sz="1600" b="1" i="1" dirty="0">
+            <a:endParaRPr lang="en-US" b="1" i="1" dirty="0">
               <a:solidFill>
                 <a:srgbClr val="0070C0"/>
               </a:solidFill>
@@ -10042,27 +9448,99 @@
           <a:p>
             <a:pPr lvl="1"/>
             <a:r>
-              <a:rPr lang="en-US" sz="1600" b="1" i="1" dirty="0">
-                <a:solidFill>
-                  <a:srgbClr val="0070C0"/>
-                </a:solidFill>
-                <a:latin typeface="Consolas" panose="020B0609020204030204" pitchFamily="49" charset="0"/>
-                <a:cs typeface="Consolas" panose="020B0609020204030204" pitchFamily="49" charset="0"/>
-              </a:rPr>
-              <a:t>	speed = </a:t>
-            </a:r>
-            <a:r>
-              <a:rPr lang="en-US" sz="1600" b="1" i="1" dirty="0" err="1">
-                <a:solidFill>
-                  <a:srgbClr val="0070C0"/>
-                </a:solidFill>
-                <a:latin typeface="Consolas" panose="020B0609020204030204" pitchFamily="49" charset="0"/>
-                <a:cs typeface="Consolas" panose="020B0609020204030204" pitchFamily="49" charset="0"/>
-              </a:rPr>
-              <a:t>int</a:t>
-            </a:r>
-            <a:r>
-              <a:rPr lang="en-US" sz="1600" b="1" i="1" dirty="0">
+              <a:rPr lang="en-US" b="1" i="1" dirty="0" err="1">
+                <a:solidFill>
+                  <a:srgbClr val="0070C0"/>
+                </a:solidFill>
+                <a:latin typeface="Consolas" panose="020B0609020204030204" pitchFamily="49" charset="0"/>
+                <a:cs typeface="Consolas" panose="020B0609020204030204" pitchFamily="49" charset="0"/>
+              </a:rPr>
+              <a:t>enablePin</a:t>
+            </a:r>
+            <a:r>
+              <a:rPr lang="en-US" b="1" i="1" dirty="0">
+                <a:solidFill>
+                  <a:srgbClr val="0070C0"/>
+                </a:solidFill>
+                <a:latin typeface="Consolas" panose="020B0609020204030204" pitchFamily="49" charset="0"/>
+                <a:cs typeface="Consolas" panose="020B0609020204030204" pitchFamily="49" charset="0"/>
+              </a:rPr>
+              <a:t> = 18</a:t>
+            </a:r>
+          </a:p>
+          <a:p>
+            <a:pPr lvl="1"/>
+            <a:r>
+              <a:rPr lang="en-US" b="1" i="1" dirty="0">
+                <a:solidFill>
+                  <a:srgbClr val="0070C0"/>
+                </a:solidFill>
+                <a:latin typeface="Consolas" panose="020B0609020204030204" pitchFamily="49" charset="0"/>
+                <a:cs typeface="Consolas" panose="020B0609020204030204" pitchFamily="49" charset="0"/>
+              </a:rPr>
+              <a:t>inPin1 = 23</a:t>
+            </a:r>
+          </a:p>
+          <a:p>
+            <a:pPr lvl="1"/>
+            <a:r>
+              <a:rPr lang="en-US" b="1" i="1" dirty="0">
+                <a:solidFill>
+                  <a:srgbClr val="0070C0"/>
+                </a:solidFill>
+                <a:latin typeface="Consolas" panose="020B0609020204030204" pitchFamily="49" charset="0"/>
+                <a:cs typeface="Consolas" panose="020B0609020204030204" pitchFamily="49" charset="0"/>
+              </a:rPr>
+              <a:t>inPin2 = 24</a:t>
+            </a:r>
+          </a:p>
+          <a:p>
+            <a:pPr lvl="1"/>
+            <a:endParaRPr lang="en-US" b="1" i="1" dirty="0">
+              <a:solidFill>
+                <a:srgbClr val="0070C0"/>
+              </a:solidFill>
+              <a:latin typeface="Consolas" panose="020B0609020204030204" pitchFamily="49" charset="0"/>
+              <a:cs typeface="Consolas" panose="020B0609020204030204" pitchFamily="49" charset="0"/>
+            </a:endParaRPr>
+          </a:p>
+          <a:p>
+            <a:pPr lvl="1"/>
+            <a:r>
+              <a:rPr lang="en-US" b="1" i="1" dirty="0" err="1">
+                <a:solidFill>
+                  <a:srgbClr val="0070C0"/>
+                </a:solidFill>
+                <a:latin typeface="Consolas" panose="020B0609020204030204" pitchFamily="49" charset="0"/>
+                <a:cs typeface="Consolas" panose="020B0609020204030204" pitchFamily="49" charset="0"/>
+              </a:rPr>
+              <a:t>GPIO.setmode</a:t>
+            </a:r>
+            <a:r>
+              <a:rPr lang="en-US" b="1" i="1" dirty="0">
+                <a:solidFill>
+                  <a:srgbClr val="0070C0"/>
+                </a:solidFill>
+                <a:latin typeface="Consolas" panose="020B0609020204030204" pitchFamily="49" charset="0"/>
+                <a:cs typeface="Consolas" panose="020B0609020204030204" pitchFamily="49" charset="0"/>
+              </a:rPr>
+              <a:t>(GPIO.BCM)</a:t>
+            </a:r>
+          </a:p>
+          <a:p>
+            <a:pPr lvl="1"/>
+            <a:r>
+              <a:rPr lang="en-US" b="1" i="1" dirty="0" err="1">
+                <a:solidFill>
+                  <a:srgbClr val="0070C0"/>
+                </a:solidFill>
+                <a:latin typeface="Consolas" panose="020B0609020204030204" pitchFamily="49" charset="0"/>
+                <a:cs typeface="Consolas" panose="020B0609020204030204" pitchFamily="49" charset="0"/>
+              </a:rPr>
+              <a:t>GPIO.setup</a:t>
+            </a:r>
+            <a:r>
+              <a:rPr lang="en-US" b="1" i="1" dirty="0">
                 <a:solidFill>
                   <a:srgbClr val="0070C0"/>
                 </a:solidFill>
@@ -10072,58 +9550,355 @@
               <a:t>(</a:t>
             </a:r>
             <a:r>
-              <a:rPr lang="en-US" sz="1600" b="1" i="1" dirty="0" err="1">
-                <a:solidFill>
-                  <a:srgbClr val="0070C0"/>
-                </a:solidFill>
-                <a:latin typeface="Consolas" panose="020B0609020204030204" pitchFamily="49" charset="0"/>
-                <a:cs typeface="Consolas" panose="020B0609020204030204" pitchFamily="49" charset="0"/>
-              </a:rPr>
-              <a:t>cmd</a:t>
-            </a:r>
-            <a:r>
-              <a:rPr lang="en-US" sz="1600" b="1" i="1" dirty="0">
-                <a:solidFill>
-                  <a:srgbClr val="0070C0"/>
-                </a:solidFill>
-                <a:latin typeface="Consolas" panose="020B0609020204030204" pitchFamily="49" charset="0"/>
-                <a:cs typeface="Consolas" panose="020B0609020204030204" pitchFamily="49" charset="0"/>
-              </a:rPr>
-              <a:t>[1]) * 10    </a:t>
+              <a:rPr lang="en-US" b="1" i="1" dirty="0" err="1">
+                <a:solidFill>
+                  <a:srgbClr val="0070C0"/>
+                </a:solidFill>
+                <a:latin typeface="Consolas" panose="020B0609020204030204" pitchFamily="49" charset="0"/>
+                <a:cs typeface="Consolas" panose="020B0609020204030204" pitchFamily="49" charset="0"/>
+              </a:rPr>
+              <a:t>enablePin</a:t>
+            </a:r>
+            <a:r>
+              <a:rPr lang="en-US" b="1" i="1" dirty="0">
+                <a:solidFill>
+                  <a:srgbClr val="0070C0"/>
+                </a:solidFill>
+                <a:latin typeface="Consolas" panose="020B0609020204030204" pitchFamily="49" charset="0"/>
+                <a:cs typeface="Consolas" panose="020B0609020204030204" pitchFamily="49" charset="0"/>
+              </a:rPr>
+              <a:t>, GPIO.OUT)</a:t>
             </a:r>
           </a:p>
           <a:p>
             <a:pPr lvl="1"/>
             <a:r>
-              <a:rPr lang="en-US" sz="1600" b="1" i="1" dirty="0">
-                <a:solidFill>
-                  <a:srgbClr val="0070C0"/>
-                </a:solidFill>
-                <a:latin typeface="Consolas" panose="020B0609020204030204" pitchFamily="49" charset="0"/>
-                <a:cs typeface="Consolas" panose="020B0609020204030204" pitchFamily="49" charset="0"/>
-              </a:rPr>
-              <a:t>	</a:t>
-            </a:r>
-            <a:r>
-              <a:rPr lang="en-US" sz="1600" b="1" i="1" dirty="0" err="1">
-                <a:solidFill>
-                  <a:srgbClr val="0070C0"/>
-                </a:solidFill>
-                <a:latin typeface="Consolas" panose="020B0609020204030204" pitchFamily="49" charset="0"/>
-                <a:cs typeface="Consolas" panose="020B0609020204030204" pitchFamily="49" charset="0"/>
-              </a:rPr>
-              <a:t>pwm.ChangeDutyCycle</a:t>
-            </a:r>
-            <a:r>
-              <a:rPr lang="en-US" sz="1600" b="1" i="1" dirty="0">
-                <a:solidFill>
-                  <a:srgbClr val="0070C0"/>
-                </a:solidFill>
-                <a:latin typeface="Consolas" panose="020B0609020204030204" pitchFamily="49" charset="0"/>
-                <a:cs typeface="Consolas" panose="020B0609020204030204" pitchFamily="49" charset="0"/>
-              </a:rPr>
-              <a:t>(speed) </a:t>
-            </a:r>
+              <a:rPr lang="en-US" b="1" i="1" dirty="0" err="1">
+                <a:solidFill>
+                  <a:srgbClr val="0070C0"/>
+                </a:solidFill>
+                <a:latin typeface="Consolas" panose="020B0609020204030204" pitchFamily="49" charset="0"/>
+                <a:cs typeface="Consolas" panose="020B0609020204030204" pitchFamily="49" charset="0"/>
+              </a:rPr>
+              <a:t>GPIO.setup</a:t>
+            </a:r>
+            <a:r>
+              <a:rPr lang="en-US" b="1" i="1" dirty="0">
+                <a:solidFill>
+                  <a:srgbClr val="0070C0"/>
+                </a:solidFill>
+                <a:latin typeface="Consolas" panose="020B0609020204030204" pitchFamily="49" charset="0"/>
+                <a:cs typeface="Consolas" panose="020B0609020204030204" pitchFamily="49" charset="0"/>
+              </a:rPr>
+              <a:t>(inPin1, GPIO.OUT)</a:t>
+            </a:r>
+          </a:p>
+          <a:p>
+            <a:pPr lvl="1"/>
+            <a:r>
+              <a:rPr lang="en-US" b="1" i="1" dirty="0" err="1">
+                <a:solidFill>
+                  <a:srgbClr val="0070C0"/>
+                </a:solidFill>
+                <a:latin typeface="Consolas" panose="020B0609020204030204" pitchFamily="49" charset="0"/>
+                <a:cs typeface="Consolas" panose="020B0609020204030204" pitchFamily="49" charset="0"/>
+              </a:rPr>
+              <a:t>GPIO.setup</a:t>
+            </a:r>
+            <a:r>
+              <a:rPr lang="en-US" b="1" i="1" dirty="0">
+                <a:solidFill>
+                  <a:srgbClr val="0070C0"/>
+                </a:solidFill>
+                <a:latin typeface="Consolas" panose="020B0609020204030204" pitchFamily="49" charset="0"/>
+                <a:cs typeface="Consolas" panose="020B0609020204030204" pitchFamily="49" charset="0"/>
+              </a:rPr>
+              <a:t>(inPin2, GPIO.OUT)</a:t>
+            </a:r>
+          </a:p>
+          <a:p>
+            <a:pPr lvl="1"/>
+            <a:endParaRPr lang="en-US" b="1" i="1" dirty="0">
+              <a:solidFill>
+                <a:srgbClr val="0070C0"/>
+              </a:solidFill>
+              <a:latin typeface="Consolas" panose="020B0609020204030204" pitchFamily="49" charset="0"/>
+              <a:cs typeface="Consolas" panose="020B0609020204030204" pitchFamily="49" charset="0"/>
+            </a:endParaRPr>
+          </a:p>
+          <a:p>
+            <a:pPr lvl="1"/>
+            <a:r>
+              <a:rPr lang="en-US" b="1" i="1" dirty="0" err="1">
+                <a:solidFill>
+                  <a:srgbClr val="0070C0"/>
+                </a:solidFill>
+                <a:latin typeface="Consolas" panose="020B0609020204030204" pitchFamily="49" charset="0"/>
+                <a:cs typeface="Consolas" panose="020B0609020204030204" pitchFamily="49" charset="0"/>
+              </a:rPr>
+              <a:t>pwm</a:t>
+            </a:r>
+            <a:r>
+              <a:rPr lang="en-US" b="1" i="1" dirty="0">
+                <a:solidFill>
+                  <a:srgbClr val="0070C0"/>
+                </a:solidFill>
+                <a:latin typeface="Consolas" panose="020B0609020204030204" pitchFamily="49" charset="0"/>
+                <a:cs typeface="Consolas" panose="020B0609020204030204" pitchFamily="49" charset="0"/>
+              </a:rPr>
+              <a:t> = GPIO.PWM(</a:t>
+            </a:r>
+            <a:r>
+              <a:rPr lang="en-US" b="1" i="1" dirty="0" err="1">
+                <a:solidFill>
+                  <a:srgbClr val="0070C0"/>
+                </a:solidFill>
+                <a:latin typeface="Consolas" panose="020B0609020204030204" pitchFamily="49" charset="0"/>
+                <a:cs typeface="Consolas" panose="020B0609020204030204" pitchFamily="49" charset="0"/>
+              </a:rPr>
+              <a:t>enablePin</a:t>
+            </a:r>
+            <a:r>
+              <a:rPr lang="en-US" b="1" i="1" dirty="0">
+                <a:solidFill>
+                  <a:srgbClr val="0070C0"/>
+                </a:solidFill>
+                <a:latin typeface="Consolas" panose="020B0609020204030204" pitchFamily="49" charset="0"/>
+                <a:cs typeface="Consolas" panose="020B0609020204030204" pitchFamily="49" charset="0"/>
+              </a:rPr>
+              <a:t>, 500)</a:t>
+            </a:r>
+          </a:p>
+          <a:p>
+            <a:pPr lvl="1"/>
+            <a:r>
+              <a:rPr lang="en-US" b="1" i="1" dirty="0" err="1">
+                <a:solidFill>
+                  <a:srgbClr val="0070C0"/>
+                </a:solidFill>
+                <a:latin typeface="Consolas" panose="020B0609020204030204" pitchFamily="49" charset="0"/>
+                <a:cs typeface="Consolas" panose="020B0609020204030204" pitchFamily="49" charset="0"/>
+              </a:rPr>
+              <a:t>pwm.start</a:t>
+            </a:r>
+            <a:r>
+              <a:rPr lang="en-US" b="1" i="1" dirty="0">
+                <a:solidFill>
+                  <a:srgbClr val="0070C0"/>
+                </a:solidFill>
+                <a:latin typeface="Consolas" panose="020B0609020204030204" pitchFamily="49" charset="0"/>
+                <a:cs typeface="Consolas" panose="020B0609020204030204" pitchFamily="49" charset="0"/>
+              </a:rPr>
+              <a:t>(0)</a:t>
+            </a:r>
+          </a:p>
+          <a:p>
+            <a:pPr lvl="1"/>
+            <a:endParaRPr lang="en-US" b="1" i="1" dirty="0">
+              <a:solidFill>
+                <a:srgbClr val="0070C0"/>
+              </a:solidFill>
+              <a:latin typeface="Consolas" panose="020B0609020204030204" pitchFamily="49" charset="0"/>
+              <a:cs typeface="Consolas" panose="020B0609020204030204" pitchFamily="49" charset="0"/>
+            </a:endParaRPr>
+          </a:p>
+          <a:p>
+            <a:pPr lvl="1"/>
+            <a:r>
+              <a:rPr lang="en-US" b="1" i="1" dirty="0">
+                <a:solidFill>
+                  <a:srgbClr val="0070C0"/>
+                </a:solidFill>
+                <a:latin typeface="Consolas" panose="020B0609020204030204" pitchFamily="49" charset="0"/>
+                <a:cs typeface="Consolas" panose="020B0609020204030204" pitchFamily="49" charset="0"/>
+              </a:rPr>
+              <a:t>def Clockwise():</a:t>
+            </a:r>
+          </a:p>
+          <a:p>
+            <a:pPr lvl="1"/>
+            <a:r>
+              <a:rPr lang="en-US" b="1" i="1" dirty="0">
+                <a:solidFill>
+                  <a:srgbClr val="0070C0"/>
+                </a:solidFill>
+                <a:latin typeface="Consolas" panose="020B0609020204030204" pitchFamily="49" charset="0"/>
+                <a:cs typeface="Consolas" panose="020B0609020204030204" pitchFamily="49" charset="0"/>
+              </a:rPr>
+              <a:t>    </a:t>
+            </a:r>
+            <a:r>
+              <a:rPr lang="en-US" b="1" i="1" dirty="0" err="1">
+                <a:solidFill>
+                  <a:srgbClr val="0070C0"/>
+                </a:solidFill>
+                <a:latin typeface="Consolas" panose="020B0609020204030204" pitchFamily="49" charset="0"/>
+                <a:cs typeface="Consolas" panose="020B0609020204030204" pitchFamily="49" charset="0"/>
+              </a:rPr>
+              <a:t>GPIO.output</a:t>
+            </a:r>
+            <a:r>
+              <a:rPr lang="en-US" b="1" i="1" dirty="0">
+                <a:solidFill>
+                  <a:srgbClr val="0070C0"/>
+                </a:solidFill>
+                <a:latin typeface="Consolas" panose="020B0609020204030204" pitchFamily="49" charset="0"/>
+                <a:cs typeface="Consolas" panose="020B0609020204030204" pitchFamily="49" charset="0"/>
+              </a:rPr>
+              <a:t>(inPin1, True)</a:t>
+            </a:r>
+          </a:p>
+          <a:p>
+            <a:pPr lvl="1"/>
+            <a:r>
+              <a:rPr lang="en-US" b="1" i="1" dirty="0">
+                <a:solidFill>
+                  <a:srgbClr val="0070C0"/>
+                </a:solidFill>
+                <a:latin typeface="Consolas" panose="020B0609020204030204" pitchFamily="49" charset="0"/>
+                <a:cs typeface="Consolas" panose="020B0609020204030204" pitchFamily="49" charset="0"/>
+              </a:rPr>
+              <a:t>    </a:t>
+            </a:r>
+            <a:r>
+              <a:rPr lang="en-US" b="1" i="1" dirty="0" err="1">
+                <a:solidFill>
+                  <a:srgbClr val="0070C0"/>
+                </a:solidFill>
+                <a:latin typeface="Consolas" panose="020B0609020204030204" pitchFamily="49" charset="0"/>
+                <a:cs typeface="Consolas" panose="020B0609020204030204" pitchFamily="49" charset="0"/>
+              </a:rPr>
+              <a:t>GPIO.output</a:t>
+            </a:r>
+            <a:r>
+              <a:rPr lang="en-US" b="1" i="1" dirty="0">
+                <a:solidFill>
+                  <a:srgbClr val="0070C0"/>
+                </a:solidFill>
+                <a:latin typeface="Consolas" panose="020B0609020204030204" pitchFamily="49" charset="0"/>
+                <a:cs typeface="Consolas" panose="020B0609020204030204" pitchFamily="49" charset="0"/>
+              </a:rPr>
+              <a:t>(inPin2, False)</a:t>
+            </a:r>
+          </a:p>
+          <a:p>
+            <a:pPr lvl="1"/>
+            <a:endParaRPr lang="en-US" b="1" i="1" dirty="0">
+              <a:solidFill>
+                <a:srgbClr val="0070C0"/>
+              </a:solidFill>
+              <a:latin typeface="Consolas" panose="020B0609020204030204" pitchFamily="49" charset="0"/>
+              <a:cs typeface="Consolas" panose="020B0609020204030204" pitchFamily="49" charset="0"/>
+            </a:endParaRPr>
+          </a:p>
+          <a:p>
+            <a:pPr lvl="1"/>
+            <a:r>
+              <a:rPr lang="en-US" b="1" i="1" dirty="0">
+                <a:solidFill>
+                  <a:srgbClr val="0070C0"/>
+                </a:solidFill>
+                <a:latin typeface="Consolas" panose="020B0609020204030204" pitchFamily="49" charset="0"/>
+                <a:cs typeface="Consolas" panose="020B0609020204030204" pitchFamily="49" charset="0"/>
+              </a:rPr>
+              <a:t>def </a:t>
+            </a:r>
+            <a:r>
+              <a:rPr lang="en-US" b="1" i="1" dirty="0" err="1">
+                <a:solidFill>
+                  <a:srgbClr val="0070C0"/>
+                </a:solidFill>
+                <a:latin typeface="Consolas" panose="020B0609020204030204" pitchFamily="49" charset="0"/>
+                <a:cs typeface="Consolas" panose="020B0609020204030204" pitchFamily="49" charset="0"/>
+              </a:rPr>
+              <a:t>CounterClockwise</a:t>
+            </a:r>
+            <a:r>
+              <a:rPr lang="en-US" b="1" i="1" dirty="0">
+                <a:solidFill>
+                  <a:srgbClr val="0070C0"/>
+                </a:solidFill>
+                <a:latin typeface="Consolas" panose="020B0609020204030204" pitchFamily="49" charset="0"/>
+                <a:cs typeface="Consolas" panose="020B0609020204030204" pitchFamily="49" charset="0"/>
+              </a:rPr>
+              <a:t>():</a:t>
+            </a:r>
+          </a:p>
+          <a:p>
+            <a:pPr lvl="1"/>
+            <a:r>
+              <a:rPr lang="en-US" b="1" i="1" dirty="0">
+                <a:solidFill>
+                  <a:srgbClr val="0070C0"/>
+                </a:solidFill>
+                <a:latin typeface="Consolas" panose="020B0609020204030204" pitchFamily="49" charset="0"/>
+                <a:cs typeface="Consolas" panose="020B0609020204030204" pitchFamily="49" charset="0"/>
+              </a:rPr>
+              <a:t>    </a:t>
+            </a:r>
+            <a:r>
+              <a:rPr lang="en-US" b="1" i="1" dirty="0" err="1">
+                <a:solidFill>
+                  <a:srgbClr val="0070C0"/>
+                </a:solidFill>
+                <a:latin typeface="Consolas" panose="020B0609020204030204" pitchFamily="49" charset="0"/>
+                <a:cs typeface="Consolas" panose="020B0609020204030204" pitchFamily="49" charset="0"/>
+              </a:rPr>
+              <a:t>GPIO.output</a:t>
+            </a:r>
+            <a:r>
+              <a:rPr lang="en-US" b="1" i="1" dirty="0">
+                <a:solidFill>
+                  <a:srgbClr val="0070C0"/>
+                </a:solidFill>
+                <a:latin typeface="Consolas" panose="020B0609020204030204" pitchFamily="49" charset="0"/>
+                <a:cs typeface="Consolas" panose="020B0609020204030204" pitchFamily="49" charset="0"/>
+              </a:rPr>
+              <a:t>(inPin1, False)</a:t>
+            </a:r>
+          </a:p>
+          <a:p>
+            <a:pPr lvl="1"/>
+            <a:r>
+              <a:rPr lang="en-US" b="1" i="1" dirty="0">
+                <a:solidFill>
+                  <a:srgbClr val="0070C0"/>
+                </a:solidFill>
+                <a:latin typeface="Consolas" panose="020B0609020204030204" pitchFamily="49" charset="0"/>
+                <a:cs typeface="Consolas" panose="020B0609020204030204" pitchFamily="49" charset="0"/>
+              </a:rPr>
+              <a:t>    </a:t>
+            </a:r>
+            <a:r>
+              <a:rPr lang="en-US" b="1" i="1" dirty="0" err="1">
+                <a:solidFill>
+                  <a:srgbClr val="0070C0"/>
+                </a:solidFill>
+                <a:latin typeface="Consolas" panose="020B0609020204030204" pitchFamily="49" charset="0"/>
+                <a:cs typeface="Consolas" panose="020B0609020204030204" pitchFamily="49" charset="0"/>
+              </a:rPr>
+              <a:t>GPIO.output</a:t>
+            </a:r>
+            <a:r>
+              <a:rPr lang="en-US" b="1" i="1" dirty="0">
+                <a:solidFill>
+                  <a:srgbClr val="0070C0"/>
+                </a:solidFill>
+                <a:latin typeface="Consolas" panose="020B0609020204030204" pitchFamily="49" charset="0"/>
+                <a:cs typeface="Consolas" panose="020B0609020204030204" pitchFamily="49" charset="0"/>
+              </a:rPr>
+              <a:t>(inPin2, True)</a:t>
+            </a:r>
+          </a:p>
+          <a:p>
+            <a:pPr lvl="1"/>
+            <a:endParaRPr lang="en-US" b="1" i="1" dirty="0">
+              <a:solidFill>
+                <a:srgbClr val="0070C0"/>
+              </a:solidFill>
+              <a:latin typeface="Consolas" panose="020B0609020204030204" pitchFamily="49" charset="0"/>
+              <a:cs typeface="Consolas" panose="020B0609020204030204" pitchFamily="49" charset="0"/>
+            </a:endParaRPr>
           </a:p>
         </p:txBody>
       </p:sp>
@@ -10169,6 +9944,514 @@
     </p:spTree>
     <p:extLst>
       <p:ext uri="{BB962C8B-B14F-4D97-AF65-F5344CB8AC3E}">
+        <p14:creationId xmlns:p14="http://schemas.microsoft.com/office/powerpoint/2010/main" val="1430965514"/>
+      </p:ext>
+    </p:extLst>
+  </p:cSld>
+  <p:clrMapOvr>
+    <a:masterClrMapping/>
+  </p:clrMapOvr>
+</p:sld>
+</file>
+
+<file path=ppt/slides/slide27.xml><?xml version="1.0" encoding="utf-8"?>
+<p:sld xmlns:a="http://schemas.openxmlformats.org/drawingml/2006/main" xmlns:r="http://schemas.openxmlformats.org/officeDocument/2006/relationships" xmlns:p="http://schemas.openxmlformats.org/presentationml/2006/main">
+  <p:cSld>
+    <p:spTree>
+      <p:nvGrpSpPr>
+        <p:cNvPr id="1" name=""/>
+        <p:cNvGrpSpPr/>
+        <p:nvPr/>
+      </p:nvGrpSpPr>
+      <p:grpSpPr>
+        <a:xfrm>
+          <a:off x="0" y="0"/>
+          <a:ext cx="0" cy="0"/>
+          <a:chOff x="0" y="0"/>
+          <a:chExt cx="0" cy="0"/>
+        </a:xfrm>
+      </p:grpSpPr>
+      <p:sp>
+        <p:nvSpPr>
+          <p:cNvPr id="4" name="Title 1"/>
+          <p:cNvSpPr txBox="1">
+            <a:spLocks/>
+          </p:cNvSpPr>
+          <p:nvPr/>
+        </p:nvSpPr>
+        <p:spPr>
+          <a:xfrm>
+            <a:off x="0" y="1"/>
+            <a:ext cx="12192000" cy="721216"/>
+          </a:xfrm>
+          <a:prstGeom prst="rect">
+            <a:avLst/>
+          </a:prstGeom>
+        </p:spPr>
+        <p:style>
+          <a:lnRef idx="0">
+            <a:schemeClr val="accent1"/>
+          </a:lnRef>
+          <a:fillRef idx="3">
+            <a:schemeClr val="accent1"/>
+          </a:fillRef>
+          <a:effectRef idx="3">
+            <a:schemeClr val="accent1"/>
+          </a:effectRef>
+          <a:fontRef idx="minor">
+            <a:schemeClr val="lt1"/>
+          </a:fontRef>
+        </p:style>
+        <p:txBody>
+          <a:bodyPr vert="horz" lIns="91440" tIns="45720" rIns="91440" bIns="45720" rtlCol="0" anchor="ctr">
+            <a:normAutofit/>
+          </a:bodyPr>
+          <a:lstStyle>
+            <a:lvl1pPr algn="l" defTabSz="914400" rtl="0" eaLnBrk="1" latinLnBrk="0" hangingPunct="1">
+              <a:lnSpc>
+                <a:spcPct val="90000"/>
+              </a:lnSpc>
+              <a:spcBef>
+                <a:spcPct val="0"/>
+              </a:spcBef>
+              <a:buNone/>
+              <a:defRPr sz="4400" kern="1200">
+                <a:solidFill>
+                  <a:schemeClr val="lt1"/>
+                </a:solidFill>
+                <a:latin typeface="+mn-lt"/>
+                <a:ea typeface="+mn-ea"/>
+                <a:cs typeface="+mn-cs"/>
+              </a:defRPr>
+            </a:lvl1pPr>
+            <a:lvl2pPr>
+              <a:defRPr>
+                <a:solidFill>
+                  <a:schemeClr val="lt1"/>
+                </a:solidFill>
+                <a:latin typeface="+mn-lt"/>
+                <a:ea typeface="+mn-ea"/>
+                <a:cs typeface="+mn-cs"/>
+              </a:defRPr>
+            </a:lvl2pPr>
+            <a:lvl3pPr>
+              <a:defRPr>
+                <a:solidFill>
+                  <a:schemeClr val="lt1"/>
+                </a:solidFill>
+                <a:latin typeface="+mn-lt"/>
+                <a:ea typeface="+mn-ea"/>
+                <a:cs typeface="+mn-cs"/>
+              </a:defRPr>
+            </a:lvl3pPr>
+            <a:lvl4pPr>
+              <a:defRPr>
+                <a:solidFill>
+                  <a:schemeClr val="lt1"/>
+                </a:solidFill>
+                <a:latin typeface="+mn-lt"/>
+                <a:ea typeface="+mn-ea"/>
+                <a:cs typeface="+mn-cs"/>
+              </a:defRPr>
+            </a:lvl4pPr>
+            <a:lvl5pPr>
+              <a:defRPr>
+                <a:solidFill>
+                  <a:schemeClr val="lt1"/>
+                </a:solidFill>
+                <a:latin typeface="+mn-lt"/>
+                <a:ea typeface="+mn-ea"/>
+                <a:cs typeface="+mn-cs"/>
+              </a:defRPr>
+            </a:lvl5pPr>
+            <a:lvl6pPr>
+              <a:defRPr>
+                <a:solidFill>
+                  <a:schemeClr val="lt1"/>
+                </a:solidFill>
+                <a:latin typeface="+mn-lt"/>
+                <a:ea typeface="+mn-ea"/>
+                <a:cs typeface="+mn-cs"/>
+              </a:defRPr>
+            </a:lvl6pPr>
+            <a:lvl7pPr>
+              <a:defRPr>
+                <a:solidFill>
+                  <a:schemeClr val="lt1"/>
+                </a:solidFill>
+                <a:latin typeface="+mn-lt"/>
+                <a:ea typeface="+mn-ea"/>
+                <a:cs typeface="+mn-cs"/>
+              </a:defRPr>
+            </a:lvl7pPr>
+            <a:lvl8pPr>
+              <a:defRPr>
+                <a:solidFill>
+                  <a:schemeClr val="lt1"/>
+                </a:solidFill>
+                <a:latin typeface="+mn-lt"/>
+                <a:ea typeface="+mn-ea"/>
+                <a:cs typeface="+mn-cs"/>
+              </a:defRPr>
+            </a:lvl8pPr>
+            <a:lvl9pPr>
+              <a:defRPr>
+                <a:solidFill>
+                  <a:schemeClr val="lt1"/>
+                </a:solidFill>
+                <a:latin typeface="+mn-lt"/>
+                <a:ea typeface="+mn-ea"/>
+                <a:cs typeface="+mn-cs"/>
+              </a:defRPr>
+            </a:lvl9pPr>
+          </a:lstStyle>
+          <a:p>
+            <a:r>
+              <a:rPr lang="en-US" dirty="0"/>
+              <a:t>Controlling the Direction of a DC Motor</a:t>
+            </a:r>
+            <a:endParaRPr lang="en-US" b="1" i="1" dirty="0">
+              <a:solidFill>
+                <a:srgbClr val="0070C0"/>
+              </a:solidFill>
+              <a:latin typeface="Consolas" panose="020B0609020204030204" pitchFamily="49" charset="0"/>
+              <a:cs typeface="Consolas" panose="020B0609020204030204" pitchFamily="49" charset="0"/>
+            </a:endParaRPr>
+          </a:p>
+        </p:txBody>
+      </p:sp>
+      <p:sp>
+        <p:nvSpPr>
+          <p:cNvPr id="2" name="TextBox 1"/>
+          <p:cNvSpPr txBox="1"/>
+          <p:nvPr/>
+        </p:nvSpPr>
+        <p:spPr>
+          <a:xfrm>
+            <a:off x="417443" y="805625"/>
+            <a:ext cx="11357113" cy="3416320"/>
+          </a:xfrm>
+          <a:prstGeom prst="rect">
+            <a:avLst/>
+          </a:prstGeom>
+          <a:noFill/>
+        </p:spPr>
+        <p:txBody>
+          <a:bodyPr wrap="square" rtlCol="0">
+            <a:spAutoFit/>
+          </a:bodyPr>
+          <a:lstStyle/>
+          <a:p>
+            <a:pPr lvl="1"/>
+            <a:endParaRPr lang="en-US" b="1" i="1" dirty="0">
+              <a:solidFill>
+                <a:srgbClr val="0070C0"/>
+              </a:solidFill>
+              <a:latin typeface="Consolas" panose="020B0609020204030204" pitchFamily="49" charset="0"/>
+              <a:cs typeface="Consolas" panose="020B0609020204030204" pitchFamily="49" charset="0"/>
+            </a:endParaRPr>
+          </a:p>
+          <a:p>
+            <a:pPr lvl="1"/>
+            <a:r>
+              <a:rPr lang="en-US" b="1" i="1" dirty="0">
+                <a:solidFill>
+                  <a:srgbClr val="0070C0"/>
+                </a:solidFill>
+                <a:latin typeface="Consolas" panose="020B0609020204030204" pitchFamily="49" charset="0"/>
+                <a:cs typeface="Consolas" panose="020B0609020204030204" pitchFamily="49" charset="0"/>
+              </a:rPr>
+              <a:t>while True:</a:t>
+            </a:r>
+          </a:p>
+          <a:p>
+            <a:pPr lvl="1"/>
+            <a:r>
+              <a:rPr lang="en-US" b="1" i="1" dirty="0">
+                <a:solidFill>
+                  <a:srgbClr val="0070C0"/>
+                </a:solidFill>
+                <a:latin typeface="Consolas" panose="020B0609020204030204" pitchFamily="49" charset="0"/>
+                <a:cs typeface="Consolas" panose="020B0609020204030204" pitchFamily="49" charset="0"/>
+              </a:rPr>
+              <a:t>    </a:t>
+            </a:r>
+            <a:r>
+              <a:rPr lang="en-US" b="1" i="1" dirty="0" err="1">
+                <a:solidFill>
+                  <a:srgbClr val="0070C0"/>
+                </a:solidFill>
+                <a:latin typeface="Consolas" panose="020B0609020204030204" pitchFamily="49" charset="0"/>
+                <a:cs typeface="Consolas" panose="020B0609020204030204" pitchFamily="49" charset="0"/>
+              </a:rPr>
+              <a:t>cmd</a:t>
+            </a:r>
+            <a:r>
+              <a:rPr lang="en-US" b="1" i="1" dirty="0">
+                <a:solidFill>
+                  <a:srgbClr val="0070C0"/>
+                </a:solidFill>
+                <a:latin typeface="Consolas" panose="020B0609020204030204" pitchFamily="49" charset="0"/>
+                <a:cs typeface="Consolas" panose="020B0609020204030204" pitchFamily="49" charset="0"/>
+              </a:rPr>
+              <a:t> = input("command f/r 0..9 e.g. f5: ")</a:t>
+            </a:r>
+          </a:p>
+          <a:p>
+            <a:pPr lvl="1"/>
+            <a:r>
+              <a:rPr lang="en-US" b="1" i="1" dirty="0">
+                <a:solidFill>
+                  <a:srgbClr val="0070C0"/>
+                </a:solidFill>
+                <a:latin typeface="Consolas" panose="020B0609020204030204" pitchFamily="49" charset="0"/>
+                <a:cs typeface="Consolas" panose="020B0609020204030204" pitchFamily="49" charset="0"/>
+              </a:rPr>
+              <a:t>    direction = </a:t>
+            </a:r>
+            <a:r>
+              <a:rPr lang="en-US" b="1" i="1" dirty="0" err="1">
+                <a:solidFill>
+                  <a:srgbClr val="0070C0"/>
+                </a:solidFill>
+                <a:latin typeface="Consolas" panose="020B0609020204030204" pitchFamily="49" charset="0"/>
+                <a:cs typeface="Consolas" panose="020B0609020204030204" pitchFamily="49" charset="0"/>
+              </a:rPr>
+              <a:t>cmd</a:t>
+            </a:r>
+            <a:r>
+              <a:rPr lang="en-US" b="1" i="1" dirty="0">
+                <a:solidFill>
+                  <a:srgbClr val="0070C0"/>
+                </a:solidFill>
+                <a:latin typeface="Consolas" panose="020B0609020204030204" pitchFamily="49" charset="0"/>
+                <a:cs typeface="Consolas" panose="020B0609020204030204" pitchFamily="49" charset="0"/>
+              </a:rPr>
+              <a:t>[0]</a:t>
+            </a:r>
+          </a:p>
+          <a:p>
+            <a:pPr lvl="1"/>
+            <a:endParaRPr lang="en-US" b="1" i="1" dirty="0">
+              <a:solidFill>
+                <a:srgbClr val="0070C0"/>
+              </a:solidFill>
+              <a:latin typeface="Consolas" panose="020B0609020204030204" pitchFamily="49" charset="0"/>
+              <a:cs typeface="Consolas" panose="020B0609020204030204" pitchFamily="49" charset="0"/>
+            </a:endParaRPr>
+          </a:p>
+          <a:p>
+            <a:pPr lvl="1"/>
+            <a:r>
+              <a:rPr lang="en-US" b="1" i="1" dirty="0">
+                <a:solidFill>
+                  <a:srgbClr val="0070C0"/>
+                </a:solidFill>
+                <a:latin typeface="Consolas" panose="020B0609020204030204" pitchFamily="49" charset="0"/>
+                <a:cs typeface="Consolas" panose="020B0609020204030204" pitchFamily="49" charset="0"/>
+              </a:rPr>
+              <a:t>    if (direction == "f"):</a:t>
+            </a:r>
+          </a:p>
+          <a:p>
+            <a:pPr lvl="1"/>
+            <a:r>
+              <a:rPr lang="en-US" b="1" i="1" dirty="0">
+                <a:solidFill>
+                  <a:srgbClr val="0070C0"/>
+                </a:solidFill>
+                <a:latin typeface="Consolas" panose="020B0609020204030204" pitchFamily="49" charset="0"/>
+                <a:cs typeface="Consolas" panose="020B0609020204030204" pitchFamily="49" charset="0"/>
+              </a:rPr>
+              <a:t>        Clockwise()</a:t>
+            </a:r>
+          </a:p>
+          <a:p>
+            <a:pPr lvl="1"/>
+            <a:r>
+              <a:rPr lang="en-US" b="1" i="1" dirty="0">
+                <a:solidFill>
+                  <a:srgbClr val="0070C0"/>
+                </a:solidFill>
+                <a:latin typeface="Consolas" panose="020B0609020204030204" pitchFamily="49" charset="0"/>
+                <a:cs typeface="Consolas" panose="020B0609020204030204" pitchFamily="49" charset="0"/>
+              </a:rPr>
+              <a:t>    else:</a:t>
+            </a:r>
+          </a:p>
+          <a:p>
+            <a:pPr lvl="1"/>
+            <a:r>
+              <a:rPr lang="en-US" b="1" i="1" dirty="0">
+                <a:solidFill>
+                  <a:srgbClr val="0070C0"/>
+                </a:solidFill>
+                <a:latin typeface="Consolas" panose="020B0609020204030204" pitchFamily="49" charset="0"/>
+                <a:cs typeface="Consolas" panose="020B0609020204030204" pitchFamily="49" charset="0"/>
+              </a:rPr>
+              <a:t>        </a:t>
+            </a:r>
+            <a:r>
+              <a:rPr lang="en-US" b="1" i="1" dirty="0" err="1">
+                <a:solidFill>
+                  <a:srgbClr val="0070C0"/>
+                </a:solidFill>
+                <a:latin typeface="Consolas" panose="020B0609020204030204" pitchFamily="49" charset="0"/>
+                <a:cs typeface="Consolas" panose="020B0609020204030204" pitchFamily="49" charset="0"/>
+              </a:rPr>
+              <a:t>CounterClockwise</a:t>
+            </a:r>
+            <a:r>
+              <a:rPr lang="en-US" b="1" i="1" dirty="0">
+                <a:solidFill>
+                  <a:srgbClr val="0070C0"/>
+                </a:solidFill>
+                <a:latin typeface="Consolas" panose="020B0609020204030204" pitchFamily="49" charset="0"/>
+                <a:cs typeface="Consolas" panose="020B0609020204030204" pitchFamily="49" charset="0"/>
+              </a:rPr>
+              <a:t>()</a:t>
+            </a:r>
+          </a:p>
+          <a:p>
+            <a:pPr lvl="1"/>
+            <a:endParaRPr lang="en-US" b="1" i="1" dirty="0">
+              <a:solidFill>
+                <a:srgbClr val="0070C0"/>
+              </a:solidFill>
+              <a:latin typeface="Consolas" panose="020B0609020204030204" pitchFamily="49" charset="0"/>
+              <a:cs typeface="Consolas" panose="020B0609020204030204" pitchFamily="49" charset="0"/>
+            </a:endParaRPr>
+          </a:p>
+          <a:p>
+            <a:pPr lvl="1"/>
+            <a:r>
+              <a:rPr lang="en-US" b="1" i="1" dirty="0">
+                <a:solidFill>
+                  <a:srgbClr val="0070C0"/>
+                </a:solidFill>
+                <a:latin typeface="Consolas" panose="020B0609020204030204" pitchFamily="49" charset="0"/>
+                <a:cs typeface="Consolas" panose="020B0609020204030204" pitchFamily="49" charset="0"/>
+              </a:rPr>
+              <a:t>    speed = </a:t>
+            </a:r>
+            <a:r>
+              <a:rPr lang="en-US" b="1" i="1" dirty="0" err="1">
+                <a:solidFill>
+                  <a:srgbClr val="0070C0"/>
+                </a:solidFill>
+                <a:latin typeface="Consolas" panose="020B0609020204030204" pitchFamily="49" charset="0"/>
+                <a:cs typeface="Consolas" panose="020B0609020204030204" pitchFamily="49" charset="0"/>
+              </a:rPr>
+              <a:t>int</a:t>
+            </a:r>
+            <a:r>
+              <a:rPr lang="en-US" b="1" i="1" dirty="0">
+                <a:solidFill>
+                  <a:srgbClr val="0070C0"/>
+                </a:solidFill>
+                <a:latin typeface="Consolas" panose="020B0609020204030204" pitchFamily="49" charset="0"/>
+                <a:cs typeface="Consolas" panose="020B0609020204030204" pitchFamily="49" charset="0"/>
+              </a:rPr>
+              <a:t>(</a:t>
+            </a:r>
+            <a:r>
+              <a:rPr lang="en-US" b="1" i="1" dirty="0" err="1">
+                <a:solidFill>
+                  <a:srgbClr val="0070C0"/>
+                </a:solidFill>
+                <a:latin typeface="Consolas" panose="020B0609020204030204" pitchFamily="49" charset="0"/>
+                <a:cs typeface="Consolas" panose="020B0609020204030204" pitchFamily="49" charset="0"/>
+              </a:rPr>
+              <a:t>cmd</a:t>
+            </a:r>
+            <a:r>
+              <a:rPr lang="en-US" b="1" i="1" dirty="0">
+                <a:solidFill>
+                  <a:srgbClr val="0070C0"/>
+                </a:solidFill>
+                <a:latin typeface="Consolas" panose="020B0609020204030204" pitchFamily="49" charset="0"/>
+                <a:cs typeface="Consolas" panose="020B0609020204030204" pitchFamily="49" charset="0"/>
+              </a:rPr>
+              <a:t>[1]) * 10</a:t>
+            </a:r>
+          </a:p>
+          <a:p>
+            <a:pPr lvl="1"/>
+            <a:r>
+              <a:rPr lang="en-US" b="1" i="1" dirty="0">
+                <a:solidFill>
+                  <a:srgbClr val="0070C0"/>
+                </a:solidFill>
+                <a:latin typeface="Consolas" panose="020B0609020204030204" pitchFamily="49" charset="0"/>
+                <a:cs typeface="Consolas" panose="020B0609020204030204" pitchFamily="49" charset="0"/>
+              </a:rPr>
+              <a:t>    </a:t>
+            </a:r>
+            <a:r>
+              <a:rPr lang="en-US" b="1" i="1" dirty="0" err="1">
+                <a:solidFill>
+                  <a:srgbClr val="0070C0"/>
+                </a:solidFill>
+                <a:latin typeface="Consolas" panose="020B0609020204030204" pitchFamily="49" charset="0"/>
+                <a:cs typeface="Consolas" panose="020B0609020204030204" pitchFamily="49" charset="0"/>
+              </a:rPr>
+              <a:t>pwm.ChangeDutyCycle</a:t>
+            </a:r>
+            <a:r>
+              <a:rPr lang="en-US" b="1" i="1" dirty="0">
+                <a:solidFill>
+                  <a:srgbClr val="0070C0"/>
+                </a:solidFill>
+                <a:latin typeface="Consolas" panose="020B0609020204030204" pitchFamily="49" charset="0"/>
+                <a:cs typeface="Consolas" panose="020B0609020204030204" pitchFamily="49" charset="0"/>
+              </a:rPr>
+              <a:t>(speed)</a:t>
+            </a:r>
+          </a:p>
+        </p:txBody>
+      </p:sp>
+      <p:sp>
+        <p:nvSpPr>
+          <p:cNvPr id="5" name="AutoShape 2" descr="http://raspberry.piaustralia.com.au/product-images/piwithbox.jpg"/>
+          <p:cNvSpPr>
+            <a:spLocks noChangeAspect="1" noChangeArrowheads="1"/>
+          </p:cNvSpPr>
+          <p:nvPr/>
+        </p:nvSpPr>
+        <p:spPr bwMode="auto">
+          <a:xfrm>
+            <a:off x="63500" y="-136525"/>
+            <a:ext cx="9772650" cy="6343650"/>
+          </a:xfrm>
+          <a:prstGeom prst="rect">
+            <a:avLst/>
+          </a:prstGeom>
+          <a:noFill/>
+          <a:extLst>
+            <a:ext uri="{909E8E84-426E-40DD-AFC4-6F175D3DCCD1}">
+              <a14:hiddenFill xmlns:a14="http://schemas.microsoft.com/office/drawing/2010/main">
+                <a:solidFill>
+                  <a:srgbClr val="FFFFFF"/>
+                </a:solidFill>
+              </a14:hiddenFill>
+            </a:ext>
+          </a:extLst>
+        </p:spPr>
+        <p:txBody>
+          <a:bodyPr vert="horz" wrap="square" lIns="91440" tIns="45720" rIns="91440" bIns="45720" numCol="1" anchor="t" anchorCtr="0" compatLnSpc="1">
+            <a:prstTxWarp prst="textNoShape">
+              <a:avLst/>
+            </a:prstTxWarp>
+          </a:bodyPr>
+          <a:lstStyle/>
+          <a:p>
+            <a:endParaRPr lang="en-US"/>
+          </a:p>
+        </p:txBody>
+      </p:sp>
+    </p:spTree>
+    <p:extLst>
+      <p:ext uri="{BB962C8B-B14F-4D97-AF65-F5344CB8AC3E}">
         <p14:creationId xmlns:p14="http://schemas.microsoft.com/office/powerpoint/2010/main" val="1779086770"/>
       </p:ext>
     </p:extLst>
@@ -10179,7 +10462,7 @@
 </p:sld>
 </file>
 
-<file path=ppt/slides/slide27.xml><?xml version="1.0" encoding="utf-8"?>
+<file path=ppt/slides/slide28.xml><?xml version="1.0" encoding="utf-8"?>
 <p:sld xmlns:a="http://schemas.openxmlformats.org/drawingml/2006/main" xmlns:r="http://schemas.openxmlformats.org/officeDocument/2006/relationships" xmlns:p="http://schemas.openxmlformats.org/presentationml/2006/main">
   <p:cSld>
     <p:spTree>
@@ -11052,7 +11335,7 @@
         <p:spPr>
           <a:xfrm>
             <a:off x="417443" y="777489"/>
-            <a:ext cx="11357113" cy="5632311"/>
+            <a:ext cx="11357113" cy="5355312"/>
           </a:xfrm>
           <a:prstGeom prst="rect">
             <a:avLst/>
@@ -11099,6 +11382,16 @@
           </a:p>
           <a:p>
             <a:pPr lvl="1"/>
+            <a:endParaRPr lang="en-US" b="1" i="1" dirty="0">
+              <a:solidFill>
+                <a:srgbClr val="0070C0"/>
+              </a:solidFill>
+              <a:latin typeface="Consolas" panose="020B0609020204030204" pitchFamily="49" charset="0"/>
+              <a:cs typeface="Consolas" panose="020B0609020204030204" pitchFamily="49" charset="0"/>
+            </a:endParaRPr>
+          </a:p>
+          <a:p>
+            <a:pPr lvl="1"/>
             <a:r>
               <a:rPr lang="en-US" b="1" i="1" dirty="0">
                 <a:solidFill>
@@ -11107,118 +11400,7 @@
                 <a:latin typeface="Consolas" panose="020B0609020204030204" pitchFamily="49" charset="0"/>
                 <a:cs typeface="Consolas" panose="020B0609020204030204" pitchFamily="49" charset="0"/>
               </a:rPr>
-              <a:t>pins = [18, 23, 24]</a:t>
-            </a:r>
-          </a:p>
-          <a:p>
-            <a:pPr lvl="1"/>
-            <a:r>
-              <a:rPr lang="en-US" b="1" i="1" dirty="0" err="1">
-                <a:solidFill>
-                  <a:srgbClr val="0070C0"/>
-                </a:solidFill>
-                <a:latin typeface="Consolas" panose="020B0609020204030204" pitchFamily="49" charset="0"/>
-                <a:cs typeface="Consolas" panose="020B0609020204030204" pitchFamily="49" charset="0"/>
-              </a:rPr>
-              <a:t>pin_led_states</a:t>
-            </a:r>
-            <a:r>
-              <a:rPr lang="en-US" b="1" i="1" dirty="0">
-                <a:solidFill>
-                  <a:srgbClr val="0070C0"/>
-                </a:solidFill>
-                <a:latin typeface="Consolas" panose="020B0609020204030204" pitchFamily="49" charset="0"/>
-                <a:cs typeface="Consolas" panose="020B0609020204030204" pitchFamily="49" charset="0"/>
-              </a:rPr>
-              <a:t> = [  [1, 0, -1], # A  </a:t>
-            </a:r>
-          </a:p>
-          <a:p>
-            <a:pPr lvl="1"/>
-            <a:r>
-              <a:rPr lang="en-US" b="1" i="1" dirty="0">
-                <a:solidFill>
-                  <a:srgbClr val="0070C0"/>
-                </a:solidFill>
-                <a:latin typeface="Consolas" panose="020B0609020204030204" pitchFamily="49" charset="0"/>
-                <a:cs typeface="Consolas" panose="020B0609020204030204" pitchFamily="49" charset="0"/>
-              </a:rPr>
-              <a:t>[0, 1, -1], # B  </a:t>
-            </a:r>
-          </a:p>
-          <a:p>
-            <a:pPr lvl="1"/>
-            <a:r>
-              <a:rPr lang="en-US" b="1" i="1" dirty="0">
-                <a:solidFill>
-                  <a:srgbClr val="0070C0"/>
-                </a:solidFill>
-                <a:latin typeface="Consolas" panose="020B0609020204030204" pitchFamily="49" charset="0"/>
-                <a:cs typeface="Consolas" panose="020B0609020204030204" pitchFamily="49" charset="0"/>
-              </a:rPr>
-              <a:t>[-1, 1, 0], # C  </a:t>
-            </a:r>
-          </a:p>
-          <a:p>
-            <a:pPr lvl="1"/>
-            <a:r>
-              <a:rPr lang="en-US" b="1" i="1" dirty="0">
-                <a:solidFill>
-                  <a:srgbClr val="0070C0"/>
-                </a:solidFill>
-                <a:latin typeface="Consolas" panose="020B0609020204030204" pitchFamily="49" charset="0"/>
-                <a:cs typeface="Consolas" panose="020B0609020204030204" pitchFamily="49" charset="0"/>
-              </a:rPr>
-              <a:t>[-1, 0, 1], # D  </a:t>
-            </a:r>
-          </a:p>
-          <a:p>
-            <a:pPr lvl="1"/>
-            <a:r>
-              <a:rPr lang="en-US" b="1" i="1" dirty="0">
-                <a:solidFill>
-                  <a:srgbClr val="0070C0"/>
-                </a:solidFill>
-                <a:latin typeface="Consolas" panose="020B0609020204030204" pitchFamily="49" charset="0"/>
-                <a:cs typeface="Consolas" panose="020B0609020204030204" pitchFamily="49" charset="0"/>
-              </a:rPr>
-              <a:t>[1, -1, 0], # E  </a:t>
-            </a:r>
-          </a:p>
-          <a:p>
-            <a:pPr lvl="1"/>
-            <a:r>
-              <a:rPr lang="en-US" b="1" i="1" dirty="0">
-                <a:solidFill>
-                  <a:srgbClr val="0070C0"/>
-                </a:solidFill>
-                <a:latin typeface="Consolas" panose="020B0609020204030204" pitchFamily="49" charset="0"/>
-                <a:cs typeface="Consolas" panose="020B0609020204030204" pitchFamily="49" charset="0"/>
-              </a:rPr>
-              <a:t>[0, -1, 1]  # F ]</a:t>
-            </a:r>
-          </a:p>
-          <a:p>
-            <a:pPr lvl="1"/>
-            <a:r>
-              <a:rPr lang="en-US" b="1" i="1" dirty="0" err="1">
-                <a:solidFill>
-                  <a:srgbClr val="0070C0"/>
-                </a:solidFill>
-                <a:latin typeface="Consolas" panose="020B0609020204030204" pitchFamily="49" charset="0"/>
-                <a:cs typeface="Consolas" panose="020B0609020204030204" pitchFamily="49" charset="0"/>
-              </a:rPr>
-              <a:t>GPIO.setmode</a:t>
-            </a:r>
-            <a:r>
-              <a:rPr lang="en-US" b="1" i="1" dirty="0">
-                <a:solidFill>
-                  <a:srgbClr val="0070C0"/>
-                </a:solidFill>
-                <a:latin typeface="Consolas" panose="020B0609020204030204" pitchFamily="49" charset="0"/>
-                <a:cs typeface="Consolas" panose="020B0609020204030204" pitchFamily="49" charset="0"/>
-              </a:rPr>
-              <a:t>(GPIO.BCM)</a:t>
+              <a:t>pins = [18,23,24]</a:t>
             </a:r>
           </a:p>
           <a:p>
@@ -11241,7 +11423,7 @@
                 <a:latin typeface="Consolas" panose="020B0609020204030204" pitchFamily="49" charset="0"/>
                 <a:cs typeface="Consolas" panose="020B0609020204030204" pitchFamily="49" charset="0"/>
               </a:rPr>
-              <a:t>def</a:t>
+              <a:t>pinLedStates</a:t>
             </a:r>
             <a:r>
               <a:rPr lang="en-US" b="1" i="1" dirty="0">
@@ -11251,8 +11433,89 @@
                 <a:latin typeface="Consolas" panose="020B0609020204030204" pitchFamily="49" charset="0"/>
                 <a:cs typeface="Consolas" panose="020B0609020204030204" pitchFamily="49" charset="0"/>
               </a:rPr>
-              <a:t> </a:t>
-            </a:r>
+              <a:t> = [[1,0,-1],</a:t>
+            </a:r>
+          </a:p>
+          <a:p>
+            <a:pPr lvl="1"/>
+            <a:r>
+              <a:rPr lang="en-US" b="1" i="1" dirty="0">
+                <a:solidFill>
+                  <a:srgbClr val="0070C0"/>
+                </a:solidFill>
+                <a:latin typeface="Consolas" panose="020B0609020204030204" pitchFamily="49" charset="0"/>
+                <a:cs typeface="Consolas" panose="020B0609020204030204" pitchFamily="49" charset="0"/>
+              </a:rPr>
+              <a:t>                [0,1,-1],</a:t>
+            </a:r>
+          </a:p>
+          <a:p>
+            <a:pPr lvl="1"/>
+            <a:r>
+              <a:rPr lang="en-US" b="1" i="1" dirty="0">
+                <a:solidFill>
+                  <a:srgbClr val="0070C0"/>
+                </a:solidFill>
+                <a:latin typeface="Consolas" panose="020B0609020204030204" pitchFamily="49" charset="0"/>
+                <a:cs typeface="Consolas" panose="020B0609020204030204" pitchFamily="49" charset="0"/>
+              </a:rPr>
+              <a:t>                [-1,1,0],</a:t>
+            </a:r>
+          </a:p>
+          <a:p>
+            <a:pPr lvl="1"/>
+            <a:r>
+              <a:rPr lang="en-US" b="1" i="1" dirty="0">
+                <a:solidFill>
+                  <a:srgbClr val="0070C0"/>
+                </a:solidFill>
+                <a:latin typeface="Consolas" panose="020B0609020204030204" pitchFamily="49" charset="0"/>
+                <a:cs typeface="Consolas" panose="020B0609020204030204" pitchFamily="49" charset="0"/>
+              </a:rPr>
+              <a:t>                [-1,0,1],</a:t>
+            </a:r>
+          </a:p>
+          <a:p>
+            <a:pPr lvl="1"/>
+            <a:r>
+              <a:rPr lang="en-US" b="1" i="1" dirty="0">
+                <a:solidFill>
+                  <a:srgbClr val="0070C0"/>
+                </a:solidFill>
+                <a:latin typeface="Consolas" panose="020B0609020204030204" pitchFamily="49" charset="0"/>
+                <a:cs typeface="Consolas" panose="020B0609020204030204" pitchFamily="49" charset="0"/>
+              </a:rPr>
+              <a:t>                [1,-1,0],</a:t>
+            </a:r>
+          </a:p>
+          <a:p>
+            <a:pPr lvl="1"/>
+            <a:r>
+              <a:rPr lang="en-US" b="1" i="1" dirty="0">
+                <a:solidFill>
+                  <a:srgbClr val="0070C0"/>
+                </a:solidFill>
+                <a:latin typeface="Consolas" panose="020B0609020204030204" pitchFamily="49" charset="0"/>
+                <a:cs typeface="Consolas" panose="020B0609020204030204" pitchFamily="49" charset="0"/>
+              </a:rPr>
+              <a:t>                [0,-1,1]]</a:t>
+            </a:r>
+          </a:p>
+          <a:p>
+            <a:pPr lvl="1"/>
+            <a:r>
+              <a:rPr lang="en-US" b="1" i="1" dirty="0">
+                <a:solidFill>
+                  <a:srgbClr val="0070C0"/>
+                </a:solidFill>
+                <a:latin typeface="Consolas" panose="020B0609020204030204" pitchFamily="49" charset="0"/>
+                <a:cs typeface="Consolas" panose="020B0609020204030204" pitchFamily="49" charset="0"/>
+              </a:rPr>
+              <a:t>				</a:t>
+            </a:r>
+          </a:p>
+          <a:p>
+            <a:pPr lvl="1"/>
             <a:r>
               <a:rPr lang="en-US" b="1" i="1" dirty="0" err="1">
                 <a:solidFill>
@@ -11261,7 +11524,7 @@
                 <a:latin typeface="Consolas" panose="020B0609020204030204" pitchFamily="49" charset="0"/>
                 <a:cs typeface="Consolas" panose="020B0609020204030204" pitchFamily="49" charset="0"/>
               </a:rPr>
-              <a:t>set_pin</a:t>
+              <a:t>GPIO.setmode</a:t>
             </a:r>
             <a:r>
               <a:rPr lang="en-US" b="1" i="1" dirty="0">
@@ -11271,272 +11534,7 @@
                 <a:latin typeface="Consolas" panose="020B0609020204030204" pitchFamily="49" charset="0"/>
                 <a:cs typeface="Consolas" panose="020B0609020204030204" pitchFamily="49" charset="0"/>
               </a:rPr>
-              <a:t>(</a:t>
-            </a:r>
-            <a:r>
-              <a:rPr lang="en-US" b="1" i="1" dirty="0" err="1">
-                <a:solidFill>
-                  <a:srgbClr val="0070C0"/>
-                </a:solidFill>
-                <a:latin typeface="Consolas" panose="020B0609020204030204" pitchFamily="49" charset="0"/>
-                <a:cs typeface="Consolas" panose="020B0609020204030204" pitchFamily="49" charset="0"/>
-              </a:rPr>
-              <a:t>pin_index</a:t>
-            </a:r>
-            <a:r>
-              <a:rPr lang="en-US" b="1" i="1" dirty="0">
-                <a:solidFill>
-                  <a:srgbClr val="0070C0"/>
-                </a:solidFill>
-                <a:latin typeface="Consolas" panose="020B0609020204030204" pitchFamily="49" charset="0"/>
-                <a:cs typeface="Consolas" panose="020B0609020204030204" pitchFamily="49" charset="0"/>
-              </a:rPr>
-              <a:t>, </a:t>
-            </a:r>
-            <a:r>
-              <a:rPr lang="en-US" b="1" i="1" dirty="0" err="1">
-                <a:solidFill>
-                  <a:srgbClr val="0070C0"/>
-                </a:solidFill>
-                <a:latin typeface="Consolas" panose="020B0609020204030204" pitchFamily="49" charset="0"/>
-                <a:cs typeface="Consolas" panose="020B0609020204030204" pitchFamily="49" charset="0"/>
-              </a:rPr>
-              <a:t>pin_state</a:t>
-            </a:r>
-            <a:r>
-              <a:rPr lang="en-US" b="1" i="1" dirty="0">
-                <a:solidFill>
-                  <a:srgbClr val="0070C0"/>
-                </a:solidFill>
-                <a:latin typeface="Consolas" panose="020B0609020204030204" pitchFamily="49" charset="0"/>
-                <a:cs typeface="Consolas" panose="020B0609020204030204" pitchFamily="49" charset="0"/>
-              </a:rPr>
-              <a:t>):    </a:t>
-            </a:r>
-          </a:p>
-          <a:p>
-            <a:pPr lvl="1"/>
-            <a:r>
-              <a:rPr lang="en-US" b="1" i="1" dirty="0">
-                <a:solidFill>
-                  <a:srgbClr val="0070C0"/>
-                </a:solidFill>
-                <a:latin typeface="Consolas" panose="020B0609020204030204" pitchFamily="49" charset="0"/>
-                <a:cs typeface="Consolas" panose="020B0609020204030204" pitchFamily="49" charset="0"/>
-              </a:rPr>
-              <a:t>	if </a:t>
-            </a:r>
-            <a:r>
-              <a:rPr lang="en-US" b="1" i="1" dirty="0" err="1">
-                <a:solidFill>
-                  <a:srgbClr val="0070C0"/>
-                </a:solidFill>
-                <a:latin typeface="Consolas" panose="020B0609020204030204" pitchFamily="49" charset="0"/>
-                <a:cs typeface="Consolas" panose="020B0609020204030204" pitchFamily="49" charset="0"/>
-              </a:rPr>
-              <a:t>pin_state</a:t>
-            </a:r>
-            <a:r>
-              <a:rPr lang="en-US" b="1" i="1" dirty="0">
-                <a:solidFill>
-                  <a:srgbClr val="0070C0"/>
-                </a:solidFill>
-                <a:latin typeface="Consolas" panose="020B0609020204030204" pitchFamily="49" charset="0"/>
-                <a:cs typeface="Consolas" panose="020B0609020204030204" pitchFamily="49" charset="0"/>
-              </a:rPr>
-              <a:t> == -1:        </a:t>
-            </a:r>
-          </a:p>
-          <a:p>
-            <a:pPr lvl="1"/>
-            <a:r>
-              <a:rPr lang="en-US" b="1" i="1" dirty="0">
-                <a:solidFill>
-                  <a:srgbClr val="0070C0"/>
-                </a:solidFill>
-                <a:latin typeface="Consolas" panose="020B0609020204030204" pitchFamily="49" charset="0"/>
-                <a:cs typeface="Consolas" panose="020B0609020204030204" pitchFamily="49" charset="0"/>
-              </a:rPr>
-              <a:t>		</a:t>
-            </a:r>
-            <a:r>
-              <a:rPr lang="en-US" b="1" i="1" dirty="0" err="1">
-                <a:solidFill>
-                  <a:srgbClr val="0070C0"/>
-                </a:solidFill>
-                <a:latin typeface="Consolas" panose="020B0609020204030204" pitchFamily="49" charset="0"/>
-                <a:cs typeface="Consolas" panose="020B0609020204030204" pitchFamily="49" charset="0"/>
-              </a:rPr>
-              <a:t>GPIO.setup</a:t>
-            </a:r>
-            <a:r>
-              <a:rPr lang="en-US" b="1" i="1" dirty="0">
-                <a:solidFill>
-                  <a:srgbClr val="0070C0"/>
-                </a:solidFill>
-                <a:latin typeface="Consolas" panose="020B0609020204030204" pitchFamily="49" charset="0"/>
-                <a:cs typeface="Consolas" panose="020B0609020204030204" pitchFamily="49" charset="0"/>
-              </a:rPr>
-              <a:t>(pins[</a:t>
-            </a:r>
-            <a:r>
-              <a:rPr lang="en-US" b="1" i="1" dirty="0" err="1">
-                <a:solidFill>
-                  <a:srgbClr val="0070C0"/>
-                </a:solidFill>
-                <a:latin typeface="Consolas" panose="020B0609020204030204" pitchFamily="49" charset="0"/>
-                <a:cs typeface="Consolas" panose="020B0609020204030204" pitchFamily="49" charset="0"/>
-              </a:rPr>
-              <a:t>pin_index</a:t>
-            </a:r>
-            <a:r>
-              <a:rPr lang="en-US" b="1" i="1" dirty="0">
-                <a:solidFill>
-                  <a:srgbClr val="0070C0"/>
-                </a:solidFill>
-                <a:latin typeface="Consolas" panose="020B0609020204030204" pitchFamily="49" charset="0"/>
-                <a:cs typeface="Consolas" panose="020B0609020204030204" pitchFamily="49" charset="0"/>
-              </a:rPr>
-              <a:t>], GPIO.IN)    </a:t>
-            </a:r>
-          </a:p>
-          <a:p>
-            <a:pPr lvl="1"/>
-            <a:r>
-              <a:rPr lang="en-US" b="1" i="1" dirty="0">
-                <a:solidFill>
-                  <a:srgbClr val="0070C0"/>
-                </a:solidFill>
-                <a:latin typeface="Consolas" panose="020B0609020204030204" pitchFamily="49" charset="0"/>
-                <a:cs typeface="Consolas" panose="020B0609020204030204" pitchFamily="49" charset="0"/>
-              </a:rPr>
-              <a:t>	else:        </a:t>
-            </a:r>
-          </a:p>
-          <a:p>
-            <a:pPr lvl="1"/>
-            <a:r>
-              <a:rPr lang="en-US" b="1" i="1" dirty="0">
-                <a:solidFill>
-                  <a:srgbClr val="0070C0"/>
-                </a:solidFill>
-                <a:latin typeface="Consolas" panose="020B0609020204030204" pitchFamily="49" charset="0"/>
-                <a:cs typeface="Consolas" panose="020B0609020204030204" pitchFamily="49" charset="0"/>
-              </a:rPr>
-              <a:t>		</a:t>
-            </a:r>
-            <a:r>
-              <a:rPr lang="en-US" b="1" i="1" dirty="0" err="1">
-                <a:solidFill>
-                  <a:srgbClr val="0070C0"/>
-                </a:solidFill>
-                <a:latin typeface="Consolas" panose="020B0609020204030204" pitchFamily="49" charset="0"/>
-                <a:cs typeface="Consolas" panose="020B0609020204030204" pitchFamily="49" charset="0"/>
-              </a:rPr>
-              <a:t>GPIO.setup</a:t>
-            </a:r>
-            <a:r>
-              <a:rPr lang="en-US" b="1" i="1" dirty="0">
-                <a:solidFill>
-                  <a:srgbClr val="0070C0"/>
-                </a:solidFill>
-                <a:latin typeface="Consolas" panose="020B0609020204030204" pitchFamily="49" charset="0"/>
-                <a:cs typeface="Consolas" panose="020B0609020204030204" pitchFamily="49" charset="0"/>
-              </a:rPr>
-              <a:t>(pins[</a:t>
-            </a:r>
-            <a:r>
-              <a:rPr lang="en-US" b="1" i="1" dirty="0" err="1">
-                <a:solidFill>
-                  <a:srgbClr val="0070C0"/>
-                </a:solidFill>
-                <a:latin typeface="Consolas" panose="020B0609020204030204" pitchFamily="49" charset="0"/>
-                <a:cs typeface="Consolas" panose="020B0609020204030204" pitchFamily="49" charset="0"/>
-              </a:rPr>
-              <a:t>pin_index</a:t>
-            </a:r>
-            <a:r>
-              <a:rPr lang="en-US" b="1" i="1" dirty="0">
-                <a:solidFill>
-                  <a:srgbClr val="0070C0"/>
-                </a:solidFill>
-                <a:latin typeface="Consolas" panose="020B0609020204030204" pitchFamily="49" charset="0"/>
-                <a:cs typeface="Consolas" panose="020B0609020204030204" pitchFamily="49" charset="0"/>
-              </a:rPr>
-              <a:t>], GPIO.OUT)        </a:t>
-            </a:r>
-          </a:p>
-          <a:p>
-            <a:pPr lvl="1"/>
-            <a:r>
-              <a:rPr lang="en-US" b="1" i="1" dirty="0">
-                <a:solidFill>
-                  <a:srgbClr val="0070C0"/>
-                </a:solidFill>
-                <a:latin typeface="Consolas" panose="020B0609020204030204" pitchFamily="49" charset="0"/>
-                <a:cs typeface="Consolas" panose="020B0609020204030204" pitchFamily="49" charset="0"/>
-              </a:rPr>
-              <a:t>		</a:t>
-            </a:r>
-            <a:r>
-              <a:rPr lang="en-US" b="1" i="1" dirty="0" err="1">
-                <a:solidFill>
-                  <a:srgbClr val="0070C0"/>
-                </a:solidFill>
-                <a:latin typeface="Consolas" panose="020B0609020204030204" pitchFamily="49" charset="0"/>
-                <a:cs typeface="Consolas" panose="020B0609020204030204" pitchFamily="49" charset="0"/>
-              </a:rPr>
-              <a:t>GPIO.output</a:t>
-            </a:r>
-            <a:r>
-              <a:rPr lang="en-US" b="1" i="1" dirty="0">
-                <a:solidFill>
-                  <a:srgbClr val="0070C0"/>
-                </a:solidFill>
-                <a:latin typeface="Consolas" panose="020B0609020204030204" pitchFamily="49" charset="0"/>
-                <a:cs typeface="Consolas" panose="020B0609020204030204" pitchFamily="49" charset="0"/>
-              </a:rPr>
-              <a:t>(pins[</a:t>
-            </a:r>
-            <a:r>
-              <a:rPr lang="en-US" b="1" i="1" dirty="0" err="1">
-                <a:solidFill>
-                  <a:srgbClr val="0070C0"/>
-                </a:solidFill>
-                <a:latin typeface="Consolas" panose="020B0609020204030204" pitchFamily="49" charset="0"/>
-                <a:cs typeface="Consolas" panose="020B0609020204030204" pitchFamily="49" charset="0"/>
-              </a:rPr>
-              <a:t>pin_index</a:t>
-            </a:r>
-            <a:r>
-              <a:rPr lang="en-US" b="1" i="1" dirty="0">
-                <a:solidFill>
-                  <a:srgbClr val="0070C0"/>
-                </a:solidFill>
-                <a:latin typeface="Consolas" panose="020B0609020204030204" pitchFamily="49" charset="0"/>
-                <a:cs typeface="Consolas" panose="020B0609020204030204" pitchFamily="49" charset="0"/>
-              </a:rPr>
-              <a:t>], </a:t>
-            </a:r>
-            <a:r>
-              <a:rPr lang="en-US" b="1" i="1" dirty="0" err="1">
-                <a:solidFill>
-                  <a:srgbClr val="0070C0"/>
-                </a:solidFill>
-                <a:latin typeface="Consolas" panose="020B0609020204030204" pitchFamily="49" charset="0"/>
-                <a:cs typeface="Consolas" panose="020B0609020204030204" pitchFamily="49" charset="0"/>
-              </a:rPr>
-              <a:t>pin_state</a:t>
-            </a:r>
-            <a:r>
-              <a:rPr lang="en-US" b="1" i="1" dirty="0">
-                <a:solidFill>
-                  <a:srgbClr val="0070C0"/>
-                </a:solidFill>
-                <a:latin typeface="Consolas" panose="020B0609020204030204" pitchFamily="49" charset="0"/>
-                <a:cs typeface="Consolas" panose="020B0609020204030204" pitchFamily="49" charset="0"/>
-              </a:rPr>
-              <a:t>)</a:t>
+              <a:t>(GPIO.BCM)</a:t>
             </a:r>
           </a:p>
           <a:p>
@@ -11552,6 +11550,16 @@
           <a:p>
             <a:pPr lvl="1"/>
             <a:r>
+              <a:rPr lang="en-US" b="1" i="1" dirty="0">
+                <a:solidFill>
+                  <a:srgbClr val="0070C0"/>
+                </a:solidFill>
+                <a:latin typeface="Consolas" panose="020B0609020204030204" pitchFamily="49" charset="0"/>
+                <a:cs typeface="Consolas" panose="020B0609020204030204" pitchFamily="49" charset="0"/>
+              </a:rPr>
+              <a:t>def </a:t>
+            </a:r>
+            <a:r>
               <a:rPr lang="en-US" b="1" i="1" dirty="0" err="1">
                 <a:solidFill>
                   <a:srgbClr val="0070C0"/>
@@ -11559,7 +11567,7 @@
                 <a:latin typeface="Consolas" panose="020B0609020204030204" pitchFamily="49" charset="0"/>
                 <a:cs typeface="Consolas" panose="020B0609020204030204" pitchFamily="49" charset="0"/>
               </a:rPr>
-              <a:t>def</a:t>
+              <a:t>SetPin</a:t>
             </a:r>
             <a:r>
               <a:rPr lang="en-US" b="1" i="1" dirty="0">
@@ -11569,7 +11577,7 @@
                 <a:latin typeface="Consolas" panose="020B0609020204030204" pitchFamily="49" charset="0"/>
                 <a:cs typeface="Consolas" panose="020B0609020204030204" pitchFamily="49" charset="0"/>
               </a:rPr>
-              <a:t> </a:t>
+              <a:t>(</a:t>
             </a:r>
             <a:r>
               <a:rPr lang="en-US" b="1" i="1" dirty="0" err="1">
@@ -11579,7 +11587,7 @@
                 <a:latin typeface="Consolas" panose="020B0609020204030204" pitchFamily="49" charset="0"/>
                 <a:cs typeface="Consolas" panose="020B0609020204030204" pitchFamily="49" charset="0"/>
               </a:rPr>
-              <a:t>light_led</a:t>
+              <a:t>pinIndex</a:t>
             </a:r>
             <a:r>
               <a:rPr lang="en-US" b="1" i="1" dirty="0">
@@ -11589,7 +11597,7 @@
                 <a:latin typeface="Consolas" panose="020B0609020204030204" pitchFamily="49" charset="0"/>
                 <a:cs typeface="Consolas" panose="020B0609020204030204" pitchFamily="49" charset="0"/>
               </a:rPr>
-              <a:t>(</a:t>
+              <a:t>, </a:t>
             </a:r>
             <a:r>
               <a:rPr lang="en-US" b="1" i="1" dirty="0" err="1">
@@ -11599,7 +11607,7 @@
                 <a:latin typeface="Consolas" panose="020B0609020204030204" pitchFamily="49" charset="0"/>
                 <a:cs typeface="Consolas" panose="020B0609020204030204" pitchFamily="49" charset="0"/>
               </a:rPr>
-              <a:t>led_number</a:t>
+              <a:t>pinState</a:t>
             </a:r>
             <a:r>
               <a:rPr lang="en-US" b="1" i="1" dirty="0">
@@ -11609,7 +11617,7 @@
                 <a:latin typeface="Consolas" panose="020B0609020204030204" pitchFamily="49" charset="0"/>
                 <a:cs typeface="Consolas" panose="020B0609020204030204" pitchFamily="49" charset="0"/>
               </a:rPr>
-              <a:t>):    </a:t>
+              <a:t>):</a:t>
             </a:r>
           </a:p>
           <a:p>
@@ -11622,7 +11630,7 @@
                 <a:latin typeface="Consolas" panose="020B0609020204030204" pitchFamily="49" charset="0"/>
                 <a:cs typeface="Consolas" panose="020B0609020204030204" pitchFamily="49" charset="0"/>
               </a:rPr>
-              <a:t>	for </a:t>
+              <a:t>    if (</a:t>
             </a:r>
             <a:r>
               <a:rPr lang="en-US" b="1" i="1" dirty="0" err="1">
@@ -11632,7 +11640,7 @@
                 <a:latin typeface="Consolas" panose="020B0609020204030204" pitchFamily="49" charset="0"/>
                 <a:cs typeface="Consolas" panose="020B0609020204030204" pitchFamily="49" charset="0"/>
               </a:rPr>
-              <a:t>pin_index</a:t>
+              <a:t>pinState</a:t>
             </a:r>
             <a:r>
               <a:rPr lang="en-US" b="1" i="1" dirty="0">
@@ -11642,7 +11650,20 @@
                 <a:latin typeface="Consolas" panose="020B0609020204030204" pitchFamily="49" charset="0"/>
                 <a:cs typeface="Consolas" panose="020B0609020204030204" pitchFamily="49" charset="0"/>
               </a:rPr>
-              <a:t>, </a:t>
+              <a:t> == -1):</a:t>
+            </a:r>
+          </a:p>
+          <a:p>
+            <a:pPr lvl="1"/>
+            <a:r>
+              <a:rPr lang="en-US" b="1" i="1" dirty="0">
+                <a:solidFill>
+                  <a:srgbClr val="0070C0"/>
+                </a:solidFill>
+                <a:latin typeface="Consolas" panose="020B0609020204030204" pitchFamily="49" charset="0"/>
+                <a:cs typeface="Consolas" panose="020B0609020204030204" pitchFamily="49" charset="0"/>
+              </a:rPr>
+              <a:t>        </a:t>
             </a:r>
             <a:r>
               <a:rPr lang="en-US" b="1" i="1" dirty="0" err="1">
@@ -11652,7 +11673,7 @@
                 <a:latin typeface="Consolas" panose="020B0609020204030204" pitchFamily="49" charset="0"/>
                 <a:cs typeface="Consolas" panose="020B0609020204030204" pitchFamily="49" charset="0"/>
               </a:rPr>
-              <a:t>pin_state</a:t>
+              <a:t>GPIO.setup</a:t>
             </a:r>
             <a:r>
               <a:rPr lang="en-US" b="1" i="1" dirty="0">
@@ -11662,7 +11683,7 @@
                 <a:latin typeface="Consolas" panose="020B0609020204030204" pitchFamily="49" charset="0"/>
                 <a:cs typeface="Consolas" panose="020B0609020204030204" pitchFamily="49" charset="0"/>
               </a:rPr>
-              <a:t> in enumerate(</a:t>
+              <a:t>(pins[</a:t>
             </a:r>
             <a:r>
               <a:rPr lang="en-US" b="1" i="1" dirty="0" err="1">
@@ -11672,7 +11693,7 @@
                 <a:latin typeface="Consolas" panose="020B0609020204030204" pitchFamily="49" charset="0"/>
                 <a:cs typeface="Consolas" panose="020B0609020204030204" pitchFamily="49" charset="0"/>
               </a:rPr>
-              <a:t>pin_led_states</a:t>
+              <a:t>pinIndex</a:t>
             </a:r>
             <a:r>
               <a:rPr lang="en-US" b="1" i="1" dirty="0">
@@ -11682,7 +11703,33 @@
                 <a:latin typeface="Consolas" panose="020B0609020204030204" pitchFamily="49" charset="0"/>
                 <a:cs typeface="Consolas" panose="020B0609020204030204" pitchFamily="49" charset="0"/>
               </a:rPr>
-              <a:t>[</a:t>
+              <a:t>], GPIO.IN)</a:t>
+            </a:r>
+          </a:p>
+          <a:p>
+            <a:pPr lvl="1"/>
+            <a:r>
+              <a:rPr lang="en-US" b="1" i="1" dirty="0">
+                <a:solidFill>
+                  <a:srgbClr val="0070C0"/>
+                </a:solidFill>
+                <a:latin typeface="Consolas" panose="020B0609020204030204" pitchFamily="49" charset="0"/>
+                <a:cs typeface="Consolas" panose="020B0609020204030204" pitchFamily="49" charset="0"/>
+              </a:rPr>
+              <a:t>    else:</a:t>
+            </a:r>
+          </a:p>
+          <a:p>
+            <a:pPr lvl="1"/>
+            <a:r>
+              <a:rPr lang="en-US" b="1" i="1" dirty="0">
+                <a:solidFill>
+                  <a:srgbClr val="0070C0"/>
+                </a:solidFill>
+                <a:latin typeface="Consolas" panose="020B0609020204030204" pitchFamily="49" charset="0"/>
+                <a:cs typeface="Consolas" panose="020B0609020204030204" pitchFamily="49" charset="0"/>
+              </a:rPr>
+              <a:t>        </a:t>
             </a:r>
             <a:r>
               <a:rPr lang="en-US" b="1" i="1" dirty="0" err="1">
@@ -11692,7 +11739,7 @@
                 <a:latin typeface="Consolas" panose="020B0609020204030204" pitchFamily="49" charset="0"/>
                 <a:cs typeface="Consolas" panose="020B0609020204030204" pitchFamily="49" charset="0"/>
               </a:rPr>
-              <a:t>led_number</a:t>
+              <a:t>GPIO.setup</a:t>
             </a:r>
             <a:r>
               <a:rPr lang="en-US" b="1" i="1" dirty="0">
@@ -11702,7 +11749,27 @@
                 <a:latin typeface="Consolas" panose="020B0609020204030204" pitchFamily="49" charset="0"/>
                 <a:cs typeface="Consolas" panose="020B0609020204030204" pitchFamily="49" charset="0"/>
               </a:rPr>
-              <a:t>]):        </a:t>
+              <a:t>(pins[</a:t>
+            </a:r>
+            <a:r>
+              <a:rPr lang="en-US" b="1" i="1" dirty="0" err="1">
+                <a:solidFill>
+                  <a:srgbClr val="0070C0"/>
+                </a:solidFill>
+                <a:latin typeface="Consolas" panose="020B0609020204030204" pitchFamily="49" charset="0"/>
+                <a:cs typeface="Consolas" panose="020B0609020204030204" pitchFamily="49" charset="0"/>
+              </a:rPr>
+              <a:t>pinIndex</a:t>
+            </a:r>
+            <a:r>
+              <a:rPr lang="en-US" b="1" i="1" dirty="0">
+                <a:solidFill>
+                  <a:srgbClr val="0070C0"/>
+                </a:solidFill>
+                <a:latin typeface="Consolas" panose="020B0609020204030204" pitchFamily="49" charset="0"/>
+                <a:cs typeface="Consolas" panose="020B0609020204030204" pitchFamily="49" charset="0"/>
+              </a:rPr>
+              <a:t>], GPIO.OUT)</a:t>
             </a:r>
           </a:p>
           <a:p>
@@ -11715,7 +11782,7 @@
                 <a:latin typeface="Consolas" panose="020B0609020204030204" pitchFamily="49" charset="0"/>
                 <a:cs typeface="Consolas" panose="020B0609020204030204" pitchFamily="49" charset="0"/>
               </a:rPr>
-              <a:t>		</a:t>
+              <a:t>        </a:t>
             </a:r>
             <a:r>
               <a:rPr lang="en-US" b="1" i="1" dirty="0" err="1">
@@ -11725,7 +11792,7 @@
                 <a:latin typeface="Consolas" panose="020B0609020204030204" pitchFamily="49" charset="0"/>
                 <a:cs typeface="Consolas" panose="020B0609020204030204" pitchFamily="49" charset="0"/>
               </a:rPr>
-              <a:t>set_pin</a:t>
+              <a:t>GPIO.output</a:t>
             </a:r>
             <a:r>
               <a:rPr lang="en-US" b="1" i="1" dirty="0">
@@ -11735,7 +11802,7 @@
                 <a:latin typeface="Consolas" panose="020B0609020204030204" pitchFamily="49" charset="0"/>
                 <a:cs typeface="Consolas" panose="020B0609020204030204" pitchFamily="49" charset="0"/>
               </a:rPr>
-              <a:t>(</a:t>
+              <a:t>(pins[</a:t>
             </a:r>
             <a:r>
               <a:rPr lang="en-US" b="1" i="1" dirty="0" err="1">
@@ -11745,7 +11812,7 @@
                 <a:latin typeface="Consolas" panose="020B0609020204030204" pitchFamily="49" charset="0"/>
                 <a:cs typeface="Consolas" panose="020B0609020204030204" pitchFamily="49" charset="0"/>
               </a:rPr>
-              <a:t>pin_index</a:t>
+              <a:t>pinIndex</a:t>
             </a:r>
             <a:r>
               <a:rPr lang="en-US" b="1" i="1" dirty="0">
@@ -11755,7 +11822,7 @@
                 <a:latin typeface="Consolas" panose="020B0609020204030204" pitchFamily="49" charset="0"/>
                 <a:cs typeface="Consolas" panose="020B0609020204030204" pitchFamily="49" charset="0"/>
               </a:rPr>
-              <a:t>, </a:t>
+              <a:t>], </a:t>
             </a:r>
             <a:r>
               <a:rPr lang="en-US" b="1" i="1" dirty="0" err="1">
@@ -11765,7 +11832,7 @@
                 <a:latin typeface="Consolas" panose="020B0609020204030204" pitchFamily="49" charset="0"/>
                 <a:cs typeface="Consolas" panose="020B0609020204030204" pitchFamily="49" charset="0"/>
               </a:rPr>
-              <a:t>pin_state</a:t>
+              <a:t>pinState</a:t>
             </a:r>
             <a:r>
               <a:rPr lang="en-US" b="1" i="1" dirty="0">
@@ -12000,7 +12067,7 @@
         <p:spPr>
           <a:xfrm>
             <a:off x="417443" y="777489"/>
-            <a:ext cx="11357113" cy="2308324"/>
+            <a:ext cx="11357113" cy="3416320"/>
           </a:xfrm>
           <a:prstGeom prst="rect">
             <a:avLst/>
@@ -12014,6 +12081,16 @@
           <a:lstStyle/>
           <a:p>
             <a:pPr lvl="1"/>
+            <a:endParaRPr lang="en-US" b="1" i="1" dirty="0">
+              <a:solidFill>
+                <a:srgbClr val="0070C0"/>
+              </a:solidFill>
+              <a:latin typeface="Consolas" panose="020B0609020204030204" pitchFamily="49" charset="0"/>
+              <a:cs typeface="Consolas" panose="020B0609020204030204" pitchFamily="49" charset="0"/>
+            </a:endParaRPr>
+          </a:p>
+          <a:p>
+            <a:pPr lvl="1"/>
             <a:r>
               <a:rPr lang="en-US" b="1" i="1" dirty="0">
                 <a:solidFill>
@@ -12022,12 +12099,62 @@
                 <a:latin typeface="Consolas" panose="020B0609020204030204" pitchFamily="49" charset="0"/>
                 <a:cs typeface="Consolas" panose="020B0609020204030204" pitchFamily="49" charset="0"/>
               </a:rPr>
-              <a:t>		</a:t>
+              <a:t>def </a:t>
+            </a:r>
+            <a:r>
+              <a:rPr lang="en-US" b="1" i="1" dirty="0" err="1">
+                <a:solidFill>
+                  <a:srgbClr val="0070C0"/>
+                </a:solidFill>
+                <a:latin typeface="Consolas" panose="020B0609020204030204" pitchFamily="49" charset="0"/>
+                <a:cs typeface="Consolas" panose="020B0609020204030204" pitchFamily="49" charset="0"/>
+              </a:rPr>
+              <a:t>LightLed</a:t>
+            </a:r>
+            <a:r>
+              <a:rPr lang="en-US" b="1" i="1" dirty="0">
+                <a:solidFill>
+                  <a:srgbClr val="0070C0"/>
+                </a:solidFill>
+                <a:latin typeface="Consolas" panose="020B0609020204030204" pitchFamily="49" charset="0"/>
+                <a:cs typeface="Consolas" panose="020B0609020204030204" pitchFamily="49" charset="0"/>
+              </a:rPr>
+              <a:t>(</a:t>
+            </a:r>
+            <a:r>
+              <a:rPr lang="en-US" b="1" i="1" dirty="0" err="1">
+                <a:solidFill>
+                  <a:srgbClr val="0070C0"/>
+                </a:solidFill>
+                <a:latin typeface="Consolas" panose="020B0609020204030204" pitchFamily="49" charset="0"/>
+                <a:cs typeface="Consolas" panose="020B0609020204030204" pitchFamily="49" charset="0"/>
+              </a:rPr>
+              <a:t>ledNumber</a:t>
+            </a:r>
+            <a:r>
+              <a:rPr lang="en-US" b="1" i="1" dirty="0">
+                <a:solidFill>
+                  <a:srgbClr val="0070C0"/>
+                </a:solidFill>
+                <a:latin typeface="Consolas" panose="020B0609020204030204" pitchFamily="49" charset="0"/>
+                <a:cs typeface="Consolas" panose="020B0609020204030204" pitchFamily="49" charset="0"/>
+              </a:rPr>
+              <a:t>):</a:t>
             </a:r>
           </a:p>
           <a:p>
             <a:pPr lvl="1"/>
             <a:r>
+              <a:rPr lang="en-US" b="1" i="1" dirty="0">
+                <a:solidFill>
+                  <a:srgbClr val="0070C0"/>
+                </a:solidFill>
+                <a:latin typeface="Consolas" panose="020B0609020204030204" pitchFamily="49" charset="0"/>
+                <a:cs typeface="Consolas" panose="020B0609020204030204" pitchFamily="49" charset="0"/>
+              </a:rPr>
+              <a:t>    for (</a:t>
+            </a:r>
+            <a:r>
               <a:rPr lang="en-US" b="1" i="1" dirty="0" err="1">
                 <a:solidFill>
                   <a:srgbClr val="0070C0"/>
@@ -12035,7 +12162,7 @@
                 <a:latin typeface="Consolas" panose="020B0609020204030204" pitchFamily="49" charset="0"/>
                 <a:cs typeface="Consolas" panose="020B0609020204030204" pitchFamily="49" charset="0"/>
               </a:rPr>
-              <a:t>set_pin</a:t>
+              <a:t>pinIndex</a:t>
             </a:r>
             <a:r>
               <a:rPr lang="en-US" b="1" i="1" dirty="0">
@@ -12045,12 +12172,82 @@
                 <a:latin typeface="Consolas" panose="020B0609020204030204" pitchFamily="49" charset="0"/>
                 <a:cs typeface="Consolas" panose="020B0609020204030204" pitchFamily="49" charset="0"/>
               </a:rPr>
-              <a:t>(0, -1) </a:t>
+              <a:t>, </a:t>
+            </a:r>
+            <a:r>
+              <a:rPr lang="en-US" b="1" i="1" dirty="0" err="1">
+                <a:solidFill>
+                  <a:srgbClr val="0070C0"/>
+                </a:solidFill>
+                <a:latin typeface="Consolas" panose="020B0609020204030204" pitchFamily="49" charset="0"/>
+                <a:cs typeface="Consolas" panose="020B0609020204030204" pitchFamily="49" charset="0"/>
+              </a:rPr>
+              <a:t>pinState</a:t>
+            </a:r>
+            <a:r>
+              <a:rPr lang="en-US" b="1" i="1" dirty="0">
+                <a:solidFill>
+                  <a:srgbClr val="0070C0"/>
+                </a:solidFill>
+                <a:latin typeface="Consolas" panose="020B0609020204030204" pitchFamily="49" charset="0"/>
+                <a:cs typeface="Consolas" panose="020B0609020204030204" pitchFamily="49" charset="0"/>
+              </a:rPr>
+              <a:t>) in enumerate(</a:t>
+            </a:r>
+            <a:r>
+              <a:rPr lang="en-US" b="1" i="1" dirty="0" err="1">
+                <a:solidFill>
+                  <a:srgbClr val="0070C0"/>
+                </a:solidFill>
+                <a:latin typeface="Consolas" panose="020B0609020204030204" pitchFamily="49" charset="0"/>
+                <a:cs typeface="Consolas" panose="020B0609020204030204" pitchFamily="49" charset="0"/>
+              </a:rPr>
+              <a:t>pinLedStates</a:t>
+            </a:r>
+            <a:r>
+              <a:rPr lang="en-US" b="1" i="1" dirty="0">
+                <a:solidFill>
+                  <a:srgbClr val="0070C0"/>
+                </a:solidFill>
+                <a:latin typeface="Consolas" panose="020B0609020204030204" pitchFamily="49" charset="0"/>
+                <a:cs typeface="Consolas" panose="020B0609020204030204" pitchFamily="49" charset="0"/>
+              </a:rPr>
+              <a:t>[</a:t>
+            </a:r>
+            <a:r>
+              <a:rPr lang="en-US" b="1" i="1" dirty="0" err="1">
+                <a:solidFill>
+                  <a:srgbClr val="0070C0"/>
+                </a:solidFill>
+                <a:latin typeface="Consolas" panose="020B0609020204030204" pitchFamily="49" charset="0"/>
+                <a:cs typeface="Consolas" panose="020B0609020204030204" pitchFamily="49" charset="0"/>
+              </a:rPr>
+              <a:t>ledNumber</a:t>
+            </a:r>
+            <a:r>
+              <a:rPr lang="en-US" b="1" i="1" dirty="0">
+                <a:solidFill>
+                  <a:srgbClr val="0070C0"/>
+                </a:solidFill>
+                <a:latin typeface="Consolas" panose="020B0609020204030204" pitchFamily="49" charset="0"/>
+                <a:cs typeface="Consolas" panose="020B0609020204030204" pitchFamily="49" charset="0"/>
+              </a:rPr>
+              <a:t>]):</a:t>
             </a:r>
           </a:p>
           <a:p>
             <a:pPr lvl="1"/>
             <a:r>
+              <a:rPr lang="en-US" b="1" i="1" dirty="0">
+                <a:solidFill>
+                  <a:srgbClr val="0070C0"/>
+                </a:solidFill>
+                <a:latin typeface="Consolas" panose="020B0609020204030204" pitchFamily="49" charset="0"/>
+                <a:cs typeface="Consolas" panose="020B0609020204030204" pitchFamily="49" charset="0"/>
+              </a:rPr>
+              <a:t>        </a:t>
+            </a:r>
+            <a:r>
               <a:rPr lang="en-US" b="1" i="1" dirty="0" err="1">
                 <a:solidFill>
                   <a:srgbClr val="0070C0"/>
@@ -12058,7 +12255,7 @@
                 <a:latin typeface="Consolas" panose="020B0609020204030204" pitchFamily="49" charset="0"/>
                 <a:cs typeface="Consolas" panose="020B0609020204030204" pitchFamily="49" charset="0"/>
               </a:rPr>
-              <a:t>set_pin</a:t>
+              <a:t>SetPin</a:t>
             </a:r>
             <a:r>
               <a:rPr lang="en-US" b="1" i="1" dirty="0">
@@ -12068,11 +12265,8 @@
                 <a:latin typeface="Consolas" panose="020B0609020204030204" pitchFamily="49" charset="0"/>
                 <a:cs typeface="Consolas" panose="020B0609020204030204" pitchFamily="49" charset="0"/>
               </a:rPr>
-              <a:t>(1, -1) 		</a:t>
-            </a:r>
-          </a:p>
-          <a:p>
-            <a:pPr lvl="1"/>
+              <a:t>(</a:t>
+            </a:r>
             <a:r>
               <a:rPr lang="en-US" b="1" i="1" dirty="0" err="1">
                 <a:solidFill>
@@ -12081,7 +12275,7 @@
                 <a:latin typeface="Consolas" panose="020B0609020204030204" pitchFamily="49" charset="0"/>
                 <a:cs typeface="Consolas" panose="020B0609020204030204" pitchFamily="49" charset="0"/>
               </a:rPr>
-              <a:t>set_pin</a:t>
+              <a:t>pinIndex</a:t>
             </a:r>
             <a:r>
               <a:rPr lang="en-US" b="1" i="1" dirty="0">
@@ -12091,7 +12285,27 @@
                 <a:latin typeface="Consolas" panose="020B0609020204030204" pitchFamily="49" charset="0"/>
                 <a:cs typeface="Consolas" panose="020B0609020204030204" pitchFamily="49" charset="0"/>
               </a:rPr>
-              <a:t>(2, -1)</a:t>
+              <a:t>, </a:t>
+            </a:r>
+            <a:r>
+              <a:rPr lang="en-US" b="1" i="1" dirty="0" err="1">
+                <a:solidFill>
+                  <a:srgbClr val="0070C0"/>
+                </a:solidFill>
+                <a:latin typeface="Consolas" panose="020B0609020204030204" pitchFamily="49" charset="0"/>
+                <a:cs typeface="Consolas" panose="020B0609020204030204" pitchFamily="49" charset="0"/>
+              </a:rPr>
+              <a:t>pinState</a:t>
+            </a:r>
+            <a:r>
+              <a:rPr lang="en-US" b="1" i="1" dirty="0">
+                <a:solidFill>
+                  <a:srgbClr val="0070C0"/>
+                </a:solidFill>
+                <a:latin typeface="Consolas" panose="020B0609020204030204" pitchFamily="49" charset="0"/>
+                <a:cs typeface="Consolas" panose="020B0609020204030204" pitchFamily="49" charset="0"/>
+              </a:rPr>
+              <a:t>)</a:t>
             </a:r>
           </a:p>
           <a:p>
@@ -12107,6 +12321,16 @@
           <a:p>
             <a:pPr lvl="1"/>
             <a:r>
+              <a:rPr lang="en-US" b="1" i="1" dirty="0" err="1">
+                <a:solidFill>
+                  <a:srgbClr val="0070C0"/>
+                </a:solidFill>
+                <a:latin typeface="Consolas" panose="020B0609020204030204" pitchFamily="49" charset="0"/>
+                <a:cs typeface="Consolas" panose="020B0609020204030204" pitchFamily="49" charset="0"/>
+              </a:rPr>
+              <a:t>SetPin</a:t>
+            </a:r>
+            <a:r>
               <a:rPr lang="en-US" b="1" i="1" dirty="0">
                 <a:solidFill>
                   <a:srgbClr val="0070C0"/>
@@ -12114,12 +12338,22 @@
                 <a:latin typeface="Consolas" panose="020B0609020204030204" pitchFamily="49" charset="0"/>
                 <a:cs typeface="Consolas" panose="020B0609020204030204" pitchFamily="49" charset="0"/>
               </a:rPr>
-              <a:t>while True:    </a:t>
+              <a:t>(0, -1)</a:t>
             </a:r>
           </a:p>
           <a:p>
             <a:pPr lvl="1"/>
             <a:r>
+              <a:rPr lang="en-US" b="1" i="1" dirty="0" err="1">
+                <a:solidFill>
+                  <a:srgbClr val="0070C0"/>
+                </a:solidFill>
+                <a:latin typeface="Consolas" panose="020B0609020204030204" pitchFamily="49" charset="0"/>
+                <a:cs typeface="Consolas" panose="020B0609020204030204" pitchFamily="49" charset="0"/>
+              </a:rPr>
+              <a:t>SetPin</a:t>
+            </a:r>
+            <a:r>
               <a:rPr lang="en-US" b="1" i="1" dirty="0">
                 <a:solidFill>
                   <a:srgbClr val="0070C0"/>
@@ -12127,8 +12361,11 @@
                 <a:latin typeface="Consolas" panose="020B0609020204030204" pitchFamily="49" charset="0"/>
                 <a:cs typeface="Consolas" panose="020B0609020204030204" pitchFamily="49" charset="0"/>
               </a:rPr>
-              <a:t>	x = </a:t>
-            </a:r>
+              <a:t>(1, -1)</a:t>
+            </a:r>
+          </a:p>
+          <a:p>
+            <a:pPr lvl="1"/>
             <a:r>
               <a:rPr lang="en-US" b="1" i="1" dirty="0" err="1">
                 <a:solidFill>
@@ -12137,6 +12374,62 @@
                 <a:latin typeface="Consolas" panose="020B0609020204030204" pitchFamily="49" charset="0"/>
                 <a:cs typeface="Consolas" panose="020B0609020204030204" pitchFamily="49" charset="0"/>
               </a:rPr>
+              <a:t>SetPin</a:t>
+            </a:r>
+            <a:r>
+              <a:rPr lang="en-US" b="1" i="1" dirty="0">
+                <a:solidFill>
+                  <a:srgbClr val="0070C0"/>
+                </a:solidFill>
+                <a:latin typeface="Consolas" panose="020B0609020204030204" pitchFamily="49" charset="0"/>
+                <a:cs typeface="Consolas" panose="020B0609020204030204" pitchFamily="49" charset="0"/>
+              </a:rPr>
+              <a:t>(2, -1)</a:t>
+            </a:r>
+          </a:p>
+          <a:p>
+            <a:pPr lvl="1"/>
+            <a:endParaRPr lang="en-US" b="1" i="1" dirty="0">
+              <a:solidFill>
+                <a:srgbClr val="0070C0"/>
+              </a:solidFill>
+              <a:latin typeface="Consolas" panose="020B0609020204030204" pitchFamily="49" charset="0"/>
+              <a:cs typeface="Consolas" panose="020B0609020204030204" pitchFamily="49" charset="0"/>
+            </a:endParaRPr>
+          </a:p>
+          <a:p>
+            <a:pPr lvl="1"/>
+            <a:r>
+              <a:rPr lang="en-US" b="1" i="1" dirty="0">
+                <a:solidFill>
+                  <a:srgbClr val="0070C0"/>
+                </a:solidFill>
+                <a:latin typeface="Consolas" panose="020B0609020204030204" pitchFamily="49" charset="0"/>
+                <a:cs typeface="Consolas" panose="020B0609020204030204" pitchFamily="49" charset="0"/>
+              </a:rPr>
+              <a:t>while(True):</a:t>
+            </a:r>
+          </a:p>
+          <a:p>
+            <a:pPr lvl="1"/>
+            <a:r>
+              <a:rPr lang="en-US" b="1" i="1" dirty="0">
+                <a:solidFill>
+                  <a:srgbClr val="0070C0"/>
+                </a:solidFill>
+                <a:latin typeface="Consolas" panose="020B0609020204030204" pitchFamily="49" charset="0"/>
+                <a:cs typeface="Consolas" panose="020B0609020204030204" pitchFamily="49" charset="0"/>
+              </a:rPr>
+              <a:t>    x = </a:t>
+            </a:r>
+            <a:r>
+              <a:rPr lang="en-US" b="1" i="1" dirty="0" err="1">
+                <a:solidFill>
+                  <a:srgbClr val="0070C0"/>
+                </a:solidFill>
+                <a:latin typeface="Consolas" panose="020B0609020204030204" pitchFamily="49" charset="0"/>
+                <a:cs typeface="Consolas" panose="020B0609020204030204" pitchFamily="49" charset="0"/>
+              </a:rPr>
               <a:t>int</a:t>
             </a:r>
             <a:r>
@@ -12147,7 +12440,20 @@
                 <a:latin typeface="Consolas" panose="020B0609020204030204" pitchFamily="49" charset="0"/>
                 <a:cs typeface="Consolas" panose="020B0609020204030204" pitchFamily="49" charset="0"/>
               </a:rPr>
-              <a:t>(</a:t>
+              <a:t>(input("Pin 0 to 5: "))</a:t>
+            </a:r>
+          </a:p>
+          <a:p>
+            <a:pPr lvl="1"/>
+            <a:r>
+              <a:rPr lang="en-US" b="1" i="1" dirty="0">
+                <a:solidFill>
+                  <a:srgbClr val="0070C0"/>
+                </a:solidFill>
+                <a:latin typeface="Consolas" panose="020B0609020204030204" pitchFamily="49" charset="0"/>
+                <a:cs typeface="Consolas" panose="020B0609020204030204" pitchFamily="49" charset="0"/>
+              </a:rPr>
+              <a:t>    </a:t>
             </a:r>
             <a:r>
               <a:rPr lang="en-US" b="1" i="1" dirty="0" err="1">
@@ -12157,40 +12463,7 @@
                 <a:latin typeface="Consolas" panose="020B0609020204030204" pitchFamily="49" charset="0"/>
                 <a:cs typeface="Consolas" panose="020B0609020204030204" pitchFamily="49" charset="0"/>
               </a:rPr>
-              <a:t>raw_input</a:t>
-            </a:r>
-            <a:r>
-              <a:rPr lang="en-US" b="1" i="1" dirty="0">
-                <a:solidFill>
-                  <a:srgbClr val="0070C0"/>
-                </a:solidFill>
-                <a:latin typeface="Consolas" panose="020B0609020204030204" pitchFamily="49" charset="0"/>
-                <a:cs typeface="Consolas" panose="020B0609020204030204" pitchFamily="49" charset="0"/>
-              </a:rPr>
-              <a:t>("Pin (0 to 5):"))    </a:t>
-            </a:r>
-          </a:p>
-          <a:p>
-            <a:pPr lvl="1"/>
-            <a:r>
-              <a:rPr lang="en-US" b="1" i="1" dirty="0">
-                <a:solidFill>
-                  <a:srgbClr val="0070C0"/>
-                </a:solidFill>
-                <a:latin typeface="Consolas" panose="020B0609020204030204" pitchFamily="49" charset="0"/>
-                <a:cs typeface="Consolas" panose="020B0609020204030204" pitchFamily="49" charset="0"/>
-              </a:rPr>
-              <a:t>	</a:t>
-            </a:r>
-            <a:r>
-              <a:rPr lang="en-US" b="1" i="1" dirty="0" err="1">
-                <a:solidFill>
-                  <a:srgbClr val="0070C0"/>
-                </a:solidFill>
-                <a:latin typeface="Consolas" panose="020B0609020204030204" pitchFamily="49" charset="0"/>
-                <a:cs typeface="Consolas" panose="020B0609020204030204" pitchFamily="49" charset="0"/>
-              </a:rPr>
-              <a:t>light_led</a:t>
+              <a:t>LightLed</a:t>
             </a:r>
             <a:r>
               <a:rPr lang="en-US" b="1" i="1" dirty="0">

--- a/session3/presentation/Raspberry_pi_Controlling_Hardware.pptx
+++ b/session3/presentation/Raspberry_pi_Controlling_Hardware.pptx
@@ -272,7 +272,7 @@
           <a:p>
             <a:fld id="{1139FA4A-C808-4981-8BA9-64217A6CCEA7}" type="datetimeFigureOut">
               <a:rPr lang="en-US" smtClean="0"/>
-              <a:t>9/11/2017</a:t>
+              <a:t>12/1/2017</a:t>
             </a:fld>
             <a:endParaRPr lang="en-US"/>
           </a:p>
@@ -440,7 +440,7 @@
           <a:p>
             <a:fld id="{1139FA4A-C808-4981-8BA9-64217A6CCEA7}" type="datetimeFigureOut">
               <a:rPr lang="en-US" smtClean="0"/>
-              <a:t>9/11/2017</a:t>
+              <a:t>12/1/2017</a:t>
             </a:fld>
             <a:endParaRPr lang="en-US"/>
           </a:p>
@@ -618,7 +618,7 @@
           <a:p>
             <a:fld id="{1139FA4A-C808-4981-8BA9-64217A6CCEA7}" type="datetimeFigureOut">
               <a:rPr lang="en-US" smtClean="0"/>
-              <a:t>9/11/2017</a:t>
+              <a:t>12/1/2017</a:t>
             </a:fld>
             <a:endParaRPr lang="en-US"/>
           </a:p>
@@ -786,7 +786,7 @@
           <a:p>
             <a:fld id="{1139FA4A-C808-4981-8BA9-64217A6CCEA7}" type="datetimeFigureOut">
               <a:rPr lang="en-US" smtClean="0"/>
-              <a:t>9/11/2017</a:t>
+              <a:t>12/1/2017</a:t>
             </a:fld>
             <a:endParaRPr lang="en-US"/>
           </a:p>
@@ -1031,7 +1031,7 @@
           <a:p>
             <a:fld id="{1139FA4A-C808-4981-8BA9-64217A6CCEA7}" type="datetimeFigureOut">
               <a:rPr lang="en-US" smtClean="0"/>
-              <a:t>9/11/2017</a:t>
+              <a:t>12/1/2017</a:t>
             </a:fld>
             <a:endParaRPr lang="en-US"/>
           </a:p>
@@ -1260,7 +1260,7 @@
           <a:p>
             <a:fld id="{1139FA4A-C808-4981-8BA9-64217A6CCEA7}" type="datetimeFigureOut">
               <a:rPr lang="en-US" smtClean="0"/>
-              <a:t>9/11/2017</a:t>
+              <a:t>12/1/2017</a:t>
             </a:fld>
             <a:endParaRPr lang="en-US"/>
           </a:p>
@@ -1624,7 +1624,7 @@
           <a:p>
             <a:fld id="{1139FA4A-C808-4981-8BA9-64217A6CCEA7}" type="datetimeFigureOut">
               <a:rPr lang="en-US" smtClean="0"/>
-              <a:t>9/11/2017</a:t>
+              <a:t>12/1/2017</a:t>
             </a:fld>
             <a:endParaRPr lang="en-US"/>
           </a:p>
@@ -1741,7 +1741,7 @@
           <a:p>
             <a:fld id="{1139FA4A-C808-4981-8BA9-64217A6CCEA7}" type="datetimeFigureOut">
               <a:rPr lang="en-US" smtClean="0"/>
-              <a:t>9/11/2017</a:t>
+              <a:t>12/1/2017</a:t>
             </a:fld>
             <a:endParaRPr lang="en-US"/>
           </a:p>
@@ -1836,7 +1836,7 @@
           <a:p>
             <a:fld id="{1139FA4A-C808-4981-8BA9-64217A6CCEA7}" type="datetimeFigureOut">
               <a:rPr lang="en-US" smtClean="0"/>
-              <a:t>9/11/2017</a:t>
+              <a:t>12/1/2017</a:t>
             </a:fld>
             <a:endParaRPr lang="en-US"/>
           </a:p>
@@ -2111,7 +2111,7 @@
           <a:p>
             <a:fld id="{1139FA4A-C808-4981-8BA9-64217A6CCEA7}" type="datetimeFigureOut">
               <a:rPr lang="en-US" smtClean="0"/>
-              <a:t>9/11/2017</a:t>
+              <a:t>12/1/2017</a:t>
             </a:fld>
             <a:endParaRPr lang="en-US"/>
           </a:p>
@@ -2363,7 +2363,7 @@
           <a:p>
             <a:fld id="{1139FA4A-C808-4981-8BA9-64217A6CCEA7}" type="datetimeFigureOut">
               <a:rPr lang="en-US" smtClean="0"/>
-              <a:t>9/11/2017</a:t>
+              <a:t>12/1/2017</a:t>
             </a:fld>
             <a:endParaRPr lang="en-US"/>
           </a:p>
@@ -2574,7 +2574,7 @@
           <a:p>
             <a:fld id="{1139FA4A-C808-4981-8BA9-64217A6CCEA7}" type="datetimeFigureOut">
               <a:rPr lang="en-US" smtClean="0"/>
-              <a:t>9/11/2017</a:t>
+              <a:t>12/1/2017</a:t>
             </a:fld>
             <a:endParaRPr lang="en-US"/>
           </a:p>
@@ -4940,17 +4940,17 @@
               <a:buChar char="•"/>
             </a:pPr>
             <a:r>
-              <a:rPr lang="en-US" sz="2000" b="1" i="1" dirty="0" err="1">
-                <a:solidFill>
-                  <a:srgbClr val="0070C0"/>
-                </a:solidFill>
-                <a:latin typeface="Consolas" panose="020B0609020204030204" pitchFamily="49" charset="0"/>
-                <a:cs typeface="Consolas" panose="020B0609020204030204" pitchFamily="49" charset="0"/>
-              </a:rPr>
-              <a:t>pwm_led.ChangeDutyCycle</a:t>
-            </a:r>
-            <a:r>
-              <a:rPr lang="en-US" sz="2000" b="1" i="1" dirty="0">
+              <a:rPr lang="en-US" sz="2000" b="1" i="1" dirty="0" err="1" smtClean="0">
+                <a:solidFill>
+                  <a:srgbClr val="0070C0"/>
+                </a:solidFill>
+                <a:latin typeface="Consolas" panose="020B0609020204030204" pitchFamily="49" charset="0"/>
+                <a:cs typeface="Consolas" panose="020B0609020204030204" pitchFamily="49" charset="0"/>
+              </a:rPr>
+              <a:t>pwm_var.ChangeDutyCycle</a:t>
+            </a:r>
+            <a:r>
+              <a:rPr lang="en-US" sz="2000" b="1" i="1" dirty="0" smtClean="0">
                 <a:solidFill>
                   <a:srgbClr val="0070C0"/>
                 </a:solidFill>
@@ -4960,7 +4960,7 @@
               <a:t>(</a:t>
             </a:r>
             <a:r>
-              <a:rPr lang="en-US" sz="2000" b="1" i="1" dirty="0" err="1">
+              <a:rPr lang="en-US" sz="2000" b="1" i="1" dirty="0" err="1" smtClean="0">
                 <a:solidFill>
                   <a:srgbClr val="0070C0"/>
                 </a:solidFill>

--- a/session3/presentation/Raspberry_pi_Controlling_Hardware.pptx
+++ b/session3/presentation/Raspberry_pi_Controlling_Hardware.pptx
@@ -272,7 +272,7 @@
           <a:p>
             <a:fld id="{1139FA4A-C808-4981-8BA9-64217A6CCEA7}" type="datetimeFigureOut">
               <a:rPr lang="en-US" smtClean="0"/>
-              <a:t>12/1/2017</a:t>
+              <a:t>9/11/2017</a:t>
             </a:fld>
             <a:endParaRPr lang="en-US"/>
           </a:p>
@@ -440,7 +440,7 @@
           <a:p>
             <a:fld id="{1139FA4A-C808-4981-8BA9-64217A6CCEA7}" type="datetimeFigureOut">
               <a:rPr lang="en-US" smtClean="0"/>
-              <a:t>12/1/2017</a:t>
+              <a:t>9/11/2017</a:t>
             </a:fld>
             <a:endParaRPr lang="en-US"/>
           </a:p>
@@ -618,7 +618,7 @@
           <a:p>
             <a:fld id="{1139FA4A-C808-4981-8BA9-64217A6CCEA7}" type="datetimeFigureOut">
               <a:rPr lang="en-US" smtClean="0"/>
-              <a:t>12/1/2017</a:t>
+              <a:t>9/11/2017</a:t>
             </a:fld>
             <a:endParaRPr lang="en-US"/>
           </a:p>
@@ -786,7 +786,7 @@
           <a:p>
             <a:fld id="{1139FA4A-C808-4981-8BA9-64217A6CCEA7}" type="datetimeFigureOut">
               <a:rPr lang="en-US" smtClean="0"/>
-              <a:t>12/1/2017</a:t>
+              <a:t>9/11/2017</a:t>
             </a:fld>
             <a:endParaRPr lang="en-US"/>
           </a:p>
@@ -1031,7 +1031,7 @@
           <a:p>
             <a:fld id="{1139FA4A-C808-4981-8BA9-64217A6CCEA7}" type="datetimeFigureOut">
               <a:rPr lang="en-US" smtClean="0"/>
-              <a:t>12/1/2017</a:t>
+              <a:t>9/11/2017</a:t>
             </a:fld>
             <a:endParaRPr lang="en-US"/>
           </a:p>
@@ -1260,7 +1260,7 @@
           <a:p>
             <a:fld id="{1139FA4A-C808-4981-8BA9-64217A6CCEA7}" type="datetimeFigureOut">
               <a:rPr lang="en-US" smtClean="0"/>
-              <a:t>12/1/2017</a:t>
+              <a:t>9/11/2017</a:t>
             </a:fld>
             <a:endParaRPr lang="en-US"/>
           </a:p>
@@ -1624,7 +1624,7 @@
           <a:p>
             <a:fld id="{1139FA4A-C808-4981-8BA9-64217A6CCEA7}" type="datetimeFigureOut">
               <a:rPr lang="en-US" smtClean="0"/>
-              <a:t>12/1/2017</a:t>
+              <a:t>9/11/2017</a:t>
             </a:fld>
             <a:endParaRPr lang="en-US"/>
           </a:p>
@@ -1741,7 +1741,7 @@
           <a:p>
             <a:fld id="{1139FA4A-C808-4981-8BA9-64217A6CCEA7}" type="datetimeFigureOut">
               <a:rPr lang="en-US" smtClean="0"/>
-              <a:t>12/1/2017</a:t>
+              <a:t>9/11/2017</a:t>
             </a:fld>
             <a:endParaRPr lang="en-US"/>
           </a:p>
@@ -1836,7 +1836,7 @@
           <a:p>
             <a:fld id="{1139FA4A-C808-4981-8BA9-64217A6CCEA7}" type="datetimeFigureOut">
               <a:rPr lang="en-US" smtClean="0"/>
-              <a:t>12/1/2017</a:t>
+              <a:t>9/11/2017</a:t>
             </a:fld>
             <a:endParaRPr lang="en-US"/>
           </a:p>
@@ -2111,7 +2111,7 @@
           <a:p>
             <a:fld id="{1139FA4A-C808-4981-8BA9-64217A6CCEA7}" type="datetimeFigureOut">
               <a:rPr lang="en-US" smtClean="0"/>
-              <a:t>12/1/2017</a:t>
+              <a:t>9/11/2017</a:t>
             </a:fld>
             <a:endParaRPr lang="en-US"/>
           </a:p>
@@ -2363,7 +2363,7 @@
           <a:p>
             <a:fld id="{1139FA4A-C808-4981-8BA9-64217A6CCEA7}" type="datetimeFigureOut">
               <a:rPr lang="en-US" smtClean="0"/>
-              <a:t>12/1/2017</a:t>
+              <a:t>9/11/2017</a:t>
             </a:fld>
             <a:endParaRPr lang="en-US"/>
           </a:p>
@@ -2574,7 +2574,7 @@
           <a:p>
             <a:fld id="{1139FA4A-C808-4981-8BA9-64217A6CCEA7}" type="datetimeFigureOut">
               <a:rPr lang="en-US" smtClean="0"/>
-              <a:t>12/1/2017</a:t>
+              <a:t>9/11/2017</a:t>
             </a:fld>
             <a:endParaRPr lang="en-US"/>
           </a:p>
@@ -4940,17 +4940,17 @@
               <a:buChar char="•"/>
             </a:pPr>
             <a:r>
-              <a:rPr lang="en-US" sz="2000" b="1" i="1" dirty="0" err="1" smtClean="0">
-                <a:solidFill>
-                  <a:srgbClr val="0070C0"/>
-                </a:solidFill>
-                <a:latin typeface="Consolas" panose="020B0609020204030204" pitchFamily="49" charset="0"/>
-                <a:cs typeface="Consolas" panose="020B0609020204030204" pitchFamily="49" charset="0"/>
-              </a:rPr>
-              <a:t>pwm_var.ChangeDutyCycle</a:t>
-            </a:r>
-            <a:r>
-              <a:rPr lang="en-US" sz="2000" b="1" i="1" dirty="0" smtClean="0">
+              <a:rPr lang="en-US" sz="2000" b="1" i="1" dirty="0" err="1">
+                <a:solidFill>
+                  <a:srgbClr val="0070C0"/>
+                </a:solidFill>
+                <a:latin typeface="Consolas" panose="020B0609020204030204" pitchFamily="49" charset="0"/>
+                <a:cs typeface="Consolas" panose="020B0609020204030204" pitchFamily="49" charset="0"/>
+              </a:rPr>
+              <a:t>pwm_led.ChangeDutyCycle</a:t>
+            </a:r>
+            <a:r>
+              <a:rPr lang="en-US" sz="2000" b="1" i="1" dirty="0">
                 <a:solidFill>
                   <a:srgbClr val="0070C0"/>
                 </a:solidFill>
@@ -4960,7 +4960,7 @@
               <a:t>(</a:t>
             </a:r>
             <a:r>
-              <a:rPr lang="en-US" sz="2000" b="1" i="1" dirty="0" err="1" smtClean="0">
+              <a:rPr lang="en-US" sz="2000" b="1" i="1" dirty="0" err="1">
                 <a:solidFill>
                   <a:srgbClr val="0070C0"/>
                 </a:solidFill>

--- a/session3/presentation/Raspberry_pi_Controlling_Hardware.pptx
+++ b/session3/presentation/Raspberry_pi_Controlling_Hardware.pptx
@@ -272,7 +272,7 @@
           <a:p>
             <a:fld id="{1139FA4A-C808-4981-8BA9-64217A6CCEA7}" type="datetimeFigureOut">
               <a:rPr lang="en-US" smtClean="0"/>
-              <a:t>9/11/2017</a:t>
+              <a:t>3/16/2018</a:t>
             </a:fld>
             <a:endParaRPr lang="en-US"/>
           </a:p>
@@ -440,7 +440,7 @@
           <a:p>
             <a:fld id="{1139FA4A-C808-4981-8BA9-64217A6CCEA7}" type="datetimeFigureOut">
               <a:rPr lang="en-US" smtClean="0"/>
-              <a:t>9/11/2017</a:t>
+              <a:t>3/16/2018</a:t>
             </a:fld>
             <a:endParaRPr lang="en-US"/>
           </a:p>
@@ -618,7 +618,7 @@
           <a:p>
             <a:fld id="{1139FA4A-C808-4981-8BA9-64217A6CCEA7}" type="datetimeFigureOut">
               <a:rPr lang="en-US" smtClean="0"/>
-              <a:t>9/11/2017</a:t>
+              <a:t>3/16/2018</a:t>
             </a:fld>
             <a:endParaRPr lang="en-US"/>
           </a:p>
@@ -786,7 +786,7 @@
           <a:p>
             <a:fld id="{1139FA4A-C808-4981-8BA9-64217A6CCEA7}" type="datetimeFigureOut">
               <a:rPr lang="en-US" smtClean="0"/>
-              <a:t>9/11/2017</a:t>
+              <a:t>3/16/2018</a:t>
             </a:fld>
             <a:endParaRPr lang="en-US"/>
           </a:p>
@@ -1031,7 +1031,7 @@
           <a:p>
             <a:fld id="{1139FA4A-C808-4981-8BA9-64217A6CCEA7}" type="datetimeFigureOut">
               <a:rPr lang="en-US" smtClean="0"/>
-              <a:t>9/11/2017</a:t>
+              <a:t>3/16/2018</a:t>
             </a:fld>
             <a:endParaRPr lang="en-US"/>
           </a:p>
@@ -1260,7 +1260,7 @@
           <a:p>
             <a:fld id="{1139FA4A-C808-4981-8BA9-64217A6CCEA7}" type="datetimeFigureOut">
               <a:rPr lang="en-US" smtClean="0"/>
-              <a:t>9/11/2017</a:t>
+              <a:t>3/16/2018</a:t>
             </a:fld>
             <a:endParaRPr lang="en-US"/>
           </a:p>
@@ -1624,7 +1624,7 @@
           <a:p>
             <a:fld id="{1139FA4A-C808-4981-8BA9-64217A6CCEA7}" type="datetimeFigureOut">
               <a:rPr lang="en-US" smtClean="0"/>
-              <a:t>9/11/2017</a:t>
+              <a:t>3/16/2018</a:t>
             </a:fld>
             <a:endParaRPr lang="en-US"/>
           </a:p>
@@ -1741,7 +1741,7 @@
           <a:p>
             <a:fld id="{1139FA4A-C808-4981-8BA9-64217A6CCEA7}" type="datetimeFigureOut">
               <a:rPr lang="en-US" smtClean="0"/>
-              <a:t>9/11/2017</a:t>
+              <a:t>3/16/2018</a:t>
             </a:fld>
             <a:endParaRPr lang="en-US"/>
           </a:p>
@@ -1836,7 +1836,7 @@
           <a:p>
             <a:fld id="{1139FA4A-C808-4981-8BA9-64217A6CCEA7}" type="datetimeFigureOut">
               <a:rPr lang="en-US" smtClean="0"/>
-              <a:t>9/11/2017</a:t>
+              <a:t>3/16/2018</a:t>
             </a:fld>
             <a:endParaRPr lang="en-US"/>
           </a:p>
@@ -2111,7 +2111,7 @@
           <a:p>
             <a:fld id="{1139FA4A-C808-4981-8BA9-64217A6CCEA7}" type="datetimeFigureOut">
               <a:rPr lang="en-US" smtClean="0"/>
-              <a:t>9/11/2017</a:t>
+              <a:t>3/16/2018</a:t>
             </a:fld>
             <a:endParaRPr lang="en-US"/>
           </a:p>
@@ -2363,7 +2363,7 @@
           <a:p>
             <a:fld id="{1139FA4A-C808-4981-8BA9-64217A6CCEA7}" type="datetimeFigureOut">
               <a:rPr lang="en-US" smtClean="0"/>
-              <a:t>9/11/2017</a:t>
+              <a:t>3/16/2018</a:t>
             </a:fld>
             <a:endParaRPr lang="en-US"/>
           </a:p>
@@ -2574,7 +2574,7 @@
           <a:p>
             <a:fld id="{1139FA4A-C808-4981-8BA9-64217A6CCEA7}" type="datetimeFigureOut">
               <a:rPr lang="en-US" smtClean="0"/>
-              <a:t>9/11/2017</a:t>
+              <a:t>3/16/2018</a:t>
             </a:fld>
             <a:endParaRPr lang="en-US"/>
           </a:p>
@@ -4731,14 +4731,14 @@
               <a:buChar char="•"/>
             </a:pPr>
             <a:r>
-              <a:rPr lang="en-US" sz="2000" b="1" i="1" dirty="0" err="1">
-                <a:solidFill>
-                  <a:srgbClr val="0070C0"/>
-                </a:solidFill>
-                <a:latin typeface="Consolas" panose="020B0609020204030204" pitchFamily="49" charset="0"/>
-                <a:cs typeface="Consolas" panose="020B0609020204030204" pitchFamily="49" charset="0"/>
-              </a:rPr>
-              <a:t>GPIO.setup</a:t>
+              <a:rPr lang="en-US" sz="2000" b="1" i="1" dirty="0" smtClean="0">
+                <a:solidFill>
+                  <a:srgbClr val="0070C0"/>
+                </a:solidFill>
+                <a:latin typeface="Consolas" panose="020B0609020204030204" pitchFamily="49" charset="0"/>
+                <a:cs typeface="Consolas" panose="020B0609020204030204" pitchFamily="49" charset="0"/>
+              </a:rPr>
+              <a:t>GPIO.setup(pin, </a:t>
             </a:r>
             <a:r>
               <a:rPr lang="en-US" sz="2000" b="1" i="1" dirty="0">
@@ -4748,27 +4748,7 @@
                 <a:latin typeface="Consolas" panose="020B0609020204030204" pitchFamily="49" charset="0"/>
                 <a:cs typeface="Consolas" panose="020B0609020204030204" pitchFamily="49" charset="0"/>
               </a:rPr>
-              <a:t>(</a:t>
-            </a:r>
-            <a:r>
-              <a:rPr lang="en-US" sz="2000" b="1" i="1" dirty="0" err="1">
-                <a:solidFill>
-                  <a:srgbClr val="0070C0"/>
-                </a:solidFill>
-                <a:latin typeface="Consolas" panose="020B0609020204030204" pitchFamily="49" charset="0"/>
-                <a:cs typeface="Consolas" panose="020B0609020204030204" pitchFamily="49" charset="0"/>
-              </a:rPr>
-              <a:t>pin_Number</a:t>
-            </a:r>
-            <a:r>
-              <a:rPr lang="en-US" sz="2000" b="1" i="1" dirty="0">
-                <a:solidFill>
-                  <a:srgbClr val="0070C0"/>
-                </a:solidFill>
-                <a:latin typeface="Consolas" panose="020B0609020204030204" pitchFamily="49" charset="0"/>
-                <a:cs typeface="Consolas" panose="020B0609020204030204" pitchFamily="49" charset="0"/>
-              </a:rPr>
-              <a:t>, GPIO.OUT)</a:t>
+              <a:t>GPIO.OUT)</a:t>
             </a:r>
           </a:p>
           <a:p>
@@ -4940,16 +4920,6 @@
               <a:buChar char="•"/>
             </a:pPr>
             <a:r>
-              <a:rPr lang="en-US" sz="2000" b="1" i="1" dirty="0" err="1">
-                <a:solidFill>
-                  <a:srgbClr val="0070C0"/>
-                </a:solidFill>
-                <a:latin typeface="Consolas" panose="020B0609020204030204" pitchFamily="49" charset="0"/>
-                <a:cs typeface="Consolas" panose="020B0609020204030204" pitchFamily="49" charset="0"/>
-              </a:rPr>
-              <a:t>pwm_led.ChangeDutyCycle</a:t>
-            </a:r>
-            <a:r>
               <a:rPr lang="en-US" sz="2000" b="1" i="1" dirty="0">
                 <a:solidFill>
                   <a:srgbClr val="0070C0"/>
@@ -4957,17 +4927,7 @@
                 <a:latin typeface="Consolas" panose="020B0609020204030204" pitchFamily="49" charset="0"/>
                 <a:cs typeface="Consolas" panose="020B0609020204030204" pitchFamily="49" charset="0"/>
               </a:rPr>
-              <a:t>(</a:t>
-            </a:r>
-            <a:r>
-              <a:rPr lang="en-US" sz="2000" b="1" i="1" dirty="0" err="1">
-                <a:solidFill>
-                  <a:srgbClr val="0070C0"/>
-                </a:solidFill>
-                <a:latin typeface="Consolas" panose="020B0609020204030204" pitchFamily="49" charset="0"/>
-                <a:cs typeface="Consolas" panose="020B0609020204030204" pitchFamily="49" charset="0"/>
-              </a:rPr>
-              <a:t>duty_percent</a:t>
+              <a:t>Pwm_var.ChangeDutyCycle(duty_percent</a:t>
             </a:r>
             <a:r>
               <a:rPr lang="en-US" sz="2000" b="1" i="1" dirty="0">
